--- a/shinyMobile.pptx
+++ b/shinyMobile.pptx
@@ -5,13 +5,14 @@
     <p:sldMasterId id="2147483648" r:id="rId1"/>
   </p:sldMasterIdLst>
   <p:notesMasterIdLst>
-    <p:notesMasterId r:id="rId6"/>
+    <p:notesMasterId r:id="rId7"/>
   </p:notesMasterIdLst>
   <p:sldIdLst>
     <p:sldId id="256" r:id="rId2"/>
     <p:sldId id="257" r:id="rId3"/>
     <p:sldId id="258" r:id="rId4"/>
     <p:sldId id="259" r:id="rId5"/>
+    <p:sldId id="260" r:id="rId6"/>
   </p:sldIdLst>
   <p:sldSz cx="13970000" cy="10795000"/>
   <p:notesSz cx="6858000" cy="9144000"/>
@@ -553,7 +554,7 @@
           <a:bodyPr/>
           <a:lstStyle/>
           <a:p>
-            <a:endParaRPr lang="en-US"/>
+            <a:endParaRPr lang="en-US" dirty="0"/>
           </a:p>
         </p:txBody>
       </p:sp>
@@ -759,6 +760,72 @@
     <p:extLst>
       <p:ext uri="{BB962C8B-B14F-4D97-AF65-F5344CB8AC3E}">
         <p14:creationId xmlns:p14="http://schemas.microsoft.com/office/powerpoint/2010/main" val="1242817506"/>
+      </p:ext>
+    </p:extLst>
+  </p:cSld>
+  <p:clrMapOvr>
+    <a:masterClrMapping/>
+  </p:clrMapOvr>
+</p:notes>
+</file>
+
+<file path=ppt/notesSlides/notesSlide5.xml><?xml version="1.0" encoding="utf-8"?>
+<p:notes xmlns:a="http://schemas.openxmlformats.org/drawingml/2006/main" xmlns:r="http://schemas.openxmlformats.org/officeDocument/2006/relationships" xmlns:p="http://schemas.openxmlformats.org/presentationml/2006/main">
+  <p:cSld>
+    <p:spTree>
+      <p:nvGrpSpPr>
+        <p:cNvPr id="1" name=""/>
+        <p:cNvGrpSpPr/>
+        <p:nvPr/>
+      </p:nvGrpSpPr>
+      <p:grpSpPr>
+        <a:xfrm>
+          <a:off x="0" y="0"/>
+          <a:ext cx="0" cy="0"/>
+          <a:chOff x="0" y="0"/>
+          <a:chExt cx="0" cy="0"/>
+        </a:xfrm>
+      </p:grpSpPr>
+      <p:sp>
+        <p:nvSpPr>
+          <p:cNvPr id="2" name="Slide Image Placeholder 1"/>
+          <p:cNvSpPr>
+            <a:spLocks noGrp="1" noRot="1" noChangeAspect="1"/>
+          </p:cNvSpPr>
+          <p:nvPr>
+            <p:ph type="sldImg"/>
+          </p:nvPr>
+        </p:nvSpPr>
+        <p:spPr>
+          <a:xfrm>
+            <a:off x="1209675" y="685800"/>
+            <a:ext cx="4438650" cy="3429000"/>
+          </a:xfrm>
+        </p:spPr>
+      </p:sp>
+      <p:sp>
+        <p:nvSpPr>
+          <p:cNvPr id="3" name="Notes Placeholder 2"/>
+          <p:cNvSpPr>
+            <a:spLocks noGrp="1"/>
+          </p:cNvSpPr>
+          <p:nvPr>
+            <p:ph type="body" idx="1"/>
+          </p:nvPr>
+        </p:nvSpPr>
+        <p:spPr/>
+        <p:txBody>
+          <a:bodyPr/>
+          <a:lstStyle/>
+          <a:p>
+            <a:endParaRPr lang="en-US" dirty="0"/>
+          </a:p>
+        </p:txBody>
+      </p:sp>
+    </p:spTree>
+    <p:extLst>
+      <p:ext uri="{BB962C8B-B14F-4D97-AF65-F5344CB8AC3E}">
+        <p14:creationId xmlns:p14="http://schemas.microsoft.com/office/powerpoint/2010/main" val="2601364817"/>
       </p:ext>
     </p:extLst>
   </p:cSld>
@@ -2391,7 +2458,7 @@
           </a:ln>
           <a:extLst>
             <a:ext uri="{C572A759-6A51-4108-AA02-DFA0A04FC94B}">
-              <ma14:wrappingTextBoxFlag xmlns:ma14="http://schemas.microsoft.com/office/mac/drawingml/2011/main" xmlns:a14="http://schemas.microsoft.com/office/drawing/2010/main" xmlns:m="http://schemas.openxmlformats.org/officeDocument/2006/math" xmlns="" val="1"/>
+              <ma14:wrappingTextBoxFlag xmlns="" xmlns:m="http://schemas.openxmlformats.org/officeDocument/2006/math" xmlns:a14="http://schemas.microsoft.com/office/drawing/2010/main" xmlns:ma14="http://schemas.microsoft.com/office/mac/drawingml/2011/main" val="1"/>
             </a:ext>
           </a:extLst>
         </p:spPr>
@@ -2430,7 +2497,7 @@
           </a:ln>
           <a:extLst>
             <a:ext uri="{C572A759-6A51-4108-AA02-DFA0A04FC94B}">
-              <ma14:wrappingTextBoxFlag xmlns:ma14="http://schemas.microsoft.com/office/mac/drawingml/2011/main" xmlns:a14="http://schemas.microsoft.com/office/drawing/2010/main" xmlns:m="http://schemas.openxmlformats.org/officeDocument/2006/math" xmlns="" val="1"/>
+              <ma14:wrappingTextBoxFlag xmlns="" xmlns:m="http://schemas.openxmlformats.org/officeDocument/2006/math" xmlns:a14="http://schemas.microsoft.com/office/drawing/2010/main" xmlns:ma14="http://schemas.microsoft.com/office/mac/drawingml/2011/main" val="1"/>
             </a:ext>
           </a:extLst>
         </p:spPr>
@@ -3277,7 +3344,7 @@
         <p:grpSpPr>
           <a:xfrm>
             <a:off x="8383487" y="-1013161"/>
-            <a:ext cx="6157893" cy="3553962"/>
+            <a:ext cx="6157892" cy="3553962"/>
             <a:chOff x="0" y="51032"/>
             <a:chExt cx="6157891" cy="3553961"/>
           </a:xfrm>
@@ -3323,7 +3390,7 @@
               <a:effectLst/>
             </p:spPr>
             <p:txBody>
-              <a:bodyPr wrap="square" lIns="54570" tIns="54570" rIns="54570" bIns="54570" numCol="1" anchor="ctr">
+              <a:bodyPr wrap="square" lIns="54569" tIns="54569" rIns="54569" bIns="54569" numCol="1" anchor="ctr">
                 <a:noAutofit/>
               </a:bodyPr>
               <a:lstStyle/>
@@ -3369,7 +3436,7 @@
               <a:effectLst/>
             </p:spPr>
             <p:txBody>
-              <a:bodyPr wrap="square" lIns="54570" tIns="54570" rIns="54570" bIns="54570" numCol="1" anchor="ctr">
+              <a:bodyPr wrap="square" lIns="54569" tIns="54569" rIns="54569" bIns="54569" numCol="1" anchor="ctr">
                 <a:noAutofit/>
               </a:bodyPr>
               <a:lstStyle/>
@@ -3417,7 +3484,7 @@
               <a:effectLst/>
             </p:spPr>
             <p:txBody>
-              <a:bodyPr wrap="square" lIns="54570" tIns="54570" rIns="54570" bIns="54570" numCol="1" anchor="ctr">
+              <a:bodyPr wrap="square" lIns="54569" tIns="54569" rIns="54569" bIns="54569" numCol="1" anchor="ctr">
                 <a:noAutofit/>
               </a:bodyPr>
               <a:lstStyle/>
@@ -3466,7 +3533,7 @@
               <a:effectLst/>
             </p:spPr>
             <p:txBody>
-              <a:bodyPr wrap="square" lIns="54570" tIns="54570" rIns="54570" bIns="54570" numCol="1" anchor="ctr">
+              <a:bodyPr wrap="square" lIns="54569" tIns="54569" rIns="54569" bIns="54569" numCol="1" anchor="ctr">
                 <a:noAutofit/>
               </a:bodyPr>
               <a:lstStyle/>
@@ -3515,7 +3582,7 @@
               <a:effectLst/>
             </p:spPr>
             <p:txBody>
-              <a:bodyPr wrap="square" lIns="54570" tIns="54570" rIns="54570" bIns="54570" numCol="1" anchor="ctr">
+              <a:bodyPr wrap="square" lIns="54569" tIns="54569" rIns="54569" bIns="54569" numCol="1" anchor="ctr">
                 <a:noAutofit/>
               </a:bodyPr>
               <a:lstStyle/>
@@ -3561,7 +3628,7 @@
               <a:effectLst/>
             </p:spPr>
             <p:txBody>
-              <a:bodyPr wrap="square" lIns="54570" tIns="54570" rIns="54570" bIns="54570" numCol="1" anchor="ctr">
+              <a:bodyPr wrap="square" lIns="54569" tIns="54569" rIns="54569" bIns="54569" numCol="1" anchor="ctr">
                 <a:noAutofit/>
               </a:bodyPr>
               <a:lstStyle/>
@@ -3607,7 +3674,7 @@
               <a:effectLst/>
             </p:spPr>
             <p:txBody>
-              <a:bodyPr wrap="square" lIns="54570" tIns="54570" rIns="54570" bIns="54570" numCol="1" anchor="ctr">
+              <a:bodyPr wrap="square" lIns="54569" tIns="54569" rIns="54569" bIns="54569" numCol="1" anchor="ctr">
                 <a:noAutofit/>
               </a:bodyPr>
               <a:lstStyle/>
@@ -3656,7 +3723,7 @@
               <a:effectLst/>
             </p:spPr>
             <p:txBody>
-              <a:bodyPr wrap="square" lIns="54570" tIns="54570" rIns="54570" bIns="54570" numCol="1" anchor="ctr">
+              <a:bodyPr wrap="square" lIns="54569" tIns="54569" rIns="54569" bIns="54569" numCol="1" anchor="ctr">
                 <a:noAutofit/>
               </a:bodyPr>
               <a:lstStyle/>
@@ -3702,7 +3769,7 @@
               <a:effectLst/>
             </p:spPr>
             <p:txBody>
-              <a:bodyPr wrap="square" lIns="54570" tIns="54570" rIns="54570" bIns="54570" numCol="1" anchor="ctr">
+              <a:bodyPr wrap="square" lIns="54569" tIns="54569" rIns="54569" bIns="54569" numCol="1" anchor="ctr">
                 <a:noAutofit/>
               </a:bodyPr>
               <a:lstStyle/>
@@ -3751,7 +3818,7 @@
               <a:effectLst/>
             </p:spPr>
             <p:txBody>
-              <a:bodyPr wrap="square" lIns="54570" tIns="54570" rIns="54570" bIns="54570" numCol="1" anchor="ctr">
+              <a:bodyPr wrap="square" lIns="54569" tIns="54569" rIns="54569" bIns="54569" numCol="1" anchor="ctr">
                 <a:noAutofit/>
               </a:bodyPr>
               <a:lstStyle/>
@@ -3797,7 +3864,7 @@
               <a:effectLst/>
             </p:spPr>
             <p:txBody>
-              <a:bodyPr wrap="square" lIns="54570" tIns="54570" rIns="54570" bIns="54570" numCol="1" anchor="ctr">
+              <a:bodyPr wrap="square" lIns="54569" tIns="54569" rIns="54569" bIns="54569" numCol="1" anchor="ctr">
                 <a:noAutofit/>
               </a:bodyPr>
               <a:lstStyle/>
@@ -3846,7 +3913,7 @@
               <a:effectLst/>
             </p:spPr>
             <p:txBody>
-              <a:bodyPr wrap="square" lIns="54570" tIns="54570" rIns="54570" bIns="54570" numCol="1" anchor="ctr">
+              <a:bodyPr wrap="square" lIns="54569" tIns="54569" rIns="54569" bIns="54569" numCol="1" anchor="ctr">
                 <a:noAutofit/>
               </a:bodyPr>
               <a:lstStyle/>
@@ -3892,7 +3959,7 @@
               <a:effectLst/>
             </p:spPr>
             <p:txBody>
-              <a:bodyPr wrap="square" lIns="54570" tIns="54570" rIns="54570" bIns="54570" numCol="1" anchor="ctr">
+              <a:bodyPr wrap="square" lIns="54569" tIns="54569" rIns="54569" bIns="54569" numCol="1" anchor="ctr">
                 <a:noAutofit/>
               </a:bodyPr>
               <a:lstStyle/>
@@ -3941,7 +4008,7 @@
               <a:effectLst/>
             </p:spPr>
             <p:txBody>
-              <a:bodyPr wrap="square" lIns="54570" tIns="54570" rIns="54570" bIns="54570" numCol="1" anchor="ctr">
+              <a:bodyPr wrap="square" lIns="54569" tIns="54569" rIns="54569" bIns="54569" numCol="1" anchor="ctr">
                 <a:noAutofit/>
               </a:bodyPr>
               <a:lstStyle/>
@@ -3987,7 +4054,7 @@
               <a:effectLst/>
             </p:spPr>
             <p:txBody>
-              <a:bodyPr wrap="square" lIns="54570" tIns="54570" rIns="54570" bIns="54570" numCol="1" anchor="ctr">
+              <a:bodyPr wrap="square" lIns="54569" tIns="54569" rIns="54569" bIns="54569" numCol="1" anchor="ctr">
                 <a:noAutofit/>
               </a:bodyPr>
               <a:lstStyle/>
@@ -4056,7 +4123,7 @@
             <a:effectLst/>
           </p:spPr>
           <p:txBody>
-            <a:bodyPr wrap="square" lIns="54570" tIns="54570" rIns="54570" bIns="54570" numCol="1" anchor="ctr">
+            <a:bodyPr wrap="square" lIns="54569" tIns="54569" rIns="54569" bIns="54569" numCol="1" anchor="ctr">
               <a:noAutofit/>
             </a:bodyPr>
             <a:lstStyle/>
@@ -4153,7 +4220,7 @@
           </a:ln>
           <a:extLst>
             <a:ext uri="{C572A759-6A51-4108-AA02-DFA0A04FC94B}">
-              <ma14:wrappingTextBoxFlag xmlns:ma14="http://schemas.microsoft.com/office/mac/drawingml/2011/main" xmlns:a14="http://schemas.microsoft.com/office/drawing/2010/main" xmlns:m="http://schemas.openxmlformats.org/officeDocument/2006/math" xmlns="" val="1"/>
+              <ma14:wrappingTextBoxFlag xmlns="" xmlns:m="http://schemas.openxmlformats.org/officeDocument/2006/math" xmlns:a14="http://schemas.microsoft.com/office/drawing/2010/main" xmlns:ma14="http://schemas.microsoft.com/office/mac/drawingml/2011/main" val="1"/>
             </a:ext>
           </a:extLst>
         </p:spPr>
@@ -4283,7 +4350,7 @@
           </a:ln>
           <a:extLst>
             <a:ext uri="{C572A759-6A51-4108-AA02-DFA0A04FC94B}">
-              <ma14:wrappingTextBoxFlag xmlns:ma14="http://schemas.microsoft.com/office/mac/drawingml/2011/main" xmlns:a14="http://schemas.microsoft.com/office/drawing/2010/main" xmlns:m="http://schemas.openxmlformats.org/officeDocument/2006/math" xmlns="" val="1"/>
+              <ma14:wrappingTextBoxFlag xmlns="" xmlns:m="http://schemas.openxmlformats.org/officeDocument/2006/math" xmlns:a14="http://schemas.microsoft.com/office/drawing/2010/main" xmlns:ma14="http://schemas.microsoft.com/office/mac/drawingml/2011/main" val="1"/>
             </a:ext>
           </a:extLst>
         </p:spPr>
@@ -4331,7 +4398,7 @@
           </a:ln>
           <a:extLst>
             <a:ext uri="{C572A759-6A51-4108-AA02-DFA0A04FC94B}">
-              <ma14:wrappingTextBoxFlag xmlns:ma14="http://schemas.microsoft.com/office/mac/drawingml/2011/main" xmlns:a14="http://schemas.microsoft.com/office/drawing/2010/main" xmlns:m="http://schemas.openxmlformats.org/officeDocument/2006/math" xmlns="" val="1"/>
+              <ma14:wrappingTextBoxFlag xmlns="" xmlns:m="http://schemas.openxmlformats.org/officeDocument/2006/math" xmlns:a14="http://schemas.microsoft.com/office/drawing/2010/main" xmlns:ma14="http://schemas.microsoft.com/office/mac/drawingml/2011/main" val="1"/>
             </a:ext>
           </a:extLst>
         </p:spPr>
@@ -4406,14 +4473,14 @@
       </p:sp>
       <p:sp>
         <p:nvSpPr>
-          <p:cNvPr id="198" name="Inputs"/>
+          <p:cNvPr id="200" name="RStudio® is a trademark of RStudio, Inc.  •  CC BY SA RStudio •  info@rstudio.com  •  844-448-1212 • rstudio.com •  Learn more at shiny.rstudio.com  •  shiny  0.12.0  •  Updated: 2016-01"/>
           <p:cNvSpPr txBox="1"/>
           <p:nvPr/>
         </p:nvSpPr>
         <p:spPr>
           <a:xfrm>
-            <a:off x="14254778" y="1191888"/>
-            <a:ext cx="881381" cy="431801"/>
+            <a:off x="2353572" y="10340910"/>
+            <a:ext cx="11322666" cy="248842"/>
           </a:xfrm>
           <a:prstGeom prst="rect">
             <a:avLst/>
@@ -4423,98 +4490,7 @@
           </a:ln>
           <a:extLst>
             <a:ext uri="{C572A759-6A51-4108-AA02-DFA0A04FC94B}">
-              <ma14:wrappingTextBoxFlag xmlns:ma14="http://schemas.microsoft.com/office/mac/drawingml/2011/main" xmlns:a14="http://schemas.microsoft.com/office/drawing/2010/main" xmlns:m="http://schemas.openxmlformats.org/officeDocument/2006/math" xmlns="" val="1"/>
-            </a:ext>
-          </a:extLst>
-        </p:spPr>
-        <p:txBody>
-          <a:bodyPr wrap="none" lIns="12700" tIns="12700" rIns="12700" bIns="12700" anchor="ctr">
-            <a:spAutoFit/>
-          </a:bodyPr>
-          <a:lstStyle/>
-          <a:p>
-            <a:pPr lvl="1" indent="0">
-              <a:lnSpc>
-                <a:spcPct val="80000"/>
-              </a:lnSpc>
-              <a:spcBef>
-                <a:spcPts val="0"/>
-              </a:spcBef>
-              <a:defRPr sz="2500" b="0">
-                <a:solidFill>
-                  <a:srgbClr val="5589C5"/>
-                </a:solidFill>
-              </a:defRPr>
-            </a:pPr>
-            <a:r>
-              <a:rPr dirty="0"/>
-              <a:t>Inputs</a:t>
-            </a:r>
-          </a:p>
-        </p:txBody>
-      </p:sp>
-      <p:sp>
-        <p:nvSpPr>
-          <p:cNvPr id="199" name="Line"/>
-          <p:cNvSpPr/>
-          <p:nvPr/>
-        </p:nvSpPr>
-        <p:spPr>
-          <a:xfrm>
-            <a:off x="14194757" y="1204589"/>
-            <a:ext cx="1666585" cy="0"/>
-          </a:xfrm>
-          <a:prstGeom prst="line">
-            <a:avLst/>
-          </a:prstGeom>
-          <a:ln w="6350">
-            <a:solidFill>
-              <a:srgbClr val="767C85"/>
-            </a:solidFill>
-            <a:miter lim="400000"/>
-          </a:ln>
-        </p:spPr>
-        <p:txBody>
-          <a:bodyPr lIns="54570" tIns="54570" rIns="54570" bIns="54570" anchor="ctr"/>
-          <a:lstStyle/>
-          <a:p>
-            <a:pPr>
-              <a:lnSpc>
-                <a:spcPct val="80000"/>
-              </a:lnSpc>
-              <a:spcBef>
-                <a:spcPts val="600"/>
-              </a:spcBef>
-              <a:defRPr b="0">
-                <a:solidFill>
-                  <a:srgbClr val="000000"/>
-                </a:solidFill>
-              </a:defRPr>
-            </a:pPr>
-            <a:endParaRPr/>
-          </a:p>
-        </p:txBody>
-      </p:sp>
-      <p:sp>
-        <p:nvSpPr>
-          <p:cNvPr id="200" name="RStudio® is a trademark of RStudio, Inc.  •  CC BY SA RStudio •  info@rstudio.com  •  844-448-1212 • rstudio.com •  Learn more at shiny.rstudio.com  •  shiny  0.12.0  •  Updated: 2016-01"/>
-          <p:cNvSpPr txBox="1"/>
-          <p:nvPr/>
-        </p:nvSpPr>
-        <p:spPr>
-          <a:xfrm>
-            <a:off x="2353572" y="10340910"/>
-            <a:ext cx="11322666" cy="248842"/>
-          </a:xfrm>
-          <a:prstGeom prst="rect">
-            <a:avLst/>
-          </a:prstGeom>
-          <a:ln w="12700">
-            <a:miter lim="400000"/>
-          </a:ln>
-          <a:extLst>
-            <a:ext uri="{C572A759-6A51-4108-AA02-DFA0A04FC94B}">
-              <ma14:wrappingTextBoxFlag xmlns:ma14="http://schemas.microsoft.com/office/mac/drawingml/2011/main" xmlns:a14="http://schemas.microsoft.com/office/drawing/2010/main" xmlns:m="http://schemas.openxmlformats.org/officeDocument/2006/math" xmlns="" val="1"/>
+              <ma14:wrappingTextBoxFlag xmlns="" xmlns:m="http://schemas.openxmlformats.org/officeDocument/2006/math" xmlns:a14="http://schemas.microsoft.com/office/drawing/2010/main" xmlns:ma14="http://schemas.microsoft.com/office/mac/drawingml/2011/main" val="1"/>
             </a:ext>
           </a:extLst>
         </p:spPr>
@@ -4596,7 +4572,7 @@
           </a:ln>
           <a:extLst>
             <a:ext uri="{C572A759-6A51-4108-AA02-DFA0A04FC94B}">
-              <ma14:wrappingTextBoxFlag xmlns:ma14="http://schemas.microsoft.com/office/mac/drawingml/2011/main" xmlns:a14="http://schemas.microsoft.com/office/drawing/2010/main" xmlns:m="http://schemas.openxmlformats.org/officeDocument/2006/math" xmlns="" val="1"/>
+              <ma14:wrappingTextBoxFlag xmlns="" xmlns:m="http://schemas.openxmlformats.org/officeDocument/2006/math" xmlns:a14="http://schemas.microsoft.com/office/drawing/2010/main" xmlns:ma14="http://schemas.microsoft.com/office/mac/drawingml/2011/main" val="1"/>
             </a:ext>
           </a:extLst>
         </p:spPr>
@@ -4685,7 +4661,7 @@
           </a:ln>
           <a:extLst>
             <a:ext uri="{C572A759-6A51-4108-AA02-DFA0A04FC94B}">
-              <ma14:wrappingTextBoxFlag xmlns:ma14="http://schemas.microsoft.com/office/mac/drawingml/2011/main" xmlns:a14="http://schemas.microsoft.com/office/drawing/2010/main" xmlns:m="http://schemas.openxmlformats.org/officeDocument/2006/math" xmlns="" val="1"/>
+              <ma14:wrappingTextBoxFlag xmlns="" xmlns:m="http://schemas.openxmlformats.org/officeDocument/2006/math" xmlns:a14="http://schemas.microsoft.com/office/drawing/2010/main" xmlns:ma14="http://schemas.microsoft.com/office/mac/drawingml/2011/main" val="1"/>
             </a:ext>
           </a:extLst>
         </p:spPr>
@@ -4761,7 +4737,7 @@
           </a:ln>
           <a:extLst>
             <a:ext uri="{C572A759-6A51-4108-AA02-DFA0A04FC94B}">
-              <ma14:wrappingTextBoxFlag xmlns:ma14="http://schemas.microsoft.com/office/mac/drawingml/2011/main" xmlns:a14="http://schemas.microsoft.com/office/drawing/2010/main" xmlns:m="http://schemas.openxmlformats.org/officeDocument/2006/math" xmlns="" val="1"/>
+              <ma14:wrappingTextBoxFlag xmlns="" xmlns:m="http://schemas.openxmlformats.org/officeDocument/2006/math" xmlns:a14="http://schemas.microsoft.com/office/drawing/2010/main" xmlns:ma14="http://schemas.microsoft.com/office/mac/drawingml/2011/main" val="1"/>
             </a:ext>
           </a:extLst>
         </p:spPr>
@@ -5006,7 +4982,7 @@
           </a:ln>
           <a:extLst>
             <a:ext uri="{C572A759-6A51-4108-AA02-DFA0A04FC94B}">
-              <ma14:wrappingTextBoxFlag xmlns:ma14="http://schemas.microsoft.com/office/mac/drawingml/2011/main" xmlns:a14="http://schemas.microsoft.com/office/drawing/2010/main" xmlns:m="http://schemas.openxmlformats.org/officeDocument/2006/math" xmlns="" val="1"/>
+              <ma14:wrappingTextBoxFlag xmlns="" xmlns:m="http://schemas.openxmlformats.org/officeDocument/2006/math" xmlns:a14="http://schemas.microsoft.com/office/drawing/2010/main" xmlns:ma14="http://schemas.microsoft.com/office/mac/drawingml/2011/main" val="1"/>
             </a:ext>
           </a:extLst>
         </p:spPr>
@@ -5166,7 +5142,7 @@
           </a:ln>
           <a:extLst>
             <a:ext uri="{C572A759-6A51-4108-AA02-DFA0A04FC94B}">
-              <ma14:wrappingTextBoxFlag xmlns:ma14="http://schemas.microsoft.com/office/mac/drawingml/2011/main" xmlns:a14="http://schemas.microsoft.com/office/drawing/2010/main" xmlns:m="http://schemas.openxmlformats.org/officeDocument/2006/math" xmlns="" val="1"/>
+              <ma14:wrappingTextBoxFlag xmlns="" xmlns:m="http://schemas.openxmlformats.org/officeDocument/2006/math" xmlns:a14="http://schemas.microsoft.com/office/drawing/2010/main" xmlns:ma14="http://schemas.microsoft.com/office/mac/drawingml/2011/main" val="1"/>
             </a:ext>
           </a:extLst>
         </p:spPr>
@@ -5236,7 +5212,7 @@
           </a:ln>
           <a:extLst>
             <a:ext uri="{C572A759-6A51-4108-AA02-DFA0A04FC94B}">
-              <ma14:wrappingTextBoxFlag xmlns:ma14="http://schemas.microsoft.com/office/mac/drawingml/2011/main" xmlns:a14="http://schemas.microsoft.com/office/drawing/2010/main" xmlns:m="http://schemas.openxmlformats.org/officeDocument/2006/math" xmlns="" val="1"/>
+              <ma14:wrappingTextBoxFlag xmlns="" xmlns:m="http://schemas.openxmlformats.org/officeDocument/2006/math" xmlns:a14="http://schemas.microsoft.com/office/drawing/2010/main" xmlns:ma14="http://schemas.microsoft.com/office/mac/drawingml/2011/main" val="1"/>
             </a:ext>
           </a:extLst>
         </p:spPr>
@@ -5353,14 +5329,14 @@
       </p:sp>
       <p:sp>
         <p:nvSpPr>
-          <p:cNvPr id="215" name="collect values from the user"/>
+          <p:cNvPr id="247" name="Host it on shinyapps.io, a cloud based…"/>
           <p:cNvSpPr txBox="1"/>
           <p:nvPr/>
         </p:nvSpPr>
         <p:spPr>
           <a:xfrm>
-            <a:off x="14254778" y="1628728"/>
-            <a:ext cx="1951995" cy="176523"/>
+            <a:off x="311398" y="7582487"/>
+            <a:ext cx="3401433" cy="2510863"/>
           </a:xfrm>
           <a:prstGeom prst="rect">
             <a:avLst/>
@@ -5370,1361 +5346,7 @@
           </a:ln>
           <a:extLst>
             <a:ext uri="{C572A759-6A51-4108-AA02-DFA0A04FC94B}">
-              <ma14:wrappingTextBoxFlag xmlns:ma14="http://schemas.microsoft.com/office/mac/drawingml/2011/main" xmlns:a14="http://schemas.microsoft.com/office/drawing/2010/main" xmlns:m="http://schemas.openxmlformats.org/officeDocument/2006/math" xmlns="" val="1"/>
-            </a:ext>
-          </a:extLst>
-        </p:spPr>
-        <p:txBody>
-          <a:bodyPr lIns="12700" tIns="12700" rIns="12700" bIns="12700" anchor="ctr">
-            <a:spAutoFit/>
-          </a:bodyPr>
-          <a:lstStyle/>
-          <a:p>
-            <a:pPr lvl="1" indent="0">
-              <a:lnSpc>
-                <a:spcPct val="80000"/>
-              </a:lnSpc>
-              <a:spcBef>
-                <a:spcPts val="0"/>
-              </a:spcBef>
-              <a:defRPr sz="2500" b="0">
-                <a:solidFill>
-                  <a:srgbClr val="5589C5"/>
-                </a:solidFill>
-              </a:defRPr>
-            </a:pPr>
-            <a:r>
-              <a:rPr lang="en-US" sz="1200" dirty="0"/>
-              <a:t>Novel Inputs</a:t>
-            </a:r>
-            <a:endParaRPr sz="1200" dirty="0"/>
-          </a:p>
-        </p:txBody>
-      </p:sp>
-      <p:sp>
-        <p:nvSpPr>
-          <p:cNvPr id="216" name="actionButton(inputId, label, icon, …)…"/>
-          <p:cNvSpPr txBox="1"/>
-          <p:nvPr/>
-        </p:nvSpPr>
-        <p:spPr>
-          <a:xfrm>
-            <a:off x="15000112" y="2187007"/>
-            <a:ext cx="2348589" cy="8155602"/>
-          </a:xfrm>
-          <a:prstGeom prst="rect">
-            <a:avLst/>
-          </a:prstGeom>
-          <a:ln w="12700">
-            <a:miter lim="400000"/>
-          </a:ln>
-          <a:extLst>
-            <a:ext uri="{C572A759-6A51-4108-AA02-DFA0A04FC94B}">
-              <ma14:wrappingTextBoxFlag xmlns:ma14="http://schemas.microsoft.com/office/mac/drawingml/2011/main" xmlns:a14="http://schemas.microsoft.com/office/drawing/2010/main" xmlns:m="http://schemas.openxmlformats.org/officeDocument/2006/math" xmlns="" val="1"/>
-            </a:ext>
-          </a:extLst>
-        </p:spPr>
-        <p:txBody>
-          <a:bodyPr lIns="0" tIns="0" rIns="0" bIns="0" anchor="b">
-            <a:normAutofit/>
-          </a:bodyPr>
-          <a:lstStyle/>
-          <a:p>
-            <a:pPr marL="114300" indent="-114300">
-              <a:lnSpc>
-                <a:spcPct val="80000"/>
-              </a:lnSpc>
-              <a:spcBef>
-                <a:spcPts val="1900"/>
-              </a:spcBef>
-              <a:defRPr b="0">
-                <a:solidFill>
-                  <a:srgbClr val="000000"/>
-                </a:solidFill>
-              </a:defRPr>
-            </a:pPr>
-            <a:r>
-              <a:rPr lang="en-US" b="1" dirty="0" err="1"/>
-              <a:t>action</a:t>
-            </a:r>
-            <a:r>
-              <a:rPr b="1" dirty="0" err="1"/>
-              <a:t>Button</a:t>
-            </a:r>
-            <a:r>
-              <a:rPr dirty="0"/>
-              <a:t>(</a:t>
-            </a:r>
-            <a:r>
-              <a:rPr dirty="0" err="1"/>
-              <a:t>inputId</a:t>
-            </a:r>
-            <a:r>
-              <a:rPr dirty="0"/>
-              <a:t>, label,</a:t>
-            </a:r>
-            <a:r>
-              <a:rPr dirty="0">
-                <a:solidFill>
-                  <a:srgbClr val="53585F"/>
-                </a:solidFill>
-              </a:rPr>
-              <a:t> icon, …</a:t>
-            </a:r>
-            <a:r>
-              <a:rPr dirty="0"/>
-              <a:t>)</a:t>
-            </a:r>
-          </a:p>
-          <a:p>
-            <a:pPr marL="114300" indent="-114300">
-              <a:lnSpc>
-                <a:spcPct val="80000"/>
-              </a:lnSpc>
-              <a:spcBef>
-                <a:spcPts val="1900"/>
-              </a:spcBef>
-              <a:defRPr b="0">
-                <a:solidFill>
-                  <a:srgbClr val="000000"/>
-                </a:solidFill>
-              </a:defRPr>
-            </a:pPr>
-            <a:r>
-              <a:rPr b="1" dirty="0" err="1"/>
-              <a:t>actionLink</a:t>
-            </a:r>
-            <a:r>
-              <a:rPr dirty="0"/>
-              <a:t>(</a:t>
-            </a:r>
-            <a:r>
-              <a:rPr dirty="0" err="1"/>
-              <a:t>inputId</a:t>
-            </a:r>
-            <a:r>
-              <a:rPr dirty="0"/>
-              <a:t>, label, </a:t>
-            </a:r>
-            <a:r>
-              <a:rPr dirty="0">
-                <a:solidFill>
-                  <a:srgbClr val="53585F"/>
-                </a:solidFill>
-              </a:rPr>
-              <a:t>icon, …</a:t>
-            </a:r>
-            <a:r>
-              <a:rPr dirty="0"/>
-              <a:t>)</a:t>
-            </a:r>
-          </a:p>
-          <a:p>
-            <a:pPr marL="114300" indent="-114300">
-              <a:lnSpc>
-                <a:spcPct val="80000"/>
-              </a:lnSpc>
-              <a:spcBef>
-                <a:spcPts val="1900"/>
-              </a:spcBef>
-              <a:defRPr b="0">
-                <a:solidFill>
-                  <a:srgbClr val="000000"/>
-                </a:solidFill>
-              </a:defRPr>
-            </a:pPr>
-            <a:r>
-              <a:rPr b="1" dirty="0" err="1"/>
-              <a:t>checkboxGroupInput</a:t>
-            </a:r>
-            <a:r>
-              <a:rPr dirty="0"/>
-              <a:t>(</a:t>
-            </a:r>
-            <a:r>
-              <a:rPr dirty="0" err="1"/>
-              <a:t>inputId</a:t>
-            </a:r>
-            <a:r>
-              <a:rPr dirty="0"/>
-              <a:t>, label, choices, </a:t>
-            </a:r>
-            <a:r>
-              <a:rPr dirty="0">
-                <a:solidFill>
-                  <a:srgbClr val="53585F"/>
-                </a:solidFill>
-              </a:rPr>
-              <a:t>selected, inline</a:t>
-            </a:r>
-            <a:r>
-              <a:rPr dirty="0"/>
-              <a:t>)</a:t>
-            </a:r>
-          </a:p>
-          <a:p>
-            <a:pPr marL="114300" indent="-114300">
-              <a:lnSpc>
-                <a:spcPct val="80000"/>
-              </a:lnSpc>
-              <a:spcBef>
-                <a:spcPts val="1900"/>
-              </a:spcBef>
-              <a:defRPr b="0">
-                <a:solidFill>
-                  <a:srgbClr val="000000"/>
-                </a:solidFill>
-              </a:defRPr>
-            </a:pPr>
-            <a:r>
-              <a:rPr b="1" dirty="0" err="1"/>
-              <a:t>checkboxInput</a:t>
-            </a:r>
-            <a:r>
-              <a:rPr dirty="0"/>
-              <a:t>(</a:t>
-            </a:r>
-            <a:r>
-              <a:rPr dirty="0" err="1"/>
-              <a:t>inputId</a:t>
-            </a:r>
-            <a:r>
-              <a:rPr dirty="0"/>
-              <a:t>, label</a:t>
-            </a:r>
-            <a:r>
-              <a:rPr dirty="0">
-                <a:solidFill>
-                  <a:srgbClr val="53585F"/>
-                </a:solidFill>
-              </a:rPr>
-              <a:t>, value</a:t>
-            </a:r>
-            <a:r>
-              <a:rPr dirty="0"/>
-              <a:t>)</a:t>
-            </a:r>
-          </a:p>
-          <a:p>
-            <a:pPr marL="114300" indent="-114300">
-              <a:lnSpc>
-                <a:spcPct val="80000"/>
-              </a:lnSpc>
-              <a:spcBef>
-                <a:spcPts val="1900"/>
-              </a:spcBef>
-              <a:defRPr b="0">
-                <a:solidFill>
-                  <a:srgbClr val="000000"/>
-                </a:solidFill>
-              </a:defRPr>
-            </a:pPr>
-            <a:r>
-              <a:rPr b="1" dirty="0" err="1"/>
-              <a:t>dateInput</a:t>
-            </a:r>
-            <a:r>
-              <a:rPr dirty="0"/>
-              <a:t>(</a:t>
-            </a:r>
-            <a:r>
-              <a:rPr dirty="0" err="1"/>
-              <a:t>inputId</a:t>
-            </a:r>
-            <a:r>
-              <a:rPr dirty="0"/>
-              <a:t>, label</a:t>
-            </a:r>
-            <a:r>
-              <a:rPr dirty="0">
-                <a:solidFill>
-                  <a:srgbClr val="53585F"/>
-                </a:solidFill>
-              </a:rPr>
-              <a:t>, value, min, max, format, </a:t>
-            </a:r>
-            <a:r>
-              <a:rPr dirty="0" err="1">
-                <a:solidFill>
-                  <a:srgbClr val="53585F"/>
-                </a:solidFill>
-              </a:rPr>
-              <a:t>startview</a:t>
-            </a:r>
-            <a:r>
-              <a:rPr dirty="0">
-                <a:solidFill>
-                  <a:srgbClr val="53585F"/>
-                </a:solidFill>
-              </a:rPr>
-              <a:t>, </a:t>
-            </a:r>
-            <a:r>
-              <a:rPr dirty="0" err="1">
-                <a:solidFill>
-                  <a:srgbClr val="53585F"/>
-                </a:solidFill>
-              </a:rPr>
-              <a:t>weekstart</a:t>
-            </a:r>
-            <a:r>
-              <a:rPr dirty="0">
-                <a:solidFill>
-                  <a:srgbClr val="53585F"/>
-                </a:solidFill>
-              </a:rPr>
-              <a:t>, language</a:t>
-            </a:r>
-            <a:r>
-              <a:rPr dirty="0"/>
-              <a:t>)</a:t>
-            </a:r>
-          </a:p>
-          <a:p>
-            <a:pPr marL="114300" indent="-114300">
-              <a:lnSpc>
-                <a:spcPct val="80000"/>
-              </a:lnSpc>
-              <a:spcBef>
-                <a:spcPts val="1900"/>
-              </a:spcBef>
-              <a:defRPr b="0">
-                <a:solidFill>
-                  <a:srgbClr val="000000"/>
-                </a:solidFill>
-              </a:defRPr>
-            </a:pPr>
-            <a:r>
-              <a:rPr b="1" dirty="0" err="1"/>
-              <a:t>dateRangeInput</a:t>
-            </a:r>
-            <a:r>
-              <a:rPr dirty="0"/>
-              <a:t>(</a:t>
-            </a:r>
-            <a:r>
-              <a:rPr dirty="0" err="1"/>
-              <a:t>inputId</a:t>
-            </a:r>
-            <a:r>
-              <a:rPr dirty="0"/>
-              <a:t>, label</a:t>
-            </a:r>
-            <a:r>
-              <a:rPr dirty="0">
-                <a:solidFill>
-                  <a:srgbClr val="53585F"/>
-                </a:solidFill>
-              </a:rPr>
-              <a:t>, start, end, min, max, format, </a:t>
-            </a:r>
-            <a:r>
-              <a:rPr dirty="0" err="1">
-                <a:solidFill>
-                  <a:srgbClr val="53585F"/>
-                </a:solidFill>
-              </a:rPr>
-              <a:t>startview</a:t>
-            </a:r>
-            <a:r>
-              <a:rPr dirty="0">
-                <a:solidFill>
-                  <a:srgbClr val="53585F"/>
-                </a:solidFill>
-              </a:rPr>
-              <a:t>, </a:t>
-            </a:r>
-            <a:r>
-              <a:rPr dirty="0" err="1">
-                <a:solidFill>
-                  <a:srgbClr val="53585F"/>
-                </a:solidFill>
-              </a:rPr>
-              <a:t>weekstart</a:t>
-            </a:r>
-            <a:r>
-              <a:rPr dirty="0">
-                <a:solidFill>
-                  <a:srgbClr val="53585F"/>
-                </a:solidFill>
-              </a:rPr>
-              <a:t>, language, separator</a:t>
-            </a:r>
-            <a:r>
-              <a:rPr dirty="0"/>
-              <a:t>)</a:t>
-            </a:r>
-          </a:p>
-          <a:p>
-            <a:pPr marL="114300" indent="-114300">
-              <a:lnSpc>
-                <a:spcPct val="80000"/>
-              </a:lnSpc>
-              <a:spcBef>
-                <a:spcPts val="1900"/>
-              </a:spcBef>
-              <a:defRPr b="0">
-                <a:solidFill>
-                  <a:srgbClr val="000000"/>
-                </a:solidFill>
-              </a:defRPr>
-            </a:pPr>
-            <a:r>
-              <a:rPr b="1" dirty="0" err="1"/>
-              <a:t>fileInput</a:t>
-            </a:r>
-            <a:r>
-              <a:rPr dirty="0"/>
-              <a:t>(</a:t>
-            </a:r>
-            <a:r>
-              <a:rPr dirty="0" err="1"/>
-              <a:t>inputId</a:t>
-            </a:r>
-            <a:r>
-              <a:rPr dirty="0"/>
-              <a:t>, label</a:t>
-            </a:r>
-            <a:r>
-              <a:rPr dirty="0">
-                <a:solidFill>
-                  <a:srgbClr val="53585F"/>
-                </a:solidFill>
-              </a:rPr>
-              <a:t>, multiple, accept</a:t>
-            </a:r>
-            <a:r>
-              <a:rPr dirty="0"/>
-              <a:t>)</a:t>
-            </a:r>
-          </a:p>
-          <a:p>
-            <a:pPr marL="114300" indent="-114300">
-              <a:lnSpc>
-                <a:spcPct val="80000"/>
-              </a:lnSpc>
-              <a:spcBef>
-                <a:spcPts val="1900"/>
-              </a:spcBef>
-              <a:defRPr b="0">
-                <a:solidFill>
-                  <a:srgbClr val="000000"/>
-                </a:solidFill>
-              </a:defRPr>
-            </a:pPr>
-            <a:r>
-              <a:rPr b="1" dirty="0" err="1"/>
-              <a:t>numericInput</a:t>
-            </a:r>
-            <a:r>
-              <a:rPr dirty="0"/>
-              <a:t>(</a:t>
-            </a:r>
-            <a:r>
-              <a:rPr dirty="0" err="1"/>
-              <a:t>inputId</a:t>
-            </a:r>
-            <a:r>
-              <a:rPr dirty="0"/>
-              <a:t>, label, value, </a:t>
-            </a:r>
-            <a:r>
-              <a:rPr dirty="0">
-                <a:solidFill>
-                  <a:srgbClr val="53585F"/>
-                </a:solidFill>
-              </a:rPr>
-              <a:t>min, max, step</a:t>
-            </a:r>
-            <a:r>
-              <a:rPr dirty="0"/>
-              <a:t>)</a:t>
-            </a:r>
-          </a:p>
-          <a:p>
-            <a:pPr marL="114300" indent="-114300">
-              <a:lnSpc>
-                <a:spcPct val="80000"/>
-              </a:lnSpc>
-              <a:spcBef>
-                <a:spcPts val="1900"/>
-              </a:spcBef>
-              <a:defRPr b="0">
-                <a:solidFill>
-                  <a:srgbClr val="000000"/>
-                </a:solidFill>
-              </a:defRPr>
-            </a:pPr>
-            <a:r>
-              <a:rPr b="1" dirty="0" err="1"/>
-              <a:t>passwordInput</a:t>
-            </a:r>
-            <a:r>
-              <a:rPr dirty="0"/>
-              <a:t>(</a:t>
-            </a:r>
-            <a:r>
-              <a:rPr dirty="0" err="1"/>
-              <a:t>inputId</a:t>
-            </a:r>
-            <a:r>
-              <a:rPr dirty="0"/>
-              <a:t>, label</a:t>
-            </a:r>
-            <a:r>
-              <a:rPr dirty="0">
-                <a:solidFill>
-                  <a:srgbClr val="53585F"/>
-                </a:solidFill>
-              </a:rPr>
-              <a:t>, value</a:t>
-            </a:r>
-            <a:r>
-              <a:rPr dirty="0"/>
-              <a:t>)</a:t>
-            </a:r>
-          </a:p>
-          <a:p>
-            <a:pPr marL="114300" indent="-114300">
-              <a:lnSpc>
-                <a:spcPct val="80000"/>
-              </a:lnSpc>
-              <a:spcBef>
-                <a:spcPts val="1900"/>
-              </a:spcBef>
-              <a:defRPr b="0">
-                <a:solidFill>
-                  <a:srgbClr val="000000"/>
-                </a:solidFill>
-              </a:defRPr>
-            </a:pPr>
-            <a:r>
-              <a:rPr b="1" dirty="0" err="1"/>
-              <a:t>radioButtons</a:t>
-            </a:r>
-            <a:r>
-              <a:rPr dirty="0"/>
-              <a:t>(</a:t>
-            </a:r>
-            <a:r>
-              <a:rPr dirty="0" err="1"/>
-              <a:t>inputId</a:t>
-            </a:r>
-            <a:r>
-              <a:rPr dirty="0"/>
-              <a:t>, label, choices, </a:t>
-            </a:r>
-            <a:r>
-              <a:rPr dirty="0">
-                <a:solidFill>
-                  <a:srgbClr val="53585F"/>
-                </a:solidFill>
-              </a:rPr>
-              <a:t>selected, inline</a:t>
-            </a:r>
-            <a:r>
-              <a:rPr dirty="0"/>
-              <a:t>)</a:t>
-            </a:r>
-          </a:p>
-          <a:p>
-            <a:pPr marL="114300" indent="-114300">
-              <a:lnSpc>
-                <a:spcPct val="80000"/>
-              </a:lnSpc>
-              <a:spcBef>
-                <a:spcPts val="1900"/>
-              </a:spcBef>
-              <a:defRPr b="0">
-                <a:solidFill>
-                  <a:srgbClr val="000000"/>
-                </a:solidFill>
-              </a:defRPr>
-            </a:pPr>
-            <a:r>
-              <a:rPr b="1" dirty="0" err="1"/>
-              <a:t>selectInput</a:t>
-            </a:r>
-            <a:r>
-              <a:rPr dirty="0"/>
-              <a:t>(</a:t>
-            </a:r>
-            <a:r>
-              <a:rPr dirty="0" err="1"/>
-              <a:t>inputId</a:t>
-            </a:r>
-            <a:r>
-              <a:rPr dirty="0"/>
-              <a:t>, label, choices, </a:t>
-            </a:r>
-            <a:r>
-              <a:rPr dirty="0">
-                <a:solidFill>
-                  <a:srgbClr val="53585F"/>
-                </a:solidFill>
-              </a:rPr>
-              <a:t>selected, multiple, </a:t>
-            </a:r>
-            <a:r>
-              <a:rPr dirty="0" err="1">
-                <a:solidFill>
-                  <a:srgbClr val="53585F"/>
-                </a:solidFill>
-              </a:rPr>
-              <a:t>selectize</a:t>
-            </a:r>
-            <a:r>
-              <a:rPr dirty="0">
-                <a:solidFill>
-                  <a:srgbClr val="53585F"/>
-                </a:solidFill>
-              </a:rPr>
-              <a:t>, width, size</a:t>
-            </a:r>
-            <a:r>
-              <a:rPr dirty="0"/>
-              <a:t>) </a:t>
-            </a:r>
-            <a:r>
-              <a:rPr dirty="0">
-                <a:solidFill>
-                  <a:schemeClr val="accent1">
-                    <a:satOff val="22051"/>
-                    <a:lumOff val="15940"/>
-                  </a:schemeClr>
-                </a:solidFill>
-              </a:rPr>
-              <a:t>(also </a:t>
-            </a:r>
-            <a:r>
-              <a:rPr dirty="0" err="1">
-                <a:solidFill>
-                  <a:schemeClr val="accent1">
-                    <a:satOff val="22051"/>
-                    <a:lumOff val="15940"/>
-                  </a:schemeClr>
-                </a:solidFill>
-              </a:rPr>
-              <a:t>selectizeInput</a:t>
-            </a:r>
-            <a:r>
-              <a:rPr dirty="0">
-                <a:solidFill>
-                  <a:schemeClr val="accent1">
-                    <a:satOff val="22051"/>
-                    <a:lumOff val="15940"/>
-                  </a:schemeClr>
-                </a:solidFill>
-              </a:rPr>
-              <a:t>())</a:t>
-            </a:r>
-          </a:p>
-          <a:p>
-            <a:pPr marL="114300" indent="-114300">
-              <a:lnSpc>
-                <a:spcPct val="80000"/>
-              </a:lnSpc>
-              <a:spcBef>
-                <a:spcPts val="1900"/>
-              </a:spcBef>
-              <a:defRPr b="0">
-                <a:solidFill>
-                  <a:srgbClr val="000000"/>
-                </a:solidFill>
-              </a:defRPr>
-            </a:pPr>
-            <a:r>
-              <a:rPr b="1" dirty="0" err="1"/>
-              <a:t>sliderInput</a:t>
-            </a:r>
-            <a:r>
-              <a:rPr dirty="0"/>
-              <a:t>(</a:t>
-            </a:r>
-            <a:r>
-              <a:rPr dirty="0" err="1"/>
-              <a:t>inputId</a:t>
-            </a:r>
-            <a:r>
-              <a:rPr dirty="0"/>
-              <a:t>, label, min, max, value, </a:t>
-            </a:r>
-            <a:r>
-              <a:rPr dirty="0">
-                <a:solidFill>
-                  <a:srgbClr val="53585F"/>
-                </a:solidFill>
-              </a:rPr>
-              <a:t>step, round, format, locale, ticks, animate, width, </a:t>
-            </a:r>
-            <a:r>
-              <a:rPr dirty="0" err="1">
-                <a:solidFill>
-                  <a:srgbClr val="53585F"/>
-                </a:solidFill>
-              </a:rPr>
-              <a:t>sep</a:t>
-            </a:r>
-            <a:r>
-              <a:rPr dirty="0">
-                <a:solidFill>
-                  <a:srgbClr val="53585F"/>
-                </a:solidFill>
-              </a:rPr>
-              <a:t>, pre, post</a:t>
-            </a:r>
-            <a:r>
-              <a:rPr dirty="0"/>
-              <a:t>)</a:t>
-            </a:r>
-          </a:p>
-          <a:p>
-            <a:pPr marL="114300" indent="-114300">
-              <a:lnSpc>
-                <a:spcPct val="80000"/>
-              </a:lnSpc>
-              <a:spcBef>
-                <a:spcPts val="0"/>
-              </a:spcBef>
-              <a:defRPr b="0">
-                <a:solidFill>
-                  <a:srgbClr val="000000"/>
-                </a:solidFill>
-              </a:defRPr>
-            </a:pPr>
-            <a:r>
-              <a:rPr b="1" dirty="0" err="1"/>
-              <a:t>submitButton</a:t>
-            </a:r>
-            <a:r>
-              <a:rPr dirty="0"/>
-              <a:t>(</a:t>
-            </a:r>
-            <a:r>
-              <a:rPr dirty="0">
-                <a:solidFill>
-                  <a:srgbClr val="53585F"/>
-                </a:solidFill>
-              </a:rPr>
-              <a:t>text, icon</a:t>
-            </a:r>
-            <a:r>
-              <a:rPr dirty="0"/>
-              <a:t>)</a:t>
-            </a:r>
-          </a:p>
-          <a:p>
-            <a:pPr marL="114300" indent="-114300">
-              <a:lnSpc>
-                <a:spcPct val="80000"/>
-              </a:lnSpc>
-              <a:spcBef>
-                <a:spcPts val="1900"/>
-              </a:spcBef>
-              <a:defRPr sz="1100" b="0">
-                <a:solidFill>
-                  <a:schemeClr val="accent1">
-                    <a:satOff val="22051"/>
-                    <a:lumOff val="15940"/>
-                  </a:schemeClr>
-                </a:solidFill>
-              </a:defRPr>
-            </a:pPr>
-            <a:r>
-              <a:rPr dirty="0"/>
-              <a:t>(Prevents reactions across entire app)</a:t>
-            </a:r>
-          </a:p>
-          <a:p>
-            <a:pPr marL="114300" indent="-114300">
-              <a:lnSpc>
-                <a:spcPct val="80000"/>
-              </a:lnSpc>
-              <a:spcBef>
-                <a:spcPts val="1900"/>
-              </a:spcBef>
-              <a:defRPr b="0">
-                <a:solidFill>
-                  <a:srgbClr val="000000"/>
-                </a:solidFill>
-              </a:defRPr>
-            </a:pPr>
-            <a:r>
-              <a:rPr b="1" dirty="0" err="1"/>
-              <a:t>textInput</a:t>
-            </a:r>
-            <a:r>
-              <a:rPr dirty="0"/>
-              <a:t>(</a:t>
-            </a:r>
-            <a:r>
-              <a:rPr dirty="0" err="1"/>
-              <a:t>inputId</a:t>
-            </a:r>
-            <a:r>
-              <a:rPr dirty="0"/>
-              <a:t>, label, </a:t>
-            </a:r>
-            <a:r>
-              <a:rPr dirty="0">
-                <a:solidFill>
-                  <a:srgbClr val="53585F"/>
-                </a:solidFill>
-              </a:rPr>
-              <a:t>value</a:t>
-            </a:r>
-            <a:r>
-              <a:rPr dirty="0"/>
-              <a:t>)</a:t>
-            </a:r>
-          </a:p>
-        </p:txBody>
-      </p:sp>
-      <p:sp>
-        <p:nvSpPr>
-          <p:cNvPr id="217" name="Access the current value of an input object with input$&lt;inputId&gt;. Input values are reactive."/>
-          <p:cNvSpPr txBox="1"/>
-          <p:nvPr/>
-        </p:nvSpPr>
-        <p:spPr>
-          <a:xfrm>
-            <a:off x="14254778" y="1790986"/>
-            <a:ext cx="3135956" cy="524246"/>
-          </a:xfrm>
-          <a:prstGeom prst="rect">
-            <a:avLst/>
-          </a:prstGeom>
-          <a:ln w="12700">
-            <a:miter lim="400000"/>
-          </a:ln>
-          <a:extLst>
-            <a:ext uri="{C572A759-6A51-4108-AA02-DFA0A04FC94B}">
-              <ma14:wrappingTextBoxFlag xmlns:ma14="http://schemas.microsoft.com/office/mac/drawingml/2011/main" xmlns:a14="http://schemas.microsoft.com/office/drawing/2010/main" xmlns:m="http://schemas.openxmlformats.org/officeDocument/2006/math" xmlns="" val="1"/>
-            </a:ext>
-          </a:extLst>
-        </p:spPr>
-        <p:txBody>
-          <a:bodyPr lIns="12700" tIns="12700" rIns="12700" bIns="12700" anchor="ctr">
-            <a:spAutoFit/>
-          </a:bodyPr>
-          <a:lstStyle/>
-          <a:p>
-            <a:pPr>
-              <a:lnSpc>
-                <a:spcPct val="90000"/>
-              </a:lnSpc>
-              <a:spcBef>
-                <a:spcPts val="300"/>
-              </a:spcBef>
-              <a:buClr>
-                <a:schemeClr val="accent4">
-                  <a:hueOff val="384618"/>
-                  <a:satOff val="3869"/>
-                  <a:lumOff val="5802"/>
-                </a:schemeClr>
-              </a:buClr>
-              <a:defRPr b="0">
-                <a:solidFill>
-                  <a:srgbClr val="000000"/>
-                </a:solidFill>
-                <a:latin typeface="+mj-lt"/>
-                <a:ea typeface="+mj-ea"/>
-                <a:cs typeface="+mj-cs"/>
-                <a:sym typeface="Source Sans Pro Light"/>
-              </a:defRPr>
-            </a:pPr>
-            <a:r>
-              <a:rPr lang="en-US" dirty="0" err="1"/>
-              <a:t>s</a:t>
-            </a:r>
-            <a:r>
-              <a:rPr lang="en-US" dirty="0" err="1">
-                <a:latin typeface="+mn-lt"/>
-                <a:ea typeface="+mn-ea"/>
-                <a:cs typeface="+mn-cs"/>
-                <a:sym typeface="Source Sans Pro"/>
-              </a:rPr>
-              <a:t>hinyMobile</a:t>
-            </a:r>
-            <a:r>
-              <a:rPr lang="en-US" dirty="0">
-                <a:latin typeface="+mn-lt"/>
-                <a:ea typeface="+mn-ea"/>
-                <a:cs typeface="+mn-cs"/>
-                <a:sym typeface="Source Sans Pro"/>
-              </a:rPr>
-              <a:t> has its own </a:t>
-            </a:r>
-            <a:r>
-              <a:rPr lang="en-US" dirty="0" err="1">
-                <a:latin typeface="+mn-lt"/>
-                <a:ea typeface="+mn-ea"/>
-                <a:cs typeface="+mn-cs"/>
-                <a:sym typeface="Source Sans Pro"/>
-              </a:rPr>
-              <a:t>decicated</a:t>
-            </a:r>
-            <a:r>
-              <a:rPr lang="en-US" dirty="0">
-                <a:latin typeface="+mn-lt"/>
-                <a:ea typeface="+mn-ea"/>
-                <a:cs typeface="+mn-cs"/>
-                <a:sym typeface="Source Sans Pro"/>
-              </a:rPr>
-              <a:t> inputs, which design depends on the current devices (iOS, </a:t>
-            </a:r>
-            <a:r>
-              <a:rPr lang="en-US" dirty="0" err="1">
-                <a:latin typeface="+mn-lt"/>
-                <a:ea typeface="+mn-ea"/>
-                <a:cs typeface="+mn-cs"/>
-                <a:sym typeface="Source Sans Pro"/>
-              </a:rPr>
-              <a:t>amdroid</a:t>
-            </a:r>
-            <a:r>
-              <a:rPr lang="en-US" dirty="0">
-                <a:latin typeface="+mn-lt"/>
-                <a:ea typeface="+mn-ea"/>
-                <a:cs typeface="+mn-cs"/>
-                <a:sym typeface="Source Sans Pro"/>
-              </a:rPr>
-              <a:t>, desktop)</a:t>
-            </a:r>
-            <a:r>
-              <a:rPr lang="en-US" dirty="0"/>
-              <a:t>:</a:t>
-            </a:r>
-            <a:endParaRPr dirty="0"/>
-          </a:p>
-        </p:txBody>
-      </p:sp>
-      <p:pic>
-        <p:nvPicPr>
-          <p:cNvPr id="231" name="Screen Shot 2015-06-08 at 6.15.38 PM.png" descr="Screen Shot 2015-06-08 at 6.15.38 PM.png"/>
-          <p:cNvPicPr>
-            <a:picLocks noChangeAspect="1"/>
-          </p:cNvPicPr>
-          <p:nvPr/>
-        </p:nvPicPr>
-        <p:blipFill>
-          <a:blip r:embed="rId6"/>
-          <a:stretch>
-            <a:fillRect/>
-          </a:stretch>
-        </p:blipFill>
-        <p:spPr>
-          <a:xfrm>
-            <a:off x="14217234" y="2302506"/>
-            <a:ext cx="540386" cy="292101"/>
-          </a:xfrm>
-          <a:prstGeom prst="rect">
-            <a:avLst/>
-          </a:prstGeom>
-          <a:ln w="12700">
-            <a:miter lim="400000"/>
-          </a:ln>
-        </p:spPr>
-      </p:pic>
-      <p:pic>
-        <p:nvPicPr>
-          <p:cNvPr id="232" name="Screen Shot 2015-06-08 at 6.15.50 PM.png" descr="Screen Shot 2015-06-08 at 6.15.50 PM.png"/>
-          <p:cNvPicPr>
-            <a:picLocks noChangeAspect="1"/>
-          </p:cNvPicPr>
-          <p:nvPr/>
-        </p:nvPicPr>
-        <p:blipFill>
-          <a:blip r:embed="rId7"/>
-          <a:stretch>
-            <a:fillRect/>
-          </a:stretch>
-        </p:blipFill>
-        <p:spPr>
-          <a:xfrm>
-            <a:off x="14284560" y="2858646"/>
-            <a:ext cx="380333" cy="185290"/>
-          </a:xfrm>
-          <a:prstGeom prst="rect">
-            <a:avLst/>
-          </a:prstGeom>
-          <a:ln w="12700">
-            <a:miter lim="400000"/>
-          </a:ln>
-        </p:spPr>
-      </p:pic>
-      <p:pic>
-        <p:nvPicPr>
-          <p:cNvPr id="233" name="Screen Shot 2015-06-08 at 6.37.47 PM.png" descr="Screen Shot 2015-06-08 at 6.37.47 PM.png"/>
-          <p:cNvPicPr>
-            <a:picLocks noChangeAspect="1"/>
-          </p:cNvPicPr>
-          <p:nvPr/>
-        </p:nvPicPr>
-        <p:blipFill>
-          <a:blip r:embed="rId8"/>
-          <a:stretch>
-            <a:fillRect/>
-          </a:stretch>
-        </p:blipFill>
-        <p:spPr>
-          <a:xfrm>
-            <a:off x="14176501" y="3196777"/>
-            <a:ext cx="635001" cy="521608"/>
-          </a:xfrm>
-          <a:prstGeom prst="rect">
-            <a:avLst/>
-          </a:prstGeom>
-          <a:ln w="12700">
-            <a:miter lim="400000"/>
-          </a:ln>
-        </p:spPr>
-      </p:pic>
-      <p:pic>
-        <p:nvPicPr>
-          <p:cNvPr id="234" name="Screen Shot 2015-06-08 at 6.38.04 PM.png" descr="Screen Shot 2015-06-08 at 6.38.04 PM.png"/>
-          <p:cNvPicPr>
-            <a:picLocks noChangeAspect="1"/>
-          </p:cNvPicPr>
-          <p:nvPr/>
-        </p:nvPicPr>
-        <p:blipFill>
-          <a:blip r:embed="rId9"/>
-          <a:stretch>
-            <a:fillRect/>
-          </a:stretch>
-        </p:blipFill>
-        <p:spPr>
-          <a:xfrm>
-            <a:off x="14099866" y="6433877"/>
-            <a:ext cx="762001" cy="281460"/>
-          </a:xfrm>
-          <a:prstGeom prst="rect">
-            <a:avLst/>
-          </a:prstGeom>
-          <a:ln w="12700">
-            <a:miter lim="400000"/>
-          </a:ln>
-        </p:spPr>
-      </p:pic>
-      <p:pic>
-        <p:nvPicPr>
-          <p:cNvPr id="235" name="Screen Shot 2015-06-08 at 6.38.19 PM.png" descr="Screen Shot 2015-06-08 at 6.38.19 PM.png"/>
-          <p:cNvPicPr>
-            <a:picLocks noChangeAspect="1"/>
-          </p:cNvPicPr>
-          <p:nvPr/>
-        </p:nvPicPr>
-        <p:blipFill>
-          <a:blip r:embed="rId10"/>
-          <a:stretch>
-            <a:fillRect/>
-          </a:stretch>
-        </p:blipFill>
-        <p:spPr>
-          <a:xfrm>
-            <a:off x="14099866" y="5875091"/>
-            <a:ext cx="762001" cy="209551"/>
-          </a:xfrm>
-          <a:prstGeom prst="rect">
-            <a:avLst/>
-          </a:prstGeom>
-          <a:ln w="12700">
-            <a:miter lim="400000"/>
-          </a:ln>
-        </p:spPr>
-      </p:pic>
-      <p:pic>
-        <p:nvPicPr>
-          <p:cNvPr id="236" name="Screen Shot 2015-06-08 at 6.38.31 PM.png" descr="Screen Shot 2015-06-08 at 6.38.31 PM.png"/>
-          <p:cNvPicPr>
-            <a:picLocks noChangeAspect="1"/>
-          </p:cNvPicPr>
-          <p:nvPr/>
-        </p:nvPicPr>
-        <p:blipFill>
-          <a:blip r:embed="rId11"/>
-          <a:stretch>
-            <a:fillRect/>
-          </a:stretch>
-        </p:blipFill>
-        <p:spPr>
-          <a:xfrm>
-            <a:off x="14097710" y="6988368"/>
-            <a:ext cx="762001" cy="263496"/>
-          </a:xfrm>
-          <a:prstGeom prst="rect">
-            <a:avLst/>
-          </a:prstGeom>
-          <a:ln w="12700">
-            <a:miter lim="400000"/>
-          </a:ln>
-        </p:spPr>
-      </p:pic>
-      <p:pic>
-        <p:nvPicPr>
-          <p:cNvPr id="237" name="Screen Shot 2015-06-08 at 6.38.39 PM.png" descr="Screen Shot 2015-06-08 at 6.38.39 PM.png"/>
-          <p:cNvPicPr>
-            <a:picLocks noChangeAspect="1"/>
-          </p:cNvPicPr>
-          <p:nvPr/>
-        </p:nvPicPr>
-        <p:blipFill>
-          <a:blip r:embed="rId12"/>
-          <a:stretch>
-            <a:fillRect/>
-          </a:stretch>
-        </p:blipFill>
-        <p:spPr>
-          <a:xfrm>
-            <a:off x="14148510" y="7457034"/>
-            <a:ext cx="635001" cy="515472"/>
-          </a:xfrm>
-          <a:prstGeom prst="rect">
-            <a:avLst/>
-          </a:prstGeom>
-          <a:ln w="12700">
-            <a:miter lim="400000"/>
-          </a:ln>
-        </p:spPr>
-      </p:pic>
-      <p:pic>
-        <p:nvPicPr>
-          <p:cNvPr id="238" name="Screen Shot 2015-06-08 at 6.47.00 PM.png" descr="Screen Shot 2015-06-08 at 6.47.00 PM.png"/>
-          <p:cNvPicPr>
-            <a:picLocks noChangeAspect="1"/>
-          </p:cNvPicPr>
-          <p:nvPr/>
-        </p:nvPicPr>
-        <p:blipFill>
-          <a:blip r:embed="rId13"/>
-          <a:stretch>
-            <a:fillRect/>
-          </a:stretch>
-        </p:blipFill>
-        <p:spPr>
-          <a:xfrm>
-            <a:off x="14097710" y="10132114"/>
-            <a:ext cx="762001" cy="268112"/>
-          </a:xfrm>
-          <a:prstGeom prst="rect">
-            <a:avLst/>
-          </a:prstGeom>
-          <a:ln w="12700">
-            <a:miter lim="400000"/>
-          </a:ln>
-        </p:spPr>
-      </p:pic>
-      <p:pic>
-        <p:nvPicPr>
-          <p:cNvPr id="239" name="Screen Shot 2015-06-08 at 6.49.56 PM.png" descr="Screen Shot 2015-06-08 at 6.49.56 PM.png"/>
-          <p:cNvPicPr>
-            <a:picLocks noChangeAspect="1"/>
-          </p:cNvPicPr>
-          <p:nvPr/>
-        </p:nvPicPr>
-        <p:blipFill>
-          <a:blip r:embed="rId14"/>
-          <a:srcRect t="12405"/>
-          <a:stretch>
-            <a:fillRect/>
-          </a:stretch>
-        </p:blipFill>
-        <p:spPr>
-          <a:xfrm>
-            <a:off x="14065960" y="8000048"/>
-            <a:ext cx="825501" cy="822231"/>
-          </a:xfrm>
-          <a:prstGeom prst="rect">
-            <a:avLst/>
-          </a:prstGeom>
-          <a:ln w="12700">
-            <a:miter lim="400000"/>
-          </a:ln>
-        </p:spPr>
-      </p:pic>
-      <p:pic>
-        <p:nvPicPr>
-          <p:cNvPr id="240" name="Screen Shot 2015-06-08 at 6.52.55 PM.png" descr="Screen Shot 2015-06-08 at 6.52.55 PM.png"/>
-          <p:cNvPicPr>
-            <a:picLocks noChangeAspect="1"/>
-          </p:cNvPicPr>
-          <p:nvPr/>
-        </p:nvPicPr>
-        <p:blipFill>
-          <a:blip r:embed="rId15"/>
-          <a:stretch>
-            <a:fillRect/>
-          </a:stretch>
-        </p:blipFill>
-        <p:spPr>
-          <a:xfrm>
-            <a:off x="14214601" y="4209273"/>
-            <a:ext cx="558801" cy="799033"/>
-          </a:xfrm>
-          <a:prstGeom prst="rect">
-            <a:avLst/>
-          </a:prstGeom>
-          <a:ln w="12700">
-            <a:miter lim="400000"/>
-          </a:ln>
-        </p:spPr>
-      </p:pic>
-      <p:pic>
-        <p:nvPicPr>
-          <p:cNvPr id="241" name="Screen Shot 2015-06-08 at 6.53.35 PM.png" descr="Screen Shot 2015-06-08 at 6.53.35 PM.png"/>
-          <p:cNvPicPr>
-            <a:picLocks noChangeAspect="1"/>
-          </p:cNvPicPr>
-          <p:nvPr/>
-        </p:nvPicPr>
-        <p:blipFill>
-          <a:blip r:embed="rId16"/>
-          <a:stretch>
-            <a:fillRect/>
-          </a:stretch>
-        </p:blipFill>
-        <p:spPr>
-          <a:xfrm>
-            <a:off x="14224710" y="5003294"/>
-            <a:ext cx="563983" cy="743102"/>
-          </a:xfrm>
-          <a:prstGeom prst="rect">
-            <a:avLst/>
-          </a:prstGeom>
-          <a:ln w="12700">
-            <a:miter lim="400000"/>
-          </a:ln>
-        </p:spPr>
-      </p:pic>
-      <p:pic>
-        <p:nvPicPr>
-          <p:cNvPr id="242" name="Screen Shot 2015-06-08 at 6.16.03 PM.png" descr="Screen Shot 2015-06-08 at 6.16.03 PM.png"/>
-          <p:cNvPicPr>
-            <a:picLocks noChangeAspect="1"/>
-          </p:cNvPicPr>
-          <p:nvPr/>
-        </p:nvPicPr>
-        <p:blipFill>
-          <a:blip r:embed="rId17"/>
-          <a:stretch>
-            <a:fillRect/>
-          </a:stretch>
-        </p:blipFill>
-        <p:spPr>
-          <a:xfrm>
-            <a:off x="14188751" y="3800523"/>
-            <a:ext cx="635001" cy="143388"/>
-          </a:xfrm>
-          <a:prstGeom prst="rect">
-            <a:avLst/>
-          </a:prstGeom>
-          <a:ln w="12700">
-            <a:miter lim="400000"/>
-          </a:ln>
-        </p:spPr>
-      </p:pic>
-      <p:pic>
-        <p:nvPicPr>
-          <p:cNvPr id="243" name="Screen Shot 2015-06-08 at 6.21.32 PM.png" descr="Screen Shot 2015-06-08 at 6.21.32 PM.png"/>
-          <p:cNvPicPr>
-            <a:picLocks noChangeAspect="1"/>
-          </p:cNvPicPr>
-          <p:nvPr/>
-        </p:nvPicPr>
-        <p:blipFill>
-          <a:blip r:embed="rId18"/>
-          <a:stretch>
-            <a:fillRect/>
-          </a:stretch>
-        </p:blipFill>
-        <p:spPr>
-          <a:xfrm>
-            <a:off x="14097710" y="9650536"/>
-            <a:ext cx="762001" cy="232173"/>
-          </a:xfrm>
-          <a:prstGeom prst="rect">
-            <a:avLst/>
-          </a:prstGeom>
-          <a:ln w="12700">
-            <a:miter lim="400000"/>
-          </a:ln>
-        </p:spPr>
-      </p:pic>
-      <p:pic>
-        <p:nvPicPr>
-          <p:cNvPr id="244" name="Screen Shot 2018-07-29 at 10.42.23 AM.png" descr="Screen Shot 2018-07-29 at 10.42.23 AM.png"/>
-          <p:cNvPicPr>
-            <a:picLocks noChangeAspect="1"/>
-          </p:cNvPicPr>
-          <p:nvPr/>
-        </p:nvPicPr>
-        <p:blipFill>
-          <a:blip r:embed="rId19"/>
-          <a:stretch>
-            <a:fillRect/>
-          </a:stretch>
-        </p:blipFill>
-        <p:spPr>
-          <a:xfrm>
-            <a:off x="14115586" y="8855649"/>
-            <a:ext cx="718282" cy="269357"/>
-          </a:xfrm>
-          <a:prstGeom prst="rect">
-            <a:avLst/>
-          </a:prstGeom>
-          <a:ln w="12700">
-            <a:miter lim="400000"/>
-          </a:ln>
-        </p:spPr>
-      </p:pic>
-      <p:pic>
-        <p:nvPicPr>
-          <p:cNvPr id="245" name="Screen Shot 2018-07-29 at 10.42.10 AM.png" descr="Screen Shot 2018-07-29 at 10.42.10 AM.png"/>
-          <p:cNvPicPr>
-            <a:picLocks noChangeAspect="1"/>
-          </p:cNvPicPr>
-          <p:nvPr/>
-        </p:nvPicPr>
-        <p:blipFill>
-          <a:blip r:embed="rId20"/>
-          <a:stretch>
-            <a:fillRect/>
-          </a:stretch>
-        </p:blipFill>
-        <p:spPr>
-          <a:xfrm>
-            <a:off x="14115586" y="9101683"/>
-            <a:ext cx="700849" cy="273409"/>
-          </a:xfrm>
-          <a:prstGeom prst="rect">
-            <a:avLst/>
-          </a:prstGeom>
-          <a:ln w="12700">
-            <a:miter lim="400000"/>
-          </a:ln>
-        </p:spPr>
-      </p:pic>
-      <p:sp>
-        <p:nvSpPr>
-          <p:cNvPr id="247" name="Host it on shinyapps.io, a cloud based…"/>
-          <p:cNvSpPr txBox="1"/>
-          <p:nvPr/>
-        </p:nvSpPr>
-        <p:spPr>
-          <a:xfrm>
-            <a:off x="311398" y="7582487"/>
-            <a:ext cx="3401433" cy="2510863"/>
-          </a:xfrm>
-          <a:prstGeom prst="rect">
-            <a:avLst/>
-          </a:prstGeom>
-          <a:ln w="12700">
-            <a:miter lim="400000"/>
-          </a:ln>
-          <a:extLst>
-            <a:ext uri="{C572A759-6A51-4108-AA02-DFA0A04FC94B}">
-              <ma14:wrappingTextBoxFlag xmlns:ma14="http://schemas.microsoft.com/office/mac/drawingml/2011/main" xmlns:a14="http://schemas.microsoft.com/office/drawing/2010/main" xmlns:m="http://schemas.openxmlformats.org/officeDocument/2006/math" xmlns="" val="1"/>
+              <ma14:wrappingTextBoxFlag xmlns="" xmlns:m="http://schemas.openxmlformats.org/officeDocument/2006/math" xmlns:a14="http://schemas.microsoft.com/office/drawing/2010/main" xmlns:ma14="http://schemas.microsoft.com/office/mac/drawingml/2011/main" val="1"/>
             </a:ext>
           </a:extLst>
         </p:spPr>
@@ -6758,7 +5380,7 @@
                 <a:solidFill>
                   <a:srgbClr val="5489C4"/>
                 </a:solidFill>
-                <a:hlinkClick r:id="rId21"/>
+                <a:hlinkClick r:id="rId6"/>
               </a:rPr>
               <a:t>shinyapps.io</a:t>
             </a:r>
@@ -6776,7 +5398,7 @@
             </a:r>
             <a:r>
               <a:rPr lang="en-US" u="sng" dirty="0">
-                <a:hlinkClick r:id="rId22"/>
+                <a:hlinkClick r:id="rId7"/>
               </a:rPr>
               <a:t>(www.rstudio.com/products/connect/)</a:t>
             </a:r>
@@ -6806,7 +5428,7 @@
             </a:r>
             <a:r>
               <a:rPr lang="en-US" u="sng" dirty="0">
-                <a:hlinkClick r:id="rId23"/>
+                <a:hlinkClick r:id="rId8"/>
               </a:rPr>
               <a:t>(www.rstudio.com/products/shiny-server/)</a:t>
             </a:r>
@@ -6983,7 +5605,7 @@
           </a:ln>
           <a:extLst>
             <a:ext uri="{C572A759-6A51-4108-AA02-DFA0A04FC94B}">
-              <ma14:wrappingTextBoxFlag xmlns:ma14="http://schemas.microsoft.com/office/mac/drawingml/2011/main" xmlns:a14="http://schemas.microsoft.com/office/drawing/2010/main" xmlns:m="http://schemas.openxmlformats.org/officeDocument/2006/math" xmlns="" val="1"/>
+              <ma14:wrappingTextBoxFlag xmlns="" xmlns:m="http://schemas.openxmlformats.org/officeDocument/2006/math" xmlns:a14="http://schemas.microsoft.com/office/drawing/2010/main" xmlns:ma14="http://schemas.microsoft.com/office/mac/drawingml/2011/main" val="1"/>
             </a:ext>
           </a:extLst>
         </p:spPr>
@@ -7044,7 +5666,7 @@
           </a:ln>
           <a:extLst>
             <a:ext uri="{C572A759-6A51-4108-AA02-DFA0A04FC94B}">
-              <ma14:wrappingTextBoxFlag xmlns:ma14="http://schemas.microsoft.com/office/mac/drawingml/2011/main" xmlns:a14="http://schemas.microsoft.com/office/drawing/2010/main" xmlns:m="http://schemas.openxmlformats.org/officeDocument/2006/math" xmlns="" val="1"/>
+              <ma14:wrappingTextBoxFlag xmlns="" xmlns:m="http://schemas.openxmlformats.org/officeDocument/2006/math" xmlns:a14="http://schemas.microsoft.com/office/drawing/2010/main" xmlns:ma14="http://schemas.microsoft.com/office/mac/drawingml/2011/main" val="1"/>
             </a:ext>
           </a:extLst>
         </p:spPr>
@@ -7181,7 +5803,7 @@
           </a:ln>
           <a:extLst>
             <a:ext uri="{C572A759-6A51-4108-AA02-DFA0A04FC94B}">
-              <ma14:wrappingTextBoxFlag xmlns:ma14="http://schemas.microsoft.com/office/mac/drawingml/2011/main" xmlns:a14="http://schemas.microsoft.com/office/drawing/2010/main" xmlns:m="http://schemas.openxmlformats.org/officeDocument/2006/math" xmlns="" val="1"/>
+              <ma14:wrappingTextBoxFlag xmlns="" xmlns:m="http://schemas.openxmlformats.org/officeDocument/2006/math" xmlns:a14="http://schemas.microsoft.com/office/drawing/2010/main" xmlns:ma14="http://schemas.microsoft.com/office/mac/drawingml/2011/main" val="1"/>
             </a:ext>
           </a:extLst>
         </p:spPr>
@@ -7215,7 +5837,7 @@
           <p:nvPr/>
         </p:nvPicPr>
         <p:blipFill>
-          <a:blip r:embed="rId24">
+          <a:blip r:embed="rId9">
             <a:extLst>
               <a:ext uri="{28A0092B-C50C-407E-A947-70E740481C1C}">
                 <a14:useLocalDpi xmlns:a14="http://schemas.microsoft.com/office/drawing/2010/main" val="0"/>
@@ -7251,7 +5873,7 @@
           <p:nvPr/>
         </p:nvPicPr>
         <p:blipFill>
-          <a:blip r:embed="rId25">
+          <a:blip r:embed="rId10">
             <a:extLst>
               <a:ext uri="{28A0092B-C50C-407E-A947-70E740481C1C}">
                 <a14:useLocalDpi xmlns:a14="http://schemas.microsoft.com/office/drawing/2010/main" val="0"/>
@@ -7297,7 +5919,7 @@
           </a:ln>
           <a:extLst>
             <a:ext uri="{C572A759-6A51-4108-AA02-DFA0A04FC94B}">
-              <ma14:wrappingTextBoxFlag xmlns:ma14="http://schemas.microsoft.com/office/mac/drawingml/2011/main" xmlns:a14="http://schemas.microsoft.com/office/drawing/2010/main" xmlns:m="http://schemas.openxmlformats.org/officeDocument/2006/math" xmlns="" val="1"/>
+              <ma14:wrappingTextBoxFlag xmlns="" xmlns:m="http://schemas.openxmlformats.org/officeDocument/2006/math" xmlns:a14="http://schemas.microsoft.com/office/drawing/2010/main" xmlns:ma14="http://schemas.microsoft.com/office/mac/drawingml/2011/main" val="1"/>
             </a:ext>
           </a:extLst>
         </p:spPr>
@@ -7351,7 +5973,7 @@
           </a:ln>
           <a:extLst>
             <a:ext uri="{C572A759-6A51-4108-AA02-DFA0A04FC94B}">
-              <ma14:wrappingTextBoxFlag xmlns:ma14="http://schemas.microsoft.com/office/mac/drawingml/2011/main" xmlns:a14="http://schemas.microsoft.com/office/drawing/2010/main" xmlns:m="http://schemas.openxmlformats.org/officeDocument/2006/math" xmlns="" val="1"/>
+              <ma14:wrappingTextBoxFlag xmlns="" xmlns:m="http://schemas.openxmlformats.org/officeDocument/2006/math" xmlns:a14="http://schemas.microsoft.com/office/drawing/2010/main" xmlns:ma14="http://schemas.microsoft.com/office/mac/drawingml/2011/main" val="1"/>
             </a:ext>
           </a:extLst>
         </p:spPr>
@@ -8020,7 +6642,7 @@
           </a:ln>
           <a:extLst>
             <a:ext uri="{C572A759-6A51-4108-AA02-DFA0A04FC94B}">
-              <ma14:wrappingTextBoxFlag xmlns:ma14="http://schemas.microsoft.com/office/mac/drawingml/2011/main" xmlns:a14="http://schemas.microsoft.com/office/drawing/2010/main" xmlns:m="http://schemas.openxmlformats.org/officeDocument/2006/math" xmlns="" val="1"/>
+              <ma14:wrappingTextBoxFlag xmlns="" xmlns:m="http://schemas.openxmlformats.org/officeDocument/2006/math" xmlns:a14="http://schemas.microsoft.com/office/drawing/2010/main" xmlns:ma14="http://schemas.microsoft.com/office/mac/drawingml/2011/main" val="1"/>
             </a:ext>
           </a:extLst>
         </p:spPr>
@@ -9026,7 +7648,7 @@
           </a:ln>
           <a:extLst>
             <a:ext uri="{C572A759-6A51-4108-AA02-DFA0A04FC94B}">
-              <ma14:wrappingTextBoxFlag xmlns:ma14="http://schemas.microsoft.com/office/mac/drawingml/2011/main" xmlns:a14="http://schemas.microsoft.com/office/drawing/2010/main" xmlns:m="http://schemas.openxmlformats.org/officeDocument/2006/math" xmlns="" val="1"/>
+              <ma14:wrappingTextBoxFlag xmlns="" xmlns:m="http://schemas.openxmlformats.org/officeDocument/2006/math" xmlns:a14="http://schemas.microsoft.com/office/drawing/2010/main" xmlns:ma14="http://schemas.microsoft.com/office/mac/drawingml/2011/main" val="1"/>
             </a:ext>
           </a:extLst>
         </p:spPr>
@@ -9134,7 +7756,7 @@
           </a:ln>
           <a:extLst>
             <a:ext uri="{C572A759-6A51-4108-AA02-DFA0A04FC94B}">
-              <ma14:wrappingTextBoxFlag xmlns:ma14="http://schemas.microsoft.com/office/mac/drawingml/2011/main" xmlns:a14="http://schemas.microsoft.com/office/drawing/2010/main" xmlns:m="http://schemas.openxmlformats.org/officeDocument/2006/math" xmlns="" val="1"/>
+              <ma14:wrappingTextBoxFlag xmlns="" xmlns:m="http://schemas.openxmlformats.org/officeDocument/2006/math" xmlns:a14="http://schemas.microsoft.com/office/drawing/2010/main" xmlns:ma14="http://schemas.microsoft.com/office/mac/drawingml/2011/main" val="1"/>
             </a:ext>
           </a:extLst>
         </p:spPr>
@@ -9252,7 +7874,7 @@
           </a:ln>
           <a:extLst>
             <a:ext uri="{C572A759-6A51-4108-AA02-DFA0A04FC94B}">
-              <ma14:wrappingTextBoxFlag xmlns:ma14="http://schemas.microsoft.com/office/mac/drawingml/2011/main" xmlns:a14="http://schemas.microsoft.com/office/drawing/2010/main" xmlns:m="http://schemas.openxmlformats.org/officeDocument/2006/math" xmlns="" val="1"/>
+              <ma14:wrappingTextBoxFlag xmlns="" xmlns:m="http://schemas.openxmlformats.org/officeDocument/2006/math" xmlns:a14="http://schemas.microsoft.com/office/drawing/2010/main" xmlns:ma14="http://schemas.microsoft.com/office/mac/drawingml/2011/main" val="1"/>
             </a:ext>
           </a:extLst>
         </p:spPr>
@@ -9286,7 +7908,7 @@
           <p:nvPr/>
         </p:nvPicPr>
         <p:blipFill rotWithShape="1">
-          <a:blip r:embed="rId26">
+          <a:blip r:embed="rId11">
             <a:extLst>
               <a:ext uri="{28A0092B-C50C-407E-A947-70E740481C1C}">
                 <a14:useLocalDpi xmlns:a14="http://schemas.microsoft.com/office/drawing/2010/main" val="0"/>
@@ -9812,7 +8434,7 @@
           </a:ln>
           <a:extLst>
             <a:ext uri="{C572A759-6A51-4108-AA02-DFA0A04FC94B}">
-              <ma14:wrappingTextBoxFlag xmlns:ma14="http://schemas.microsoft.com/office/mac/drawingml/2011/main" xmlns:a14="http://schemas.microsoft.com/office/drawing/2010/main" xmlns:m="http://schemas.openxmlformats.org/officeDocument/2006/math" xmlns="" val="1"/>
+              <ma14:wrappingTextBoxFlag xmlns="" xmlns:m="http://schemas.openxmlformats.org/officeDocument/2006/math" xmlns:a14="http://schemas.microsoft.com/office/drawing/2010/main" xmlns:ma14="http://schemas.microsoft.com/office/mac/drawingml/2011/main" val="1"/>
             </a:ext>
           </a:extLst>
         </p:spPr>
@@ -9894,7 +8516,7 @@
           <p:nvPr/>
         </p:nvPicPr>
         <p:blipFill>
-          <a:blip r:embed="rId27">
+          <a:blip r:embed="rId12">
             <a:extLst>
               <a:ext uri="{28A0092B-C50C-407E-A947-70E740481C1C}">
                 <a14:useLocalDpi xmlns:a14="http://schemas.microsoft.com/office/drawing/2010/main" val="0"/>
@@ -10082,7 +8704,7 @@
           </a:ln>
           <a:extLst>
             <a:ext uri="{C572A759-6A51-4108-AA02-DFA0A04FC94B}">
-              <ma14:wrappingTextBoxFlag xmlns:ma14="http://schemas.microsoft.com/office/mac/drawingml/2011/main" xmlns:a14="http://schemas.microsoft.com/office/drawing/2010/main" xmlns:m="http://schemas.openxmlformats.org/officeDocument/2006/math" xmlns="" val="1"/>
+              <ma14:wrappingTextBoxFlag xmlns="" xmlns:m="http://schemas.openxmlformats.org/officeDocument/2006/math" xmlns:a14="http://schemas.microsoft.com/office/drawing/2010/main" xmlns:ma14="http://schemas.microsoft.com/office/mac/drawingml/2011/main" val="1"/>
             </a:ext>
           </a:extLst>
         </p:spPr>
@@ -11077,7 +9699,7 @@
           </a:ln>
           <a:extLst>
             <a:ext uri="{C572A759-6A51-4108-AA02-DFA0A04FC94B}">
-              <ma14:wrappingTextBoxFlag xmlns:ma14="http://schemas.microsoft.com/office/mac/drawingml/2011/main" xmlns:a14="http://schemas.microsoft.com/office/drawing/2010/main" xmlns:m="http://schemas.openxmlformats.org/officeDocument/2006/math" xmlns="" val="1"/>
+              <ma14:wrappingTextBoxFlag xmlns="" xmlns:m="http://schemas.openxmlformats.org/officeDocument/2006/math" xmlns:a14="http://schemas.microsoft.com/office/drawing/2010/main" xmlns:ma14="http://schemas.microsoft.com/office/mac/drawingml/2011/main" val="1"/>
             </a:ext>
           </a:extLst>
         </p:spPr>
@@ -11159,7 +9781,7 @@
           </a:ln>
           <a:extLst>
             <a:ext uri="{C572A759-6A51-4108-AA02-DFA0A04FC94B}">
-              <ma14:wrappingTextBoxFlag xmlns:ma14="http://schemas.microsoft.com/office/mac/drawingml/2011/main" xmlns:a14="http://schemas.microsoft.com/office/drawing/2010/main" xmlns:m="http://schemas.openxmlformats.org/officeDocument/2006/math" xmlns="" val="1"/>
+              <ma14:wrappingTextBoxFlag xmlns="" xmlns:m="http://schemas.openxmlformats.org/officeDocument/2006/math" xmlns:a14="http://schemas.microsoft.com/office/drawing/2010/main" xmlns:ma14="http://schemas.microsoft.com/office/mac/drawingml/2011/main" val="1"/>
             </a:ext>
           </a:extLst>
         </p:spPr>
@@ -11199,7 +9821,7 @@
         <p:spPr>
           <a:xfrm>
             <a:off x="10496508" y="412229"/>
-            <a:ext cx="1666585" cy="1"/>
+            <a:ext cx="3034979" cy="8003"/>
           </a:xfrm>
           <a:prstGeom prst="line">
             <a:avLst/>
@@ -11293,7 +9915,7 @@
           </a:ln>
           <a:extLst>
             <a:ext uri="{C572A759-6A51-4108-AA02-DFA0A04FC94B}">
-              <ma14:wrappingTextBoxFlag xmlns:ma14="http://schemas.microsoft.com/office/mac/drawingml/2011/main" xmlns:a14="http://schemas.microsoft.com/office/drawing/2010/main" xmlns:m="http://schemas.openxmlformats.org/officeDocument/2006/math" xmlns="" val="1"/>
+              <ma14:wrappingTextBoxFlag xmlns="" xmlns:m="http://schemas.openxmlformats.org/officeDocument/2006/math" xmlns:a14="http://schemas.microsoft.com/office/drawing/2010/main" xmlns:ma14="http://schemas.microsoft.com/office/mac/drawingml/2011/main" val="1"/>
             </a:ext>
           </a:extLst>
         </p:spPr>
@@ -11337,7 +9959,7 @@
           </a:ln>
           <a:extLst>
             <a:ext uri="{C572A759-6A51-4108-AA02-DFA0A04FC94B}">
-              <ma14:wrappingTextBoxFlag xmlns:ma14="http://schemas.microsoft.com/office/mac/drawingml/2011/main" xmlns:a14="http://schemas.microsoft.com/office/drawing/2010/main" xmlns:m="http://schemas.openxmlformats.org/officeDocument/2006/math" xmlns="" val="1"/>
+              <ma14:wrappingTextBoxFlag xmlns="" xmlns:m="http://schemas.openxmlformats.org/officeDocument/2006/math" xmlns:a14="http://schemas.microsoft.com/office/drawing/2010/main" xmlns:ma14="http://schemas.microsoft.com/office/mac/drawingml/2011/main" val="1"/>
             </a:ext>
           </a:extLst>
         </p:spPr>
@@ -11382,8 +10004,8 @@
         </p:nvSpPr>
         <p:spPr>
           <a:xfrm>
-            <a:off x="4617889" y="1159033"/>
-            <a:ext cx="4552304" cy="5972611"/>
+            <a:off x="4617888" y="1159033"/>
+            <a:ext cx="5221971" cy="5972611"/>
           </a:xfrm>
           <a:prstGeom prst="rect">
             <a:avLst/>
@@ -11403,7 +10025,7 @@
           </a:ln>
           <a:extLst>
             <a:ext uri="{C572A759-6A51-4108-AA02-DFA0A04FC94B}">
-              <ma14:wrappingTextBoxFlag xmlns:ma14="http://schemas.microsoft.com/office/mac/drawingml/2011/main" xmlns:a14="http://schemas.microsoft.com/office/drawing/2010/main" xmlns:m="http://schemas.openxmlformats.org/officeDocument/2006/math" xmlns="" val="1"/>
+              <ma14:wrappingTextBoxFlag xmlns="" xmlns:m="http://schemas.openxmlformats.org/officeDocument/2006/math" xmlns:a14="http://schemas.microsoft.com/office/drawing/2010/main" xmlns:ma14="http://schemas.microsoft.com/office/mac/drawingml/2011/main" val="1"/>
             </a:ext>
           </a:extLst>
         </p:spPr>
@@ -12714,7 +11336,7 @@
         </p:nvSpPr>
         <p:spPr>
           <a:xfrm>
-            <a:off x="10395531" y="1196350"/>
+            <a:off x="10395531" y="1019888"/>
             <a:ext cx="3135956" cy="608804"/>
           </a:xfrm>
           <a:prstGeom prst="rect">
@@ -12725,7 +11347,7 @@
           </a:ln>
           <a:extLst>
             <a:ext uri="{C572A759-6A51-4108-AA02-DFA0A04FC94B}">
-              <ma14:wrappingTextBoxFlag xmlns:ma14="http://schemas.microsoft.com/office/mac/drawingml/2011/main" xmlns:a14="http://schemas.microsoft.com/office/drawing/2010/main" xmlns:m="http://schemas.openxmlformats.org/officeDocument/2006/math" xmlns="" val="1"/>
+              <ma14:wrappingTextBoxFlag xmlns="" xmlns:m="http://schemas.openxmlformats.org/officeDocument/2006/math" xmlns:a14="http://schemas.microsoft.com/office/drawing/2010/main" xmlns:ma14="http://schemas.microsoft.com/office/mac/drawingml/2011/main" val="1"/>
             </a:ext>
           </a:extLst>
         </p:spPr>
@@ -12793,7 +11415,7 @@
         </p:nvSpPr>
         <p:spPr>
           <a:xfrm>
-            <a:off x="10447873" y="1961056"/>
+            <a:off x="10447873" y="1784594"/>
             <a:ext cx="2989177" cy="2404704"/>
           </a:xfrm>
           <a:prstGeom prst="rect">
@@ -12814,7 +11436,7 @@
           </a:ln>
           <a:extLst>
             <a:ext uri="{C572A759-6A51-4108-AA02-DFA0A04FC94B}">
-              <ma14:wrappingTextBoxFlag xmlns:ma14="http://schemas.microsoft.com/office/mac/drawingml/2011/main" xmlns:a14="http://schemas.microsoft.com/office/drawing/2010/main" xmlns:m="http://schemas.openxmlformats.org/officeDocument/2006/math" xmlns="" val="1"/>
+              <ma14:wrappingTextBoxFlag xmlns="" xmlns:m="http://schemas.openxmlformats.org/officeDocument/2006/math" xmlns:a14="http://schemas.microsoft.com/office/drawing/2010/main" xmlns:ma14="http://schemas.microsoft.com/office/mac/drawingml/2011/main" val="1"/>
             </a:ext>
           </a:extLst>
         </p:spPr>
@@ -13134,7 +11756,7 @@
         </p:nvSpPr>
         <p:spPr>
           <a:xfrm>
-            <a:off x="10395531" y="4500021"/>
+            <a:off x="10395531" y="4323559"/>
             <a:ext cx="3135956" cy="941203"/>
           </a:xfrm>
           <a:prstGeom prst="rect">
@@ -13145,7 +11767,7 @@
           </a:ln>
           <a:extLst>
             <a:ext uri="{C572A759-6A51-4108-AA02-DFA0A04FC94B}">
-              <ma14:wrappingTextBoxFlag xmlns:ma14="http://schemas.microsoft.com/office/mac/drawingml/2011/main" xmlns:a14="http://schemas.microsoft.com/office/drawing/2010/main" xmlns:m="http://schemas.openxmlformats.org/officeDocument/2006/math" xmlns="" val="1"/>
+              <ma14:wrappingTextBoxFlag xmlns="" xmlns:m="http://schemas.openxmlformats.org/officeDocument/2006/math" xmlns:a14="http://schemas.microsoft.com/office/drawing/2010/main" xmlns:ma14="http://schemas.microsoft.com/office/mac/drawingml/2011/main" val="1"/>
             </a:ext>
           </a:extLst>
         </p:spPr>
@@ -13221,8 +11843,8 @@
         </p:nvSpPr>
         <p:spPr>
           <a:xfrm flipV="1">
-            <a:off x="346406" y="7999721"/>
-            <a:ext cx="8838288" cy="20619"/>
+            <a:off x="346406" y="8018404"/>
+            <a:ext cx="9484830" cy="1936"/>
           </a:xfrm>
           <a:prstGeom prst="line">
             <a:avLst/>
@@ -13257,10 +11879,66 @@
       </p:sp>
       <p:sp>
         <p:nvSpPr>
-          <p:cNvPr id="153" name="Line">
-            <a:extLst>
-              <a:ext uri="{FF2B5EF4-FFF2-40B4-BE49-F238E27FC236}">
-                <a16:creationId xmlns:a16="http://schemas.microsoft.com/office/drawing/2014/main" id="{AD67D18C-69C3-2E4A-BEA1-FFFEA9618510}"/>
+          <p:cNvPr id="45" name="Building an App">
+            <a:extLst>
+              <a:ext uri="{FF2B5EF4-FFF2-40B4-BE49-F238E27FC236}">
+                <a16:creationId xmlns:a16="http://schemas.microsoft.com/office/drawing/2014/main" id="{A7FFA877-9E0F-0342-88F5-3F364C6E3C53}"/>
+              </a:ext>
+            </a:extLst>
+          </p:cNvPr>
+          <p:cNvSpPr txBox="1"/>
+          <p:nvPr/>
+        </p:nvSpPr>
+        <p:spPr>
+          <a:xfrm>
+            <a:off x="10379603" y="5545147"/>
+            <a:ext cx="2019784" cy="340029"/>
+          </a:xfrm>
+          <a:prstGeom prst="rect">
+            <a:avLst/>
+          </a:prstGeom>
+          <a:ln w="12700">
+            <a:miter lim="400000"/>
+          </a:ln>
+          <a:extLst>
+            <a:ext uri="{C572A759-6A51-4108-AA02-DFA0A04FC94B}">
+              <ma14:wrappingTextBoxFlag xmlns="" xmlns:m="http://schemas.openxmlformats.org/officeDocument/2006/math" xmlns:a14="http://schemas.microsoft.com/office/drawing/2010/main" xmlns:ma14="http://schemas.microsoft.com/office/mac/drawingml/2011/main" val="1"/>
+            </a:ext>
+          </a:extLst>
+        </p:spPr>
+        <p:txBody>
+          <a:bodyPr wrap="none" lIns="12700" tIns="12700" rIns="12700" bIns="12700" anchor="ctr">
+            <a:spAutoFit/>
+          </a:bodyPr>
+          <a:lstStyle/>
+          <a:p>
+            <a:pPr lvl="1" indent="0">
+              <a:lnSpc>
+                <a:spcPct val="80000"/>
+              </a:lnSpc>
+              <a:spcBef>
+                <a:spcPts val="0"/>
+              </a:spcBef>
+              <a:defRPr sz="2500" b="0">
+                <a:solidFill>
+                  <a:srgbClr val="5589C5"/>
+                </a:solidFill>
+              </a:defRPr>
+            </a:pPr>
+            <a:r>
+              <a:rPr lang="en-US" dirty="0"/>
+              <a:t>Layout: BLOCK</a:t>
+            </a:r>
+            <a:endParaRPr dirty="0"/>
+          </a:p>
+        </p:txBody>
+      </p:sp>
+      <p:sp>
+        <p:nvSpPr>
+          <p:cNvPr id="3" name="Rectangle 2">
+            <a:extLst>
+              <a:ext uri="{FF2B5EF4-FFF2-40B4-BE49-F238E27FC236}">
+                <a16:creationId xmlns:a16="http://schemas.microsoft.com/office/drawing/2014/main" id="{46AD8E9A-5841-8E4C-A04F-80A8EE54D2DC}"/>
               </a:ext>
             </a:extLst>
           </p:cNvPr>
@@ -13269,8 +11947,462 @@
         </p:nvSpPr>
         <p:spPr>
           <a:xfrm>
-            <a:off x="9817028" y="712908"/>
-            <a:ext cx="14208" cy="6263320"/>
+            <a:off x="10367945" y="5948327"/>
+            <a:ext cx="2970354" cy="375962"/>
+          </a:xfrm>
+          <a:prstGeom prst="rect">
+            <a:avLst/>
+          </a:prstGeom>
+        </p:spPr>
+        <p:txBody>
+          <a:bodyPr wrap="square">
+            <a:spAutoFit/>
+          </a:bodyPr>
+          <a:lstStyle/>
+          <a:p>
+            <a:r>
+              <a:rPr lang="en-US" sz="900" dirty="0"/>
+              <a:t>f7Block(..., hairlines = TRUE, strong = FALSE, inset = FALSE, tablet = FALSE)</a:t>
+            </a:r>
+          </a:p>
+        </p:txBody>
+      </p:sp>
+      <p:pic>
+        <p:nvPicPr>
+          <p:cNvPr id="5" name="Picture 4" descr="A screenshot of a cell phone&#10;&#10;Description automatically generated">
+            <a:extLst>
+              <a:ext uri="{FF2B5EF4-FFF2-40B4-BE49-F238E27FC236}">
+                <a16:creationId xmlns:a16="http://schemas.microsoft.com/office/drawing/2014/main" id="{B1B6357B-D8F5-3944-9608-9573211ED630}"/>
+              </a:ext>
+            </a:extLst>
+          </p:cNvPr>
+          <p:cNvPicPr>
+            <a:picLocks noChangeAspect="1"/>
+          </p:cNvPicPr>
+          <p:nvPr/>
+        </p:nvPicPr>
+        <p:blipFill>
+          <a:blip r:embed="rId7">
+            <a:extLst>
+              <a:ext uri="{28A0092B-C50C-407E-A947-70E740481C1C}">
+                <a14:useLocalDpi xmlns:a14="http://schemas.microsoft.com/office/drawing/2010/main" val="0"/>
+              </a:ext>
+            </a:extLst>
+          </a:blip>
+          <a:stretch>
+            <a:fillRect/>
+          </a:stretch>
+        </p:blipFill>
+        <p:spPr>
+          <a:xfrm>
+            <a:off x="10717987" y="7435330"/>
+            <a:ext cx="2392680" cy="1254760"/>
+          </a:xfrm>
+          <a:prstGeom prst="rect">
+            <a:avLst/>
+          </a:prstGeom>
+        </p:spPr>
+      </p:pic>
+      <p:sp>
+        <p:nvSpPr>
+          <p:cNvPr id="51" name="Rectangle 50">
+            <a:extLst>
+              <a:ext uri="{FF2B5EF4-FFF2-40B4-BE49-F238E27FC236}">
+                <a16:creationId xmlns:a16="http://schemas.microsoft.com/office/drawing/2014/main" id="{B8B0C7C7-0679-0846-88E0-BFE816EF5ED8}"/>
+              </a:ext>
+            </a:extLst>
+          </p:cNvPr>
+          <p:cNvSpPr/>
+          <p:nvPr/>
+        </p:nvSpPr>
+        <p:spPr>
+          <a:xfrm>
+            <a:off x="10369689" y="6368032"/>
+            <a:ext cx="2141992" cy="230832"/>
+          </a:xfrm>
+          <a:prstGeom prst="rect">
+            <a:avLst/>
+          </a:prstGeom>
+        </p:spPr>
+        <p:txBody>
+          <a:bodyPr wrap="square">
+            <a:spAutoFit/>
+          </a:bodyPr>
+          <a:lstStyle/>
+          <a:p>
+            <a:r>
+              <a:rPr lang="en-US" sz="900" dirty="0"/>
+              <a:t>f7BlockTitle(title = NULL, size = NULL)</a:t>
+            </a:r>
+          </a:p>
+        </p:txBody>
+      </p:sp>
+      <p:sp>
+        <p:nvSpPr>
+          <p:cNvPr id="6" name="Rectangle 5">
+            <a:extLst>
+              <a:ext uri="{FF2B5EF4-FFF2-40B4-BE49-F238E27FC236}">
+                <a16:creationId xmlns:a16="http://schemas.microsoft.com/office/drawing/2014/main" id="{CFB63027-36BE-2747-8D9F-D8F84AA7862D}"/>
+              </a:ext>
+            </a:extLst>
+          </p:cNvPr>
+          <p:cNvSpPr/>
+          <p:nvPr/>
+        </p:nvSpPr>
+        <p:spPr>
+          <a:xfrm>
+            <a:off x="10367945" y="6599221"/>
+            <a:ext cx="1608133" cy="230832"/>
+          </a:xfrm>
+          <a:prstGeom prst="rect">
+            <a:avLst/>
+          </a:prstGeom>
+        </p:spPr>
+        <p:txBody>
+          <a:bodyPr wrap="none">
+            <a:spAutoFit/>
+          </a:bodyPr>
+          <a:lstStyle/>
+          <a:p>
+            <a:r>
+              <a:rPr lang="en-US" sz="900" dirty="0"/>
+              <a:t>f7BlockHeader(text = NULL)</a:t>
+            </a:r>
+          </a:p>
+        </p:txBody>
+      </p:sp>
+      <p:sp>
+        <p:nvSpPr>
+          <p:cNvPr id="53" name="Rectangle 52">
+            <a:extLst>
+              <a:ext uri="{FF2B5EF4-FFF2-40B4-BE49-F238E27FC236}">
+                <a16:creationId xmlns:a16="http://schemas.microsoft.com/office/drawing/2014/main" id="{A988076F-9AA3-4D4B-9FC7-8F41DAAE5CF9}"/>
+              </a:ext>
+            </a:extLst>
+          </p:cNvPr>
+          <p:cNvSpPr/>
+          <p:nvPr/>
+        </p:nvSpPr>
+        <p:spPr>
+          <a:xfrm>
+            <a:off x="10367945" y="6901009"/>
+            <a:ext cx="1577676" cy="230832"/>
+          </a:xfrm>
+          <a:prstGeom prst="rect">
+            <a:avLst/>
+          </a:prstGeom>
+        </p:spPr>
+        <p:txBody>
+          <a:bodyPr wrap="none">
+            <a:spAutoFit/>
+          </a:bodyPr>
+          <a:lstStyle/>
+          <a:p>
+            <a:r>
+              <a:rPr lang="en-US" sz="900" dirty="0"/>
+              <a:t>f7BlockFooter(text = NULL)</a:t>
+            </a:r>
+          </a:p>
+        </p:txBody>
+      </p:sp>
+      <p:sp>
+        <p:nvSpPr>
+          <p:cNvPr id="54" name="APP TEMPLATE">
+            <a:extLst>
+              <a:ext uri="{FF2B5EF4-FFF2-40B4-BE49-F238E27FC236}">
+                <a16:creationId xmlns:a16="http://schemas.microsoft.com/office/drawing/2014/main" id="{E1F91753-9B2F-3C49-9144-86E4248965E0}"/>
+              </a:ext>
+            </a:extLst>
+          </p:cNvPr>
+          <p:cNvSpPr txBox="1"/>
+          <p:nvPr/>
+        </p:nvSpPr>
+        <p:spPr>
+          <a:xfrm>
+            <a:off x="11550396" y="7196291"/>
+            <a:ext cx="626775" cy="210314"/>
+          </a:xfrm>
+          <a:prstGeom prst="rect">
+            <a:avLst/>
+          </a:prstGeom>
+          <a:ln w="12700">
+            <a:miter lim="400000"/>
+          </a:ln>
+          <a:extLst>
+            <a:ext uri="{C572A759-6A51-4108-AA02-DFA0A04FC94B}">
+              <ma14:wrappingTextBoxFlag xmlns="" xmlns:m="http://schemas.openxmlformats.org/officeDocument/2006/math" xmlns:a14="http://schemas.microsoft.com/office/drawing/2010/main" xmlns:ma14="http://schemas.microsoft.com/office/mac/drawingml/2011/main" val="1"/>
+            </a:ext>
+          </a:extLst>
+        </p:spPr>
+        <p:txBody>
+          <a:bodyPr wrap="none" lIns="12700" tIns="12700" rIns="12700" bIns="12700" anchor="ctr">
+            <a:spAutoFit/>
+          </a:bodyPr>
+          <a:lstStyle/>
+          <a:p>
+            <a:pPr lvl="1" indent="0"/>
+            <a:r>
+              <a:rPr lang="en-US" dirty="0">
+                <a:solidFill>
+                  <a:schemeClr val="bg1">
+                    <a:lumMod val="65000"/>
+                  </a:schemeClr>
+                </a:solidFill>
+              </a:rPr>
+              <a:t>STRONG </a:t>
+            </a:r>
+            <a:endParaRPr dirty="0">
+              <a:solidFill>
+                <a:schemeClr val="bg1">
+                  <a:lumMod val="65000"/>
+                </a:schemeClr>
+              </a:solidFill>
+            </a:endParaRPr>
+          </a:p>
+        </p:txBody>
+      </p:sp>
+      <p:sp>
+        <p:nvSpPr>
+          <p:cNvPr id="55" name="APP TEMPLATE">
+            <a:extLst>
+              <a:ext uri="{FF2B5EF4-FFF2-40B4-BE49-F238E27FC236}">
+                <a16:creationId xmlns:a16="http://schemas.microsoft.com/office/drawing/2014/main" id="{CC99F2BA-2537-C74F-A2B0-6EEBA774868D}"/>
+              </a:ext>
+            </a:extLst>
+          </p:cNvPr>
+          <p:cNvSpPr txBox="1"/>
+          <p:nvPr/>
+        </p:nvSpPr>
+        <p:spPr>
+          <a:xfrm>
+            <a:off x="11327628" y="8806494"/>
+            <a:ext cx="1173398" cy="210314"/>
+          </a:xfrm>
+          <a:prstGeom prst="rect">
+            <a:avLst/>
+          </a:prstGeom>
+          <a:ln w="12700">
+            <a:miter lim="400000"/>
+          </a:ln>
+          <a:extLst>
+            <a:ext uri="{C572A759-6A51-4108-AA02-DFA0A04FC94B}">
+              <ma14:wrappingTextBoxFlag xmlns="" xmlns:m="http://schemas.openxmlformats.org/officeDocument/2006/math" xmlns:a14="http://schemas.microsoft.com/office/drawing/2010/main" xmlns:ma14="http://schemas.microsoft.com/office/mac/drawingml/2011/main" val="1"/>
+            </a:ext>
+          </a:extLst>
+        </p:spPr>
+        <p:txBody>
+          <a:bodyPr wrap="none" lIns="12700" tIns="12700" rIns="12700" bIns="12700" anchor="ctr">
+            <a:spAutoFit/>
+          </a:bodyPr>
+          <a:lstStyle/>
+          <a:p>
+            <a:pPr lvl="1" indent="0"/>
+            <a:r>
+              <a:rPr lang="en-US" dirty="0">
+                <a:solidFill>
+                  <a:schemeClr val="bg1">
+                    <a:lumMod val="65000"/>
+                  </a:schemeClr>
+                </a:solidFill>
+              </a:rPr>
+              <a:t>STRONG + INSET </a:t>
+            </a:r>
+            <a:endParaRPr dirty="0">
+              <a:solidFill>
+                <a:schemeClr val="bg1">
+                  <a:lumMod val="65000"/>
+                </a:schemeClr>
+              </a:solidFill>
+            </a:endParaRPr>
+          </a:p>
+        </p:txBody>
+      </p:sp>
+      <p:pic>
+        <p:nvPicPr>
+          <p:cNvPr id="8" name="Picture 7" descr="A screenshot of a cell phone&#10;&#10;Description automatically generated">
+            <a:extLst>
+              <a:ext uri="{FF2B5EF4-FFF2-40B4-BE49-F238E27FC236}">
+                <a16:creationId xmlns:a16="http://schemas.microsoft.com/office/drawing/2014/main" id="{C325BE28-D23D-0248-80F9-1C07E55C74BA}"/>
+              </a:ext>
+            </a:extLst>
+          </p:cNvPr>
+          <p:cNvPicPr>
+            <a:picLocks noChangeAspect="1"/>
+          </p:cNvPicPr>
+          <p:nvPr/>
+        </p:nvPicPr>
+        <p:blipFill>
+          <a:blip r:embed="rId8">
+            <a:extLst>
+              <a:ext uri="{28A0092B-C50C-407E-A947-70E740481C1C}">
+                <a14:useLocalDpi xmlns:a14="http://schemas.microsoft.com/office/drawing/2010/main" val="0"/>
+              </a:ext>
+            </a:extLst>
+          </a:blip>
+          <a:stretch>
+            <a:fillRect/>
+          </a:stretch>
+        </p:blipFill>
+        <p:spPr>
+          <a:xfrm>
+            <a:off x="11044489" y="9053390"/>
+            <a:ext cx="1874520" cy="1087120"/>
+          </a:xfrm>
+          <a:prstGeom prst="rect">
+            <a:avLst/>
+          </a:prstGeom>
+        </p:spPr>
+      </p:pic>
+      <p:sp>
+        <p:nvSpPr>
+          <p:cNvPr id="58" name="Building an App">
+            <a:extLst>
+              <a:ext uri="{FF2B5EF4-FFF2-40B4-BE49-F238E27FC236}">
+                <a16:creationId xmlns:a16="http://schemas.microsoft.com/office/drawing/2014/main" id="{56C3FEA2-79A1-4F46-B932-3D7EE4E8DF3C}"/>
+              </a:ext>
+            </a:extLst>
+          </p:cNvPr>
+          <p:cNvSpPr txBox="1"/>
+          <p:nvPr/>
+        </p:nvSpPr>
+        <p:spPr>
+          <a:xfrm>
+            <a:off x="317404" y="8199813"/>
+            <a:ext cx="1986121" cy="340029"/>
+          </a:xfrm>
+          <a:prstGeom prst="rect">
+            <a:avLst/>
+          </a:prstGeom>
+          <a:ln w="12700">
+            <a:miter lim="400000"/>
+          </a:ln>
+          <a:extLst>
+            <a:ext uri="{C572A759-6A51-4108-AA02-DFA0A04FC94B}">
+              <ma14:wrappingTextBoxFlag xmlns="" xmlns:m="http://schemas.openxmlformats.org/officeDocument/2006/math" xmlns:a14="http://schemas.microsoft.com/office/drawing/2010/main" xmlns:ma14="http://schemas.microsoft.com/office/mac/drawingml/2011/main" val="1"/>
+            </a:ext>
+          </a:extLst>
+        </p:spPr>
+        <p:txBody>
+          <a:bodyPr wrap="none" lIns="12700" tIns="12700" rIns="12700" bIns="12700" anchor="ctr">
+            <a:spAutoFit/>
+          </a:bodyPr>
+          <a:lstStyle/>
+          <a:p>
+            <a:pPr lvl="1" indent="0">
+              <a:lnSpc>
+                <a:spcPct val="80000"/>
+              </a:lnSpc>
+              <a:spcBef>
+                <a:spcPts val="0"/>
+              </a:spcBef>
+              <a:defRPr sz="2500" b="0">
+                <a:solidFill>
+                  <a:srgbClr val="5589C5"/>
+                </a:solidFill>
+              </a:defRPr>
+            </a:pPr>
+            <a:r>
+              <a:rPr lang="en-US" dirty="0"/>
+              <a:t>Layout: effects</a:t>
+            </a:r>
+            <a:endParaRPr dirty="0"/>
+          </a:p>
+        </p:txBody>
+      </p:sp>
+      <p:sp>
+        <p:nvSpPr>
+          <p:cNvPr id="9" name="Rectangle 8">
+            <a:extLst>
+              <a:ext uri="{FF2B5EF4-FFF2-40B4-BE49-F238E27FC236}">
+                <a16:creationId xmlns:a16="http://schemas.microsoft.com/office/drawing/2014/main" id="{1C41E317-ADCD-FB4C-A73D-487B17BF9F22}"/>
+              </a:ext>
+            </a:extLst>
+          </p:cNvPr>
+          <p:cNvSpPr/>
+          <p:nvPr/>
+        </p:nvSpPr>
+        <p:spPr>
+          <a:xfrm>
+            <a:off x="1889526" y="9127547"/>
+            <a:ext cx="1675939" cy="507831"/>
+          </a:xfrm>
+          <a:prstGeom prst="rect">
+            <a:avLst/>
+          </a:prstGeom>
+        </p:spPr>
+        <p:txBody>
+          <a:bodyPr wrap="square">
+            <a:spAutoFit/>
+          </a:bodyPr>
+          <a:lstStyle/>
+          <a:p>
+            <a:r>
+              <a:rPr lang="en-US" sz="900" dirty="0"/>
+              <a:t>f7Shadow(tag, intensity, hover = FALSE, pressed = FALSE)</a:t>
+            </a:r>
+          </a:p>
+        </p:txBody>
+      </p:sp>
+      <p:sp>
+        <p:nvSpPr>
+          <p:cNvPr id="60" name="APP TEMPLATE">
+            <a:extLst>
+              <a:ext uri="{FF2B5EF4-FFF2-40B4-BE49-F238E27FC236}">
+                <a16:creationId xmlns:a16="http://schemas.microsoft.com/office/drawing/2014/main" id="{C39DA0A1-7329-0640-8D0A-0EB8A4AE3267}"/>
+              </a:ext>
+            </a:extLst>
+          </p:cNvPr>
+          <p:cNvSpPr txBox="1"/>
+          <p:nvPr/>
+        </p:nvSpPr>
+        <p:spPr>
+          <a:xfrm>
+            <a:off x="373146" y="8764893"/>
+            <a:ext cx="631583" cy="210314"/>
+          </a:xfrm>
+          <a:prstGeom prst="rect">
+            <a:avLst/>
+          </a:prstGeom>
+          <a:ln w="12700">
+            <a:miter lim="400000"/>
+          </a:ln>
+          <a:extLst>
+            <a:ext uri="{C572A759-6A51-4108-AA02-DFA0A04FC94B}">
+              <ma14:wrappingTextBoxFlag xmlns="" xmlns:m="http://schemas.openxmlformats.org/officeDocument/2006/math" xmlns:a14="http://schemas.microsoft.com/office/drawing/2010/main" xmlns:ma14="http://schemas.microsoft.com/office/mac/drawingml/2011/main" val="1"/>
+            </a:ext>
+          </a:extLst>
+        </p:spPr>
+        <p:txBody>
+          <a:bodyPr wrap="none" lIns="12700" tIns="12700" rIns="12700" bIns="12700" anchor="ctr">
+            <a:spAutoFit/>
+          </a:bodyPr>
+          <a:lstStyle/>
+          <a:p>
+            <a:pPr lvl="1" indent="0"/>
+            <a:r>
+              <a:rPr lang="en-US" dirty="0"/>
+              <a:t>SHADOW</a:t>
+            </a:r>
+            <a:endParaRPr dirty="0"/>
+          </a:p>
+        </p:txBody>
+      </p:sp>
+      <p:sp>
+        <p:nvSpPr>
+          <p:cNvPr id="61" name="Line">
+            <a:extLst>
+              <a:ext uri="{FF2B5EF4-FFF2-40B4-BE49-F238E27FC236}">
+                <a16:creationId xmlns:a16="http://schemas.microsoft.com/office/drawing/2014/main" id="{C6206C51-7250-574D-9047-CE952024B8A6}"/>
+              </a:ext>
+            </a:extLst>
+          </p:cNvPr>
+          <p:cNvSpPr/>
+          <p:nvPr/>
+        </p:nvSpPr>
+        <p:spPr>
+          <a:xfrm>
+            <a:off x="331905" y="8640821"/>
+            <a:ext cx="3031484" cy="1"/>
           </a:xfrm>
           <a:prstGeom prst="line">
             <a:avLst/>
@@ -13305,12 +12437,92 @@
           </a:p>
         </p:txBody>
       </p:sp>
-      <p:sp>
-        <p:nvSpPr>
-          <p:cNvPr id="154" name="Line">
-            <a:extLst>
-              <a:ext uri="{FF2B5EF4-FFF2-40B4-BE49-F238E27FC236}">
-                <a16:creationId xmlns:a16="http://schemas.microsoft.com/office/drawing/2014/main" id="{29A54535-0D02-6D4A-9AD3-C30530561C68}"/>
+      <p:pic>
+        <p:nvPicPr>
+          <p:cNvPr id="13" name="Picture 12" descr="A screenshot of a cell phone&#10;&#10;Description automatically generated">
+            <a:extLst>
+              <a:ext uri="{FF2B5EF4-FFF2-40B4-BE49-F238E27FC236}">
+                <a16:creationId xmlns:a16="http://schemas.microsoft.com/office/drawing/2014/main" id="{8A7682D2-56AF-B34E-88AC-8FF8605656AE}"/>
+              </a:ext>
+            </a:extLst>
+          </p:cNvPr>
+          <p:cNvPicPr>
+            <a:picLocks noChangeAspect="1"/>
+          </p:cNvPicPr>
+          <p:nvPr/>
+        </p:nvPicPr>
+        <p:blipFill>
+          <a:blip r:embed="rId9">
+            <a:extLst>
+              <a:ext uri="{28A0092B-C50C-407E-A947-70E740481C1C}">
+                <a14:useLocalDpi xmlns:a14="http://schemas.microsoft.com/office/drawing/2010/main" val="0"/>
+              </a:ext>
+            </a:extLst>
+          </a:blip>
+          <a:stretch>
+            <a:fillRect/>
+          </a:stretch>
+        </p:blipFill>
+        <p:spPr>
+          <a:xfrm>
+            <a:off x="373146" y="9054924"/>
+            <a:ext cx="1516380" cy="880110"/>
+          </a:xfrm>
+          <a:prstGeom prst="rect">
+            <a:avLst/>
+          </a:prstGeom>
+        </p:spPr>
+      </p:pic>
+      <p:sp>
+        <p:nvSpPr>
+          <p:cNvPr id="64" name="APP TEMPLATE">
+            <a:extLst>
+              <a:ext uri="{FF2B5EF4-FFF2-40B4-BE49-F238E27FC236}">
+                <a16:creationId xmlns:a16="http://schemas.microsoft.com/office/drawing/2014/main" id="{20318FD2-8AD5-E842-A6FB-16C1688F81BE}"/>
+              </a:ext>
+            </a:extLst>
+          </p:cNvPr>
+          <p:cNvSpPr txBox="1"/>
+          <p:nvPr/>
+        </p:nvSpPr>
+        <p:spPr>
+          <a:xfrm>
+            <a:off x="3708439" y="8154865"/>
+            <a:ext cx="2152833" cy="210314"/>
+          </a:xfrm>
+          <a:prstGeom prst="rect">
+            <a:avLst/>
+          </a:prstGeom>
+          <a:ln w="12700">
+            <a:miter lim="400000"/>
+          </a:ln>
+          <a:extLst>
+            <a:ext uri="{C572A759-6A51-4108-AA02-DFA0A04FC94B}">
+              <ma14:wrappingTextBoxFlag xmlns="" xmlns:m="http://schemas.openxmlformats.org/officeDocument/2006/math" xmlns:a14="http://schemas.microsoft.com/office/drawing/2010/main" xmlns:ma14="http://schemas.microsoft.com/office/mac/drawingml/2011/main" val="1"/>
+            </a:ext>
+          </a:extLst>
+        </p:spPr>
+        <p:txBody>
+          <a:bodyPr wrap="none" lIns="12700" tIns="12700" rIns="12700" bIns="12700" anchor="ctr">
+            <a:spAutoFit/>
+          </a:bodyPr>
+          <a:lstStyle/>
+          <a:p>
+            <a:pPr lvl="1" indent="0"/>
+            <a:r>
+              <a:rPr lang="en-US" dirty="0"/>
+              <a:t>SKELETON (LOADING OVERLAY)</a:t>
+            </a:r>
+            <a:endParaRPr dirty="0"/>
+          </a:p>
+        </p:txBody>
+      </p:sp>
+      <p:sp>
+        <p:nvSpPr>
+          <p:cNvPr id="14" name="Rectangle 13">
+            <a:extLst>
+              <a:ext uri="{FF2B5EF4-FFF2-40B4-BE49-F238E27FC236}">
+                <a16:creationId xmlns:a16="http://schemas.microsoft.com/office/drawing/2014/main" id="{510846AA-9FA0-D54C-8EFE-C2058513DEF6}"/>
               </a:ext>
             </a:extLst>
           </p:cNvPr>
@@ -13318,49 +12530,383 @@
           <p:nvPr/>
         </p:nvSpPr>
         <p:spPr>
-          <a:xfrm flipH="1">
-            <a:off x="9836970" y="6963871"/>
-            <a:ext cx="3600079" cy="178"/>
-          </a:xfrm>
-          <a:prstGeom prst="line">
+          <a:xfrm>
+            <a:off x="3610145" y="8394369"/>
+            <a:ext cx="3231975" cy="276999"/>
+          </a:xfrm>
+          <a:prstGeom prst="rect">
+            <a:avLst/>
+          </a:prstGeom>
+        </p:spPr>
+        <p:txBody>
+          <a:bodyPr wrap="none">
+            <a:spAutoFit/>
+          </a:bodyPr>
+          <a:lstStyle/>
+          <a:p>
+            <a:r>
+              <a:rPr lang="en-US" dirty="0"/>
+              <a:t>f7Skeleton(tag, effect = "fade", duration = 2)</a:t>
+            </a:r>
+          </a:p>
+        </p:txBody>
+      </p:sp>
+      <p:pic>
+        <p:nvPicPr>
+          <p:cNvPr id="16" name="Picture 15" descr="A screenshot of a cell phone&#10;&#10;Description automatically generated">
+            <a:extLst>
+              <a:ext uri="{FF2B5EF4-FFF2-40B4-BE49-F238E27FC236}">
+                <a16:creationId xmlns:a16="http://schemas.microsoft.com/office/drawing/2014/main" id="{30D8C78A-64F0-024F-883E-4DC6CF369B33}"/>
+              </a:ext>
+            </a:extLst>
+          </p:cNvPr>
+          <p:cNvPicPr>
+            <a:picLocks noChangeAspect="1"/>
+          </p:cNvPicPr>
+          <p:nvPr/>
+        </p:nvPicPr>
+        <p:blipFill>
+          <a:blip r:embed="rId10">
+            <a:extLst>
+              <a:ext uri="{28A0092B-C50C-407E-A947-70E740481C1C}">
+                <a14:useLocalDpi xmlns:a14="http://schemas.microsoft.com/office/drawing/2010/main" val="0"/>
+              </a:ext>
+            </a:extLst>
+          </a:blip>
+          <a:stretch>
+            <a:fillRect/>
+          </a:stretch>
+        </p:blipFill>
+        <p:spPr>
+          <a:xfrm>
+            <a:off x="3757741" y="9188764"/>
+            <a:ext cx="1139190" cy="868680"/>
+          </a:xfrm>
+          <a:prstGeom prst="rect">
+            <a:avLst/>
+          </a:prstGeom>
+        </p:spPr>
+      </p:pic>
+      <p:sp>
+        <p:nvSpPr>
+          <p:cNvPr id="69" name="APP TEMPLATE">
+            <a:extLst>
+              <a:ext uri="{FF2B5EF4-FFF2-40B4-BE49-F238E27FC236}">
+                <a16:creationId xmlns:a16="http://schemas.microsoft.com/office/drawing/2014/main" id="{3A3A96DB-B214-024B-9475-FFE300CC6273}"/>
+              </a:ext>
+            </a:extLst>
+          </p:cNvPr>
+          <p:cNvSpPr txBox="1"/>
+          <p:nvPr/>
+        </p:nvSpPr>
+        <p:spPr>
+          <a:xfrm>
+            <a:off x="3991445" y="8908128"/>
+            <a:ext cx="599523" cy="210314"/>
+          </a:xfrm>
+          <a:prstGeom prst="rect">
             <a:avLst/>
           </a:prstGeom>
           <a:ln w="12700">
+            <a:miter lim="400000"/>
+          </a:ln>
+          <a:extLst>
+            <a:ext uri="{C572A759-6A51-4108-AA02-DFA0A04FC94B}">
+              <ma14:wrappingTextBoxFlag xmlns="" xmlns:m="http://schemas.openxmlformats.org/officeDocument/2006/math" xmlns:a14="http://schemas.microsoft.com/office/drawing/2010/main" xmlns:ma14="http://schemas.microsoft.com/office/mac/drawingml/2011/main" val="1"/>
+            </a:ext>
+          </a:extLst>
+        </p:spPr>
+        <p:txBody>
+          <a:bodyPr wrap="none" lIns="12700" tIns="12700" rIns="12700" bIns="12700" anchor="ctr">
+            <a:spAutoFit/>
+          </a:bodyPr>
+          <a:lstStyle/>
+          <a:p>
+            <a:pPr lvl="1" indent="0"/>
+            <a:r>
+              <a:rPr lang="en-US" dirty="0">
+                <a:solidFill>
+                  <a:schemeClr val="bg1">
+                    <a:lumMod val="65000"/>
+                  </a:schemeClr>
+                </a:solidFill>
+              </a:rPr>
+              <a:t>BEFORE </a:t>
+            </a:r>
+            <a:endParaRPr dirty="0">
+              <a:solidFill>
+                <a:schemeClr val="bg1">
+                  <a:lumMod val="65000"/>
+                </a:schemeClr>
+              </a:solidFill>
+            </a:endParaRPr>
+          </a:p>
+        </p:txBody>
+      </p:sp>
+      <p:cxnSp>
+        <p:nvCxnSpPr>
+          <p:cNvPr id="70" name="Straight Arrow Connector 69">
+            <a:extLst>
+              <a:ext uri="{FF2B5EF4-FFF2-40B4-BE49-F238E27FC236}">
+                <a16:creationId xmlns:a16="http://schemas.microsoft.com/office/drawing/2014/main" id="{FD4C9747-886B-EB44-9DA8-9D3B1D1C21F3}"/>
+              </a:ext>
+            </a:extLst>
+          </p:cNvPr>
+          <p:cNvCxnSpPr>
+            <a:cxnSpLocks/>
+          </p:cNvCxnSpPr>
+          <p:nvPr/>
+        </p:nvCxnSpPr>
+        <p:spPr>
+          <a:xfrm>
+            <a:off x="5075938" y="9595509"/>
+            <a:ext cx="604467" cy="0"/>
+          </a:xfrm>
+          <a:prstGeom prst="straightConnector1">
+            <a:avLst/>
+          </a:prstGeom>
+          <a:noFill/>
+          <a:ln w="25400" cap="flat">
             <a:solidFill>
-              <a:srgbClr val="4C4C4C"/>
+              <a:srgbClr val="000000"/>
             </a:solidFill>
-            <a:custDash>
-              <a:ds d="100000" sp="200000"/>
-            </a:custDash>
+            <a:prstDash val="solid"/>
+            <a:miter lim="400000"/>
+            <a:tailEnd type="triangle"/>
           </a:ln>
-        </p:spPr>
-        <p:txBody>
-          <a:bodyPr lIns="54570" tIns="54570" rIns="54570" bIns="54570" anchor="ctr"/>
+          <a:effectLst/>
+          <a:sp3d/>
+        </p:spPr>
+        <p:style>
+          <a:lnRef idx="0">
+            <a:scrgbClr r="0" g="0" b="0"/>
+          </a:lnRef>
+          <a:fillRef idx="0">
+            <a:scrgbClr r="0" g="0" b="0"/>
+          </a:fillRef>
+          <a:effectRef idx="0">
+            <a:scrgbClr r="0" g="0" b="0"/>
+          </a:effectRef>
+          <a:fontRef idx="none"/>
+        </p:style>
+      </p:cxnSp>
+      <p:sp>
+        <p:nvSpPr>
+          <p:cNvPr id="72" name="A Shiny app is a web page (UI) connected to a computer running a live R session (Server)">
+            <a:extLst>
+              <a:ext uri="{FF2B5EF4-FFF2-40B4-BE49-F238E27FC236}">
+                <a16:creationId xmlns:a16="http://schemas.microsoft.com/office/drawing/2014/main" id="{D7D91EFD-E008-0845-8F3A-9394745ED90E}"/>
+              </a:ext>
+            </a:extLst>
+          </p:cNvPr>
+          <p:cNvSpPr txBox="1"/>
+          <p:nvPr/>
+        </p:nvSpPr>
+        <p:spPr>
+          <a:xfrm>
+            <a:off x="5095939" y="9255284"/>
+            <a:ext cx="564464" cy="276405"/>
+          </a:xfrm>
+          <a:prstGeom prst="rect">
+            <a:avLst/>
+          </a:prstGeom>
+          <a:ln w="12700">
+            <a:miter lim="400000"/>
+          </a:ln>
+          <a:extLst>
+            <a:ext uri="{C572A759-6A51-4108-AA02-DFA0A04FC94B}">
+              <ma14:wrappingTextBoxFlag xmlns="" xmlns:m="http://schemas.openxmlformats.org/officeDocument/2006/math" xmlns:a14="http://schemas.microsoft.com/office/drawing/2010/main" xmlns:ma14="http://schemas.microsoft.com/office/mac/drawingml/2011/main" val="1"/>
+            </a:ext>
+          </a:extLst>
+        </p:spPr>
+        <p:txBody>
+          <a:bodyPr wrap="square" lIns="54570" tIns="54570" rIns="54570" bIns="54570" anchor="ctr">
+            <a:spAutoFit/>
+          </a:bodyPr>
           <a:lstStyle/>
           <a:p>
             <a:pPr>
+              <a:lnSpc>
+                <a:spcPct val="90000"/>
+              </a:lnSpc>
+              <a:spcBef>
+                <a:spcPts val="300"/>
+              </a:spcBef>
+              <a:buClr>
+                <a:schemeClr val="accent4">
+                  <a:hueOff val="384618"/>
+                  <a:satOff val="3869"/>
+                  <a:lumOff val="5802"/>
+                </a:schemeClr>
+              </a:buClr>
+              <a:defRPr b="0">
+                <a:solidFill>
+                  <a:srgbClr val="000000"/>
+                </a:solidFill>
+              </a:defRPr>
+            </a:pPr>
+            <a:r>
+              <a:rPr lang="en-US" dirty="0"/>
+              <a:t>fade 3s</a:t>
+            </a:r>
+            <a:endParaRPr dirty="0"/>
+          </a:p>
+        </p:txBody>
+      </p:sp>
+      <p:pic>
+        <p:nvPicPr>
+          <p:cNvPr id="19" name="Picture 18" descr="A screenshot of a cell phone&#10;&#10;Description automatically generated">
+            <a:extLst>
+              <a:ext uri="{FF2B5EF4-FFF2-40B4-BE49-F238E27FC236}">
+                <a16:creationId xmlns:a16="http://schemas.microsoft.com/office/drawing/2014/main" id="{FB7B9A2A-3BC6-1F42-8F0F-617AF62D9EAE}"/>
+              </a:ext>
+            </a:extLst>
+          </p:cNvPr>
+          <p:cNvPicPr>
+            <a:picLocks noChangeAspect="1"/>
+          </p:cNvPicPr>
+          <p:nvPr/>
+        </p:nvPicPr>
+        <p:blipFill>
+          <a:blip r:embed="rId11">
+            <a:extLst>
+              <a:ext uri="{28A0092B-C50C-407E-A947-70E740481C1C}">
+                <a14:useLocalDpi xmlns:a14="http://schemas.microsoft.com/office/drawing/2010/main" val="0"/>
+              </a:ext>
+            </a:extLst>
+          </a:blip>
+          <a:stretch>
+            <a:fillRect/>
+          </a:stretch>
+        </p:blipFill>
+        <p:spPr>
+          <a:xfrm>
+            <a:off x="5797319" y="9188764"/>
+            <a:ext cx="1146810" cy="868680"/>
+          </a:xfrm>
+          <a:prstGeom prst="rect">
+            <a:avLst/>
+          </a:prstGeom>
+        </p:spPr>
+      </p:pic>
+      <p:sp>
+        <p:nvSpPr>
+          <p:cNvPr id="75" name="APP TEMPLATE">
+            <a:extLst>
+              <a:ext uri="{FF2B5EF4-FFF2-40B4-BE49-F238E27FC236}">
+                <a16:creationId xmlns:a16="http://schemas.microsoft.com/office/drawing/2014/main" id="{C03416E8-06B9-F74F-A930-A10760FE28CA}"/>
+              </a:ext>
+            </a:extLst>
+          </p:cNvPr>
+          <p:cNvSpPr txBox="1"/>
+          <p:nvPr/>
+        </p:nvSpPr>
+        <p:spPr>
+          <a:xfrm>
+            <a:off x="6126266" y="8908128"/>
+            <a:ext cx="488916" cy="210314"/>
+          </a:xfrm>
+          <a:prstGeom prst="rect">
+            <a:avLst/>
+          </a:prstGeom>
+          <a:ln w="12700">
+            <a:miter lim="400000"/>
+          </a:ln>
+          <a:extLst>
+            <a:ext uri="{C572A759-6A51-4108-AA02-DFA0A04FC94B}">
+              <ma14:wrappingTextBoxFlag xmlns="" xmlns:m="http://schemas.openxmlformats.org/officeDocument/2006/math" xmlns:a14="http://schemas.microsoft.com/office/drawing/2010/main" xmlns:ma14="http://schemas.microsoft.com/office/mac/drawingml/2011/main" val="1"/>
+            </a:ext>
+          </a:extLst>
+        </p:spPr>
+        <p:txBody>
+          <a:bodyPr wrap="none" lIns="12700" tIns="12700" rIns="12700" bIns="12700" anchor="ctr">
+            <a:spAutoFit/>
+          </a:bodyPr>
+          <a:lstStyle/>
+          <a:p>
+            <a:pPr lvl="1" indent="0"/>
+            <a:r>
+              <a:rPr lang="en-US" dirty="0">
+                <a:solidFill>
+                  <a:schemeClr val="bg1">
+                    <a:lumMod val="65000"/>
+                  </a:schemeClr>
+                </a:solidFill>
+              </a:rPr>
+              <a:t>AFTER </a:t>
+            </a:r>
+            <a:endParaRPr dirty="0">
+              <a:solidFill>
+                <a:schemeClr val="bg1">
+                  <a:lumMod val="65000"/>
+                </a:schemeClr>
+              </a:solidFill>
+            </a:endParaRPr>
+          </a:p>
+        </p:txBody>
+      </p:sp>
+      <p:sp>
+        <p:nvSpPr>
+          <p:cNvPr id="76" name="Building an App">
+            <a:extLst>
+              <a:ext uri="{FF2B5EF4-FFF2-40B4-BE49-F238E27FC236}">
+                <a16:creationId xmlns:a16="http://schemas.microsoft.com/office/drawing/2014/main" id="{61C95661-40E8-3740-A044-ECCB1FF4BB98}"/>
+              </a:ext>
+            </a:extLst>
+          </p:cNvPr>
+          <p:cNvSpPr txBox="1"/>
+          <p:nvPr/>
+        </p:nvSpPr>
+        <p:spPr>
+          <a:xfrm>
+            <a:off x="7299896" y="8195164"/>
+            <a:ext cx="2638543" cy="340029"/>
+          </a:xfrm>
+          <a:prstGeom prst="rect">
+            <a:avLst/>
+          </a:prstGeom>
+          <a:ln w="12700">
+            <a:miter lim="400000"/>
+          </a:ln>
+          <a:extLst>
+            <a:ext uri="{C572A759-6A51-4108-AA02-DFA0A04FC94B}">
+              <ma14:wrappingTextBoxFlag xmlns="" xmlns:m="http://schemas.openxmlformats.org/officeDocument/2006/math" xmlns:a14="http://schemas.microsoft.com/office/drawing/2010/main" xmlns:ma14="http://schemas.microsoft.com/office/mac/drawingml/2011/main" val="1"/>
+            </a:ext>
+          </a:extLst>
+        </p:spPr>
+        <p:txBody>
+          <a:bodyPr wrap="none" lIns="12700" tIns="12700" rIns="12700" bIns="12700" anchor="ctr">
+            <a:spAutoFit/>
+          </a:bodyPr>
+          <a:lstStyle/>
+          <a:p>
+            <a:pPr lvl="1" indent="0">
               <a:lnSpc>
                 <a:spcPct val="80000"/>
               </a:lnSpc>
               <a:spcBef>
-                <a:spcPts val="600"/>
+                <a:spcPts val="0"/>
               </a:spcBef>
-              <a:defRPr b="0">
-                <a:solidFill>
-                  <a:srgbClr val="000000"/>
+              <a:defRPr sz="2500" b="0">
+                <a:solidFill>
+                  <a:srgbClr val="5589C5"/>
                 </a:solidFill>
               </a:defRPr>
             </a:pPr>
-            <a:endParaRPr/>
-          </a:p>
-        </p:txBody>
-      </p:sp>
-      <p:sp>
-        <p:nvSpPr>
-          <p:cNvPr id="155" name="Line">
-            <a:extLst>
-              <a:ext uri="{FF2B5EF4-FFF2-40B4-BE49-F238E27FC236}">
-                <a16:creationId xmlns:a16="http://schemas.microsoft.com/office/drawing/2014/main" id="{70F71442-99CE-0B4C-866A-912E118377B8}"/>
+            <a:r>
+              <a:rPr lang="en-US" dirty="0"/>
+              <a:t>Layout: typography</a:t>
+            </a:r>
+            <a:endParaRPr dirty="0"/>
+          </a:p>
+        </p:txBody>
+      </p:sp>
+      <p:sp>
+        <p:nvSpPr>
+          <p:cNvPr id="20" name="Rectangle 19">
+            <a:extLst>
+              <a:ext uri="{FF2B5EF4-FFF2-40B4-BE49-F238E27FC236}">
+                <a16:creationId xmlns:a16="http://schemas.microsoft.com/office/drawing/2014/main" id="{600C7D0A-AA32-7C42-B5F8-16D659B7FE0A}"/>
               </a:ext>
             </a:extLst>
           </p:cNvPr>
@@ -13368,9 +12914,208 @@
           <p:nvPr/>
         </p:nvSpPr>
         <p:spPr>
-          <a:xfrm flipV="1">
-            <a:off x="9200390" y="6967443"/>
-            <a:ext cx="630845" cy="1015483"/>
+          <a:xfrm>
+            <a:off x="7251431" y="8631129"/>
+            <a:ext cx="3055645" cy="230832"/>
+          </a:xfrm>
+          <a:prstGeom prst="rect">
+            <a:avLst/>
+          </a:prstGeom>
+        </p:spPr>
+        <p:txBody>
+          <a:bodyPr wrap="none">
+            <a:spAutoFit/>
+          </a:bodyPr>
+          <a:lstStyle/>
+          <a:p>
+            <a:r>
+              <a:rPr lang="en-US" sz="900" dirty="0"/>
+              <a:t>f7Align(tag, side = c("left", "center", "right", "justify"))</a:t>
+            </a:r>
+          </a:p>
+        </p:txBody>
+      </p:sp>
+      <p:sp>
+        <p:nvSpPr>
+          <p:cNvPr id="21" name="Rectangle 20">
+            <a:extLst>
+              <a:ext uri="{FF2B5EF4-FFF2-40B4-BE49-F238E27FC236}">
+                <a16:creationId xmlns:a16="http://schemas.microsoft.com/office/drawing/2014/main" id="{88398616-D3DF-BC49-88BE-40A46D8DA597}"/>
+              </a:ext>
+            </a:extLst>
+          </p:cNvPr>
+          <p:cNvSpPr/>
+          <p:nvPr/>
+        </p:nvSpPr>
+        <p:spPr>
+          <a:xfrm>
+            <a:off x="7251431" y="8887610"/>
+            <a:ext cx="2039341" cy="230832"/>
+          </a:xfrm>
+          <a:prstGeom prst="rect">
+            <a:avLst/>
+          </a:prstGeom>
+        </p:spPr>
+        <p:txBody>
+          <a:bodyPr wrap="none">
+            <a:spAutoFit/>
+          </a:bodyPr>
+          <a:lstStyle/>
+          <a:p>
+            <a:r>
+              <a:rPr lang="en-US" sz="900" dirty="0"/>
+              <a:t>f7Float(tag, side = c("left", "right"))</a:t>
+            </a:r>
+          </a:p>
+        </p:txBody>
+      </p:sp>
+      <p:sp>
+        <p:nvSpPr>
+          <p:cNvPr id="22" name="Rectangle 21">
+            <a:extLst>
+              <a:ext uri="{FF2B5EF4-FFF2-40B4-BE49-F238E27FC236}">
+                <a16:creationId xmlns:a16="http://schemas.microsoft.com/office/drawing/2014/main" id="{EA9E3987-C868-4540-A3FC-D8A6C7EFD580}"/>
+              </a:ext>
+            </a:extLst>
+          </p:cNvPr>
+          <p:cNvSpPr/>
+          <p:nvPr/>
+        </p:nvSpPr>
+        <p:spPr>
+          <a:xfrm>
+            <a:off x="7256486" y="9160201"/>
+            <a:ext cx="1531188" cy="230832"/>
+          </a:xfrm>
+          <a:prstGeom prst="rect">
+            <a:avLst/>
+          </a:prstGeom>
+        </p:spPr>
+        <p:txBody>
+          <a:bodyPr wrap="none">
+            <a:spAutoFit/>
+          </a:bodyPr>
+          <a:lstStyle/>
+          <a:p>
+            <a:r>
+              <a:rPr lang="en-US" sz="900" dirty="0"/>
+              <a:t>f7Margin(tag, side = NULL)</a:t>
+            </a:r>
+          </a:p>
+        </p:txBody>
+      </p:sp>
+      <p:sp>
+        <p:nvSpPr>
+          <p:cNvPr id="23" name="Rectangle 22">
+            <a:extLst>
+              <a:ext uri="{FF2B5EF4-FFF2-40B4-BE49-F238E27FC236}">
+                <a16:creationId xmlns:a16="http://schemas.microsoft.com/office/drawing/2014/main" id="{1BFD02A2-80DB-EA41-A299-668E600046BC}"/>
+              </a:ext>
+            </a:extLst>
+          </p:cNvPr>
+          <p:cNvSpPr/>
+          <p:nvPr/>
+        </p:nvSpPr>
+        <p:spPr>
+          <a:xfrm>
+            <a:off x="7272063" y="9431499"/>
+            <a:ext cx="1596912" cy="230832"/>
+          </a:xfrm>
+          <a:prstGeom prst="rect">
+            <a:avLst/>
+          </a:prstGeom>
+        </p:spPr>
+        <p:txBody>
+          <a:bodyPr wrap="none">
+            <a:spAutoFit/>
+          </a:bodyPr>
+          <a:lstStyle/>
+          <a:p>
+            <a:r>
+              <a:rPr lang="en-US" sz="900" dirty="0"/>
+              <a:t>f7Padding(tag, side = NULL)</a:t>
+            </a:r>
+          </a:p>
+        </p:txBody>
+      </p:sp>
+      <p:sp>
+        <p:nvSpPr>
+          <p:cNvPr id="81" name="A Shiny app is a web page (UI) connected to a computer running a live R session (Server)">
+            <a:extLst>
+              <a:ext uri="{FF2B5EF4-FFF2-40B4-BE49-F238E27FC236}">
+                <a16:creationId xmlns:a16="http://schemas.microsoft.com/office/drawing/2014/main" id="{1527D009-BA69-DA4D-B38F-AC20C7F4AFAF}"/>
+              </a:ext>
+            </a:extLst>
+          </p:cNvPr>
+          <p:cNvSpPr txBox="1"/>
+          <p:nvPr/>
+        </p:nvSpPr>
+        <p:spPr>
+          <a:xfrm>
+            <a:off x="7285971" y="9783332"/>
+            <a:ext cx="3180700" cy="276405"/>
+          </a:xfrm>
+          <a:prstGeom prst="rect">
+            <a:avLst/>
+          </a:prstGeom>
+          <a:ln w="12700">
+            <a:miter lim="400000"/>
+          </a:ln>
+          <a:extLst>
+            <a:ext uri="{C572A759-6A51-4108-AA02-DFA0A04FC94B}">
+              <ma14:wrappingTextBoxFlag xmlns="" xmlns:m="http://schemas.openxmlformats.org/officeDocument/2006/math" xmlns:a14="http://schemas.microsoft.com/office/drawing/2010/main" xmlns:ma14="http://schemas.microsoft.com/office/mac/drawingml/2011/main" val="1"/>
+            </a:ext>
+          </a:extLst>
+        </p:spPr>
+        <p:txBody>
+          <a:bodyPr wrap="square" lIns="54570" tIns="54570" rIns="54570" bIns="54570" anchor="ctr">
+            <a:spAutoFit/>
+          </a:bodyPr>
+          <a:lstStyle/>
+          <a:p>
+            <a:pPr>
+              <a:lnSpc>
+                <a:spcPct val="90000"/>
+              </a:lnSpc>
+              <a:spcBef>
+                <a:spcPts val="300"/>
+              </a:spcBef>
+              <a:buClr>
+                <a:schemeClr val="accent4">
+                  <a:hueOff val="384618"/>
+                  <a:satOff val="3869"/>
+                  <a:lumOff val="5802"/>
+                </a:schemeClr>
+              </a:buClr>
+              <a:defRPr b="0">
+                <a:solidFill>
+                  <a:srgbClr val="000000"/>
+                </a:solidFill>
+              </a:defRPr>
+            </a:pPr>
+            <a:r>
+              <a:rPr lang="en-US" dirty="0"/>
+              <a:t>Note: f7Align only work on text tags like p, h1, …</a:t>
+            </a:r>
+            <a:endParaRPr dirty="0"/>
+          </a:p>
+        </p:txBody>
+      </p:sp>
+      <p:sp>
+        <p:nvSpPr>
+          <p:cNvPr id="82" name="Line">
+            <a:extLst>
+              <a:ext uri="{FF2B5EF4-FFF2-40B4-BE49-F238E27FC236}">
+                <a16:creationId xmlns:a16="http://schemas.microsoft.com/office/drawing/2014/main" id="{88F1ABDF-D7AF-D841-A4C1-5DA32DECBC27}"/>
+              </a:ext>
+            </a:extLst>
+          </p:cNvPr>
+          <p:cNvSpPr/>
+          <p:nvPr/>
+        </p:nvSpPr>
+        <p:spPr>
+          <a:xfrm>
+            <a:off x="10379603" y="5365073"/>
+            <a:ext cx="3034979" cy="8003"/>
           </a:xfrm>
           <a:prstGeom prst="line">
             <a:avLst/>
@@ -14343,7 +14088,7 @@
           </a:ln>
           <a:extLst>
             <a:ext uri="{C572A759-6A51-4108-AA02-DFA0A04FC94B}">
-              <ma14:wrappingTextBoxFlag xmlns:ma14="http://schemas.microsoft.com/office/mac/drawingml/2011/main" xmlns:a14="http://schemas.microsoft.com/office/drawing/2010/main" xmlns:m="http://schemas.openxmlformats.org/officeDocument/2006/math" xmlns="" val="1"/>
+              <ma14:wrappingTextBoxFlag xmlns="" xmlns:m="http://schemas.openxmlformats.org/officeDocument/2006/math" xmlns:a14="http://schemas.microsoft.com/office/drawing/2010/main" xmlns:ma14="http://schemas.microsoft.com/office/mac/drawingml/2011/main" val="1"/>
             </a:ext>
           </a:extLst>
         </p:spPr>
@@ -14431,7 +14176,7 @@
           </a:ln>
           <a:extLst>
             <a:ext uri="{C572A759-6A51-4108-AA02-DFA0A04FC94B}">
-              <ma14:wrappingTextBoxFlag xmlns:ma14="http://schemas.microsoft.com/office/mac/drawingml/2011/main" xmlns:a14="http://schemas.microsoft.com/office/drawing/2010/main" xmlns:m="http://schemas.openxmlformats.org/officeDocument/2006/math" xmlns="" val="1"/>
+              <ma14:wrappingTextBoxFlag xmlns="" xmlns:m="http://schemas.openxmlformats.org/officeDocument/2006/math" xmlns:a14="http://schemas.microsoft.com/office/drawing/2010/main" xmlns:ma14="http://schemas.microsoft.com/office/mac/drawingml/2011/main" val="1"/>
             </a:ext>
           </a:extLst>
         </p:spPr>
@@ -14742,7 +14487,7 @@
           </a:ln>
           <a:extLst>
             <a:ext uri="{C572A759-6A51-4108-AA02-DFA0A04FC94B}">
-              <ma14:wrappingTextBoxFlag xmlns:ma14="http://schemas.microsoft.com/office/mac/drawingml/2011/main" xmlns:a14="http://schemas.microsoft.com/office/drawing/2010/main" xmlns:m="http://schemas.openxmlformats.org/officeDocument/2006/math" xmlns="" val="1"/>
+              <ma14:wrappingTextBoxFlag xmlns="" xmlns:m="http://schemas.openxmlformats.org/officeDocument/2006/math" xmlns:a14="http://schemas.microsoft.com/office/drawing/2010/main" xmlns:ma14="http://schemas.microsoft.com/office/mac/drawingml/2011/main" val="1"/>
             </a:ext>
           </a:extLst>
         </p:spPr>
@@ -15024,7 +14769,7 @@
           </a:ln>
           <a:extLst>
             <a:ext uri="{C572A759-6A51-4108-AA02-DFA0A04FC94B}">
-              <ma14:wrappingTextBoxFlag xmlns:ma14="http://schemas.microsoft.com/office/mac/drawingml/2011/main" xmlns:a14="http://schemas.microsoft.com/office/drawing/2010/main" xmlns:m="http://schemas.openxmlformats.org/officeDocument/2006/math" xmlns="" val="1"/>
+              <ma14:wrappingTextBoxFlag xmlns="" xmlns:m="http://schemas.openxmlformats.org/officeDocument/2006/math" xmlns:a14="http://schemas.microsoft.com/office/drawing/2010/main" xmlns:ma14="http://schemas.microsoft.com/office/mac/drawingml/2011/main" val="1"/>
             </a:ext>
           </a:extLst>
         </p:spPr>
@@ -15196,7 +14941,7 @@
           </a:ln>
           <a:extLst>
             <a:ext uri="{C572A759-6A51-4108-AA02-DFA0A04FC94B}">
-              <ma14:wrappingTextBoxFlag xmlns:ma14="http://schemas.microsoft.com/office/mac/drawingml/2011/main" xmlns:a14="http://schemas.microsoft.com/office/drawing/2010/main" xmlns:m="http://schemas.openxmlformats.org/officeDocument/2006/math" xmlns="" val="1"/>
+              <ma14:wrappingTextBoxFlag xmlns="" xmlns:m="http://schemas.openxmlformats.org/officeDocument/2006/math" xmlns:a14="http://schemas.microsoft.com/office/drawing/2010/main" xmlns:ma14="http://schemas.microsoft.com/office/mac/drawingml/2011/main" val="1"/>
             </a:ext>
           </a:extLst>
         </p:spPr>
@@ -15288,7 +15033,7 @@
           </a:ln>
           <a:extLst>
             <a:ext uri="{C572A759-6A51-4108-AA02-DFA0A04FC94B}">
-              <ma14:wrappingTextBoxFlag xmlns:ma14="http://schemas.microsoft.com/office/mac/drawingml/2011/main" xmlns:a14="http://schemas.microsoft.com/office/drawing/2010/main" xmlns:m="http://schemas.openxmlformats.org/officeDocument/2006/math" xmlns="" val="1"/>
+              <ma14:wrappingTextBoxFlag xmlns="" xmlns:m="http://schemas.openxmlformats.org/officeDocument/2006/math" xmlns:a14="http://schemas.microsoft.com/office/drawing/2010/main" xmlns:ma14="http://schemas.microsoft.com/office/mac/drawingml/2011/main" val="1"/>
             </a:ext>
           </a:extLst>
         </p:spPr>
@@ -15380,7 +15125,7 @@
           </a:ln>
           <a:extLst>
             <a:ext uri="{C572A759-6A51-4108-AA02-DFA0A04FC94B}">
-              <ma14:wrappingTextBoxFlag xmlns:ma14="http://schemas.microsoft.com/office/mac/drawingml/2011/main" xmlns:a14="http://schemas.microsoft.com/office/drawing/2010/main" xmlns:m="http://schemas.openxmlformats.org/officeDocument/2006/math" xmlns="" val="1"/>
+              <ma14:wrappingTextBoxFlag xmlns="" xmlns:m="http://schemas.openxmlformats.org/officeDocument/2006/math" xmlns:a14="http://schemas.microsoft.com/office/drawing/2010/main" xmlns:ma14="http://schemas.microsoft.com/office/mac/drawingml/2011/main" val="1"/>
             </a:ext>
           </a:extLst>
         </p:spPr>
@@ -15436,7 +15181,7 @@
           </a:ln>
           <a:extLst>
             <a:ext uri="{C572A759-6A51-4108-AA02-DFA0A04FC94B}">
-              <ma14:wrappingTextBoxFlag xmlns:ma14="http://schemas.microsoft.com/office/mac/drawingml/2011/main" xmlns:a14="http://schemas.microsoft.com/office/drawing/2010/main" xmlns:m="http://schemas.openxmlformats.org/officeDocument/2006/math" xmlns="" val="1"/>
+              <ma14:wrappingTextBoxFlag xmlns="" xmlns:m="http://schemas.openxmlformats.org/officeDocument/2006/math" xmlns:a14="http://schemas.microsoft.com/office/drawing/2010/main" xmlns:ma14="http://schemas.microsoft.com/office/mac/drawingml/2011/main" val="1"/>
             </a:ext>
           </a:extLst>
         </p:spPr>
@@ -15528,7 +15273,7 @@
           </a:ln>
           <a:extLst>
             <a:ext uri="{C572A759-6A51-4108-AA02-DFA0A04FC94B}">
-              <ma14:wrappingTextBoxFlag xmlns:ma14="http://schemas.microsoft.com/office/mac/drawingml/2011/main" xmlns:a14="http://schemas.microsoft.com/office/drawing/2010/main" xmlns:m="http://schemas.openxmlformats.org/officeDocument/2006/math" xmlns="" val="1"/>
+              <ma14:wrappingTextBoxFlag xmlns="" xmlns:m="http://schemas.openxmlformats.org/officeDocument/2006/math" xmlns:a14="http://schemas.microsoft.com/office/drawing/2010/main" xmlns:ma14="http://schemas.microsoft.com/office/mac/drawingml/2011/main" val="1"/>
             </a:ext>
           </a:extLst>
         </p:spPr>
@@ -15992,7 +15737,7 @@
           </a:ln>
           <a:extLst>
             <a:ext uri="{C572A759-6A51-4108-AA02-DFA0A04FC94B}">
-              <ma14:wrappingTextBoxFlag xmlns:ma14="http://schemas.microsoft.com/office/mac/drawingml/2011/main" xmlns:a14="http://schemas.microsoft.com/office/drawing/2010/main" xmlns:m="http://schemas.openxmlformats.org/officeDocument/2006/math" xmlns="" val="1"/>
+              <ma14:wrappingTextBoxFlag xmlns="" xmlns:m="http://schemas.openxmlformats.org/officeDocument/2006/math" xmlns:a14="http://schemas.microsoft.com/office/drawing/2010/main" xmlns:ma14="http://schemas.microsoft.com/office/mac/drawingml/2011/main" val="1"/>
             </a:ext>
           </a:extLst>
         </p:spPr>
@@ -16086,7 +15831,7 @@
           </a:ln>
           <a:extLst>
             <a:ext uri="{C572A759-6A51-4108-AA02-DFA0A04FC94B}">
-              <ma14:wrappingTextBoxFlag xmlns:ma14="http://schemas.microsoft.com/office/mac/drawingml/2011/main" xmlns:a14="http://schemas.microsoft.com/office/drawing/2010/main" xmlns:m="http://schemas.openxmlformats.org/officeDocument/2006/math" xmlns="" val="1"/>
+              <ma14:wrappingTextBoxFlag xmlns="" xmlns:m="http://schemas.openxmlformats.org/officeDocument/2006/math" xmlns:a14="http://schemas.microsoft.com/office/drawing/2010/main" xmlns:ma14="http://schemas.microsoft.com/office/mac/drawingml/2011/main" val="1"/>
             </a:ext>
           </a:extLst>
         </p:spPr>
@@ -16142,7 +15887,7 @@
           </a:ln>
           <a:extLst>
             <a:ext uri="{C572A759-6A51-4108-AA02-DFA0A04FC94B}">
-              <ma14:wrappingTextBoxFlag xmlns:ma14="http://schemas.microsoft.com/office/mac/drawingml/2011/main" xmlns:a14="http://schemas.microsoft.com/office/drawing/2010/main" xmlns:m="http://schemas.openxmlformats.org/officeDocument/2006/math" xmlns="" val="1"/>
+              <ma14:wrappingTextBoxFlag xmlns="" xmlns:m="http://schemas.openxmlformats.org/officeDocument/2006/math" xmlns:a14="http://schemas.microsoft.com/office/drawing/2010/main" xmlns:ma14="http://schemas.microsoft.com/office/mac/drawingml/2011/main" val="1"/>
             </a:ext>
           </a:extLst>
         </p:spPr>
@@ -16311,7 +16056,7 @@
           </a:ln>
           <a:extLst>
             <a:ext uri="{C572A759-6A51-4108-AA02-DFA0A04FC94B}">
-              <ma14:wrappingTextBoxFlag xmlns:ma14="http://schemas.microsoft.com/office/mac/drawingml/2011/main" xmlns:a14="http://schemas.microsoft.com/office/drawing/2010/main" xmlns:m="http://schemas.openxmlformats.org/officeDocument/2006/math" xmlns="" val="1"/>
+              <ma14:wrappingTextBoxFlag xmlns="" xmlns:m="http://schemas.openxmlformats.org/officeDocument/2006/math" xmlns:a14="http://schemas.microsoft.com/office/drawing/2010/main" xmlns:ma14="http://schemas.microsoft.com/office/mac/drawingml/2011/main" val="1"/>
             </a:ext>
           </a:extLst>
         </p:spPr>
@@ -16351,7 +16096,7 @@
           </a:ln>
           <a:extLst>
             <a:ext uri="{C572A759-6A51-4108-AA02-DFA0A04FC94B}">
-              <ma14:wrappingTextBoxFlag xmlns:ma14="http://schemas.microsoft.com/office/mac/drawingml/2011/main" xmlns:a14="http://schemas.microsoft.com/office/drawing/2010/main" xmlns:m="http://schemas.openxmlformats.org/officeDocument/2006/math" xmlns="" val="1"/>
+              <ma14:wrappingTextBoxFlag xmlns="" xmlns:m="http://schemas.openxmlformats.org/officeDocument/2006/math" xmlns:a14="http://schemas.microsoft.com/office/drawing/2010/main" xmlns:ma14="http://schemas.microsoft.com/office/mac/drawingml/2011/main" val="1"/>
             </a:ext>
           </a:extLst>
         </p:spPr>
@@ -16445,7 +16190,7 @@
           </a:ln>
           <a:extLst>
             <a:ext uri="{C572A759-6A51-4108-AA02-DFA0A04FC94B}">
-              <ma14:wrappingTextBoxFlag xmlns:ma14="http://schemas.microsoft.com/office/mac/drawingml/2011/main" xmlns:a14="http://schemas.microsoft.com/office/drawing/2010/main" xmlns:m="http://schemas.openxmlformats.org/officeDocument/2006/math" xmlns="" val="1"/>
+              <ma14:wrappingTextBoxFlag xmlns="" xmlns:m="http://schemas.openxmlformats.org/officeDocument/2006/math" xmlns:a14="http://schemas.microsoft.com/office/drawing/2010/main" xmlns:ma14="http://schemas.microsoft.com/office/mac/drawingml/2011/main" val="1"/>
             </a:ext>
           </a:extLst>
         </p:spPr>
@@ -16501,7 +16246,7 @@
           </a:ln>
           <a:extLst>
             <a:ext uri="{C572A759-6A51-4108-AA02-DFA0A04FC94B}">
-              <ma14:wrappingTextBoxFlag xmlns:ma14="http://schemas.microsoft.com/office/mac/drawingml/2011/main" xmlns:a14="http://schemas.microsoft.com/office/drawing/2010/main" xmlns:m="http://schemas.openxmlformats.org/officeDocument/2006/math" xmlns="" val="1"/>
+              <ma14:wrappingTextBoxFlag xmlns="" xmlns:m="http://schemas.openxmlformats.org/officeDocument/2006/math" xmlns:a14="http://schemas.microsoft.com/office/drawing/2010/main" xmlns:ma14="http://schemas.microsoft.com/office/mac/drawingml/2011/main" val="1"/>
             </a:ext>
           </a:extLst>
         </p:spPr>
@@ -16719,7 +16464,7 @@
           </a:ln>
           <a:extLst>
             <a:ext uri="{C572A759-6A51-4108-AA02-DFA0A04FC94B}">
-              <ma14:wrappingTextBoxFlag xmlns:ma14="http://schemas.microsoft.com/office/mac/drawingml/2011/main" xmlns:a14="http://schemas.microsoft.com/office/drawing/2010/main" xmlns:m="http://schemas.openxmlformats.org/officeDocument/2006/math" xmlns="" val="1"/>
+              <ma14:wrappingTextBoxFlag xmlns="" xmlns:m="http://schemas.openxmlformats.org/officeDocument/2006/math" xmlns:a14="http://schemas.microsoft.com/office/drawing/2010/main" xmlns:ma14="http://schemas.microsoft.com/office/mac/drawingml/2011/main" val="1"/>
             </a:ext>
           </a:extLst>
         </p:spPr>
@@ -16775,7 +16520,7 @@
           </a:ln>
           <a:extLst>
             <a:ext uri="{C572A759-6A51-4108-AA02-DFA0A04FC94B}">
-              <ma14:wrappingTextBoxFlag xmlns:ma14="http://schemas.microsoft.com/office/mac/drawingml/2011/main" xmlns:a14="http://schemas.microsoft.com/office/drawing/2010/main" xmlns:m="http://schemas.openxmlformats.org/officeDocument/2006/math" xmlns="" val="1"/>
+              <ma14:wrappingTextBoxFlag xmlns="" xmlns:m="http://schemas.openxmlformats.org/officeDocument/2006/math" xmlns:a14="http://schemas.microsoft.com/office/drawing/2010/main" xmlns:ma14="http://schemas.microsoft.com/office/mac/drawingml/2011/main" val="1"/>
             </a:ext>
           </a:extLst>
         </p:spPr>
@@ -16903,7 +16648,7 @@
           </a:ln>
           <a:extLst>
             <a:ext uri="{C572A759-6A51-4108-AA02-DFA0A04FC94B}">
-              <ma14:wrappingTextBoxFlag xmlns:ma14="http://schemas.microsoft.com/office/mac/drawingml/2011/main" xmlns:a14="http://schemas.microsoft.com/office/drawing/2010/main" xmlns:m="http://schemas.openxmlformats.org/officeDocument/2006/math" xmlns="" val="1"/>
+              <ma14:wrappingTextBoxFlag xmlns="" xmlns:m="http://schemas.openxmlformats.org/officeDocument/2006/math" xmlns:a14="http://schemas.microsoft.com/office/drawing/2010/main" xmlns:ma14="http://schemas.microsoft.com/office/mac/drawingml/2011/main" val="1"/>
             </a:ext>
           </a:extLst>
         </p:spPr>
@@ -17039,7 +16784,7 @@
           </a:ln>
           <a:extLst>
             <a:ext uri="{C572A759-6A51-4108-AA02-DFA0A04FC94B}">
-              <ma14:wrappingTextBoxFlag xmlns:ma14="http://schemas.microsoft.com/office/mac/drawingml/2011/main" xmlns:a14="http://schemas.microsoft.com/office/drawing/2010/main" xmlns:m="http://schemas.openxmlformats.org/officeDocument/2006/math" xmlns="" val="1"/>
+              <ma14:wrappingTextBoxFlag xmlns="" xmlns:m="http://schemas.openxmlformats.org/officeDocument/2006/math" xmlns:a14="http://schemas.microsoft.com/office/drawing/2010/main" xmlns:ma14="http://schemas.microsoft.com/office/mac/drawingml/2011/main" val="1"/>
             </a:ext>
           </a:extLst>
         </p:spPr>
@@ -17095,7 +16840,7 @@
           </a:ln>
           <a:extLst>
             <a:ext uri="{C572A759-6A51-4108-AA02-DFA0A04FC94B}">
-              <ma14:wrappingTextBoxFlag xmlns:ma14="http://schemas.microsoft.com/office/mac/drawingml/2011/main" xmlns:a14="http://schemas.microsoft.com/office/drawing/2010/main" xmlns:m="http://schemas.openxmlformats.org/officeDocument/2006/math" xmlns="" val="1"/>
+              <ma14:wrappingTextBoxFlag xmlns="" xmlns:m="http://schemas.openxmlformats.org/officeDocument/2006/math" xmlns:a14="http://schemas.microsoft.com/office/drawing/2010/main" xmlns:ma14="http://schemas.microsoft.com/office/mac/drawingml/2011/main" val="1"/>
             </a:ext>
           </a:extLst>
         </p:spPr>
@@ -17223,7 +16968,7 @@
           </a:ln>
           <a:extLst>
             <a:ext uri="{C572A759-6A51-4108-AA02-DFA0A04FC94B}">
-              <ma14:wrappingTextBoxFlag xmlns:ma14="http://schemas.microsoft.com/office/mac/drawingml/2011/main" xmlns:a14="http://schemas.microsoft.com/office/drawing/2010/main" xmlns:m="http://schemas.openxmlformats.org/officeDocument/2006/math" xmlns="" val="1"/>
+              <ma14:wrappingTextBoxFlag xmlns="" xmlns:m="http://schemas.openxmlformats.org/officeDocument/2006/math" xmlns:a14="http://schemas.microsoft.com/office/drawing/2010/main" xmlns:ma14="http://schemas.microsoft.com/office/mac/drawingml/2011/main" val="1"/>
             </a:ext>
           </a:extLst>
         </p:spPr>
@@ -17380,7 +17125,7 @@
           </a:ln>
           <a:extLst>
             <a:ext uri="{C572A759-6A51-4108-AA02-DFA0A04FC94B}">
-              <ma14:wrappingTextBoxFlag xmlns:ma14="http://schemas.microsoft.com/office/mac/drawingml/2011/main" xmlns:a14="http://schemas.microsoft.com/office/drawing/2010/main" xmlns:m="http://schemas.openxmlformats.org/officeDocument/2006/math" xmlns="" val="1"/>
+              <ma14:wrappingTextBoxFlag xmlns="" xmlns:m="http://schemas.openxmlformats.org/officeDocument/2006/math" xmlns:a14="http://schemas.microsoft.com/office/drawing/2010/main" xmlns:ma14="http://schemas.microsoft.com/office/mac/drawingml/2011/main" val="1"/>
             </a:ext>
           </a:extLst>
         </p:spPr>
@@ -17568,7 +17313,7 @@
           </a:ln>
           <a:extLst>
             <a:ext uri="{C572A759-6A51-4108-AA02-DFA0A04FC94B}">
-              <ma14:wrappingTextBoxFlag xmlns:ma14="http://schemas.microsoft.com/office/mac/drawingml/2011/main" xmlns:a14="http://schemas.microsoft.com/office/drawing/2010/main" xmlns:m="http://schemas.openxmlformats.org/officeDocument/2006/math" xmlns="" val="1"/>
+              <ma14:wrappingTextBoxFlag xmlns="" xmlns:m="http://schemas.openxmlformats.org/officeDocument/2006/math" xmlns:a14="http://schemas.microsoft.com/office/drawing/2010/main" xmlns:ma14="http://schemas.microsoft.com/office/mac/drawingml/2011/main" val="1"/>
             </a:ext>
           </a:extLst>
         </p:spPr>
@@ -17744,7 +17489,7 @@
           </a:ln>
           <a:extLst>
             <a:ext uri="{C572A759-6A51-4108-AA02-DFA0A04FC94B}">
-              <ma14:wrappingTextBoxFlag xmlns:ma14="http://schemas.microsoft.com/office/mac/drawingml/2011/main" xmlns:a14="http://schemas.microsoft.com/office/drawing/2010/main" xmlns:m="http://schemas.openxmlformats.org/officeDocument/2006/math" xmlns="" val="1"/>
+              <ma14:wrappingTextBoxFlag xmlns="" xmlns:m="http://schemas.openxmlformats.org/officeDocument/2006/math" xmlns:a14="http://schemas.microsoft.com/office/drawing/2010/main" xmlns:ma14="http://schemas.microsoft.com/office/mac/drawingml/2011/main" val="1"/>
             </a:ext>
           </a:extLst>
         </p:spPr>
@@ -17874,7 +17619,7 @@
           </a:ln>
           <a:extLst>
             <a:ext uri="{C572A759-6A51-4108-AA02-DFA0A04FC94B}">
-              <ma14:wrappingTextBoxFlag xmlns:ma14="http://schemas.microsoft.com/office/mac/drawingml/2011/main" xmlns:a14="http://schemas.microsoft.com/office/drawing/2010/main" xmlns:m="http://schemas.openxmlformats.org/officeDocument/2006/math" xmlns="" val="1"/>
+              <ma14:wrappingTextBoxFlag xmlns="" xmlns:m="http://schemas.openxmlformats.org/officeDocument/2006/math" xmlns:a14="http://schemas.microsoft.com/office/drawing/2010/main" xmlns:ma14="http://schemas.microsoft.com/office/mac/drawingml/2011/main" val="1"/>
             </a:ext>
           </a:extLst>
         </p:spPr>
@@ -17930,7 +17675,7 @@
           </a:ln>
           <a:extLst>
             <a:ext uri="{C572A759-6A51-4108-AA02-DFA0A04FC94B}">
-              <ma14:wrappingTextBoxFlag xmlns:ma14="http://schemas.microsoft.com/office/mac/drawingml/2011/main" xmlns:a14="http://schemas.microsoft.com/office/drawing/2010/main" xmlns:m="http://schemas.openxmlformats.org/officeDocument/2006/math" xmlns="" val="1"/>
+              <ma14:wrappingTextBoxFlag xmlns="" xmlns:m="http://schemas.openxmlformats.org/officeDocument/2006/math" xmlns:a14="http://schemas.microsoft.com/office/drawing/2010/main" xmlns:ma14="http://schemas.microsoft.com/office/mac/drawingml/2011/main" val="1"/>
             </a:ext>
           </a:extLst>
         </p:spPr>
@@ -17986,7 +17731,7 @@
           </a:ln>
           <a:extLst>
             <a:ext uri="{C572A759-6A51-4108-AA02-DFA0A04FC94B}">
-              <ma14:wrappingTextBoxFlag xmlns:ma14="http://schemas.microsoft.com/office/mac/drawingml/2011/main" xmlns:a14="http://schemas.microsoft.com/office/drawing/2010/main" xmlns:m="http://schemas.openxmlformats.org/officeDocument/2006/math" xmlns="" val="1"/>
+              <ma14:wrappingTextBoxFlag xmlns="" xmlns:m="http://schemas.openxmlformats.org/officeDocument/2006/math" xmlns:a14="http://schemas.microsoft.com/office/drawing/2010/main" xmlns:ma14="http://schemas.microsoft.com/office/mac/drawingml/2011/main" val="1"/>
             </a:ext>
           </a:extLst>
         </p:spPr>
@@ -18493,7 +18238,7 @@
           </a:ln>
           <a:extLst>
             <a:ext uri="{C572A759-6A51-4108-AA02-DFA0A04FC94B}">
-              <ma14:wrappingTextBoxFlag xmlns:ma14="http://schemas.microsoft.com/office/mac/drawingml/2011/main" xmlns:a14="http://schemas.microsoft.com/office/drawing/2010/main" xmlns:m="http://schemas.openxmlformats.org/officeDocument/2006/math" xmlns="" val="1"/>
+              <ma14:wrappingTextBoxFlag xmlns="" xmlns:m="http://schemas.openxmlformats.org/officeDocument/2006/math" xmlns:a14="http://schemas.microsoft.com/office/drawing/2010/main" xmlns:ma14="http://schemas.microsoft.com/office/mac/drawingml/2011/main" val="1"/>
             </a:ext>
           </a:extLst>
         </p:spPr>
@@ -18587,7 +18332,7 @@
           </a:ln>
           <a:extLst>
             <a:ext uri="{C572A759-6A51-4108-AA02-DFA0A04FC94B}">
-              <ma14:wrappingTextBoxFlag xmlns:ma14="http://schemas.microsoft.com/office/mac/drawingml/2011/main" xmlns:a14="http://schemas.microsoft.com/office/drawing/2010/main" xmlns:m="http://schemas.openxmlformats.org/officeDocument/2006/math" xmlns="" val="1"/>
+              <ma14:wrappingTextBoxFlag xmlns="" xmlns:m="http://schemas.openxmlformats.org/officeDocument/2006/math" xmlns:a14="http://schemas.microsoft.com/office/drawing/2010/main" xmlns:ma14="http://schemas.microsoft.com/office/mac/drawingml/2011/main" val="1"/>
             </a:ext>
           </a:extLst>
         </p:spPr>
@@ -20118,7 +19863,7 @@
           </a:ln>
           <a:extLst>
             <a:ext uri="{C572A759-6A51-4108-AA02-DFA0A04FC94B}">
-              <ma14:wrappingTextBoxFlag xmlns:ma14="http://schemas.microsoft.com/office/mac/drawingml/2011/main" xmlns:a14="http://schemas.microsoft.com/office/drawing/2010/main" xmlns:m="http://schemas.openxmlformats.org/officeDocument/2006/math" xmlns="" val="1"/>
+              <ma14:wrappingTextBoxFlag xmlns="" xmlns:m="http://schemas.openxmlformats.org/officeDocument/2006/math" xmlns:a14="http://schemas.microsoft.com/office/drawing/2010/main" xmlns:ma14="http://schemas.microsoft.com/office/mac/drawingml/2011/main" val="1"/>
             </a:ext>
           </a:extLst>
         </p:spPr>
@@ -20206,7 +19951,7 @@
           </a:ln>
           <a:extLst>
             <a:ext uri="{C572A759-6A51-4108-AA02-DFA0A04FC94B}">
-              <ma14:wrappingTextBoxFlag xmlns:ma14="http://schemas.microsoft.com/office/mac/drawingml/2011/main" xmlns:a14="http://schemas.microsoft.com/office/drawing/2010/main" xmlns:m="http://schemas.openxmlformats.org/officeDocument/2006/math" xmlns="" val="1"/>
+              <ma14:wrappingTextBoxFlag xmlns="" xmlns:m="http://schemas.openxmlformats.org/officeDocument/2006/math" xmlns:a14="http://schemas.microsoft.com/office/drawing/2010/main" xmlns:ma14="http://schemas.microsoft.com/office/mac/drawingml/2011/main" val="1"/>
             </a:ext>
           </a:extLst>
         </p:spPr>
@@ -20359,7 +20104,7 @@
           </a:ln>
           <a:extLst>
             <a:ext uri="{C572A759-6A51-4108-AA02-DFA0A04FC94B}">
-              <ma14:wrappingTextBoxFlag xmlns:ma14="http://schemas.microsoft.com/office/mac/drawingml/2011/main" xmlns:a14="http://schemas.microsoft.com/office/drawing/2010/main" xmlns:m="http://schemas.openxmlformats.org/officeDocument/2006/math" xmlns="" val="1"/>
+              <ma14:wrappingTextBoxFlag xmlns="" xmlns:m="http://schemas.openxmlformats.org/officeDocument/2006/math" xmlns:a14="http://schemas.microsoft.com/office/drawing/2010/main" xmlns:ma14="http://schemas.microsoft.com/office/mac/drawingml/2011/main" val="1"/>
             </a:ext>
           </a:extLst>
         </p:spPr>
@@ -20453,7 +20198,7 @@
           </a:ln>
           <a:extLst>
             <a:ext uri="{C572A759-6A51-4108-AA02-DFA0A04FC94B}">
-              <ma14:wrappingTextBoxFlag xmlns:ma14="http://schemas.microsoft.com/office/mac/drawingml/2011/main" xmlns:a14="http://schemas.microsoft.com/office/drawing/2010/main" xmlns:m="http://schemas.openxmlformats.org/officeDocument/2006/math" xmlns="" val="1"/>
+              <ma14:wrappingTextBoxFlag xmlns="" xmlns:m="http://schemas.openxmlformats.org/officeDocument/2006/math" xmlns:a14="http://schemas.microsoft.com/office/drawing/2010/main" xmlns:ma14="http://schemas.microsoft.com/office/mac/drawingml/2011/main" val="1"/>
             </a:ext>
           </a:extLst>
         </p:spPr>
@@ -20547,7 +20292,7 @@
           </a:ln>
           <a:extLst>
             <a:ext uri="{C572A759-6A51-4108-AA02-DFA0A04FC94B}">
-              <ma14:wrappingTextBoxFlag xmlns:ma14="http://schemas.microsoft.com/office/mac/drawingml/2011/main" xmlns:a14="http://schemas.microsoft.com/office/drawing/2010/main" xmlns:m="http://schemas.openxmlformats.org/officeDocument/2006/math" xmlns="" val="1"/>
+              <ma14:wrappingTextBoxFlag xmlns="" xmlns:m="http://schemas.openxmlformats.org/officeDocument/2006/math" xmlns:a14="http://schemas.microsoft.com/office/drawing/2010/main" xmlns:ma14="http://schemas.microsoft.com/office/mac/drawingml/2011/main" val="1"/>
             </a:ext>
           </a:extLst>
         </p:spPr>
@@ -20603,7 +20348,7 @@
           </a:ln>
           <a:extLst>
             <a:ext uri="{C572A759-6A51-4108-AA02-DFA0A04FC94B}">
-              <ma14:wrappingTextBoxFlag xmlns:ma14="http://schemas.microsoft.com/office/mac/drawingml/2011/main" xmlns:a14="http://schemas.microsoft.com/office/drawing/2010/main" xmlns:m="http://schemas.openxmlformats.org/officeDocument/2006/math" xmlns="" val="1"/>
+              <ma14:wrappingTextBoxFlag xmlns="" xmlns:m="http://schemas.openxmlformats.org/officeDocument/2006/math" xmlns:a14="http://schemas.microsoft.com/office/drawing/2010/main" xmlns:ma14="http://schemas.microsoft.com/office/mac/drawingml/2011/main" val="1"/>
             </a:ext>
           </a:extLst>
         </p:spPr>
@@ -20803,7 +20548,7 @@
           </a:ln>
           <a:extLst>
             <a:ext uri="{C572A759-6A51-4108-AA02-DFA0A04FC94B}">
-              <ma14:wrappingTextBoxFlag xmlns:ma14="http://schemas.microsoft.com/office/mac/drawingml/2011/main" xmlns:a14="http://schemas.microsoft.com/office/drawing/2010/main" xmlns:m="http://schemas.openxmlformats.org/officeDocument/2006/math" xmlns="" val="1"/>
+              <ma14:wrappingTextBoxFlag xmlns="" xmlns:m="http://schemas.openxmlformats.org/officeDocument/2006/math" xmlns:a14="http://schemas.microsoft.com/office/drawing/2010/main" xmlns:ma14="http://schemas.microsoft.com/office/mac/drawingml/2011/main" val="1"/>
             </a:ext>
           </a:extLst>
         </p:spPr>
@@ -20859,7 +20604,7 @@
           </a:ln>
           <a:extLst>
             <a:ext uri="{C572A759-6A51-4108-AA02-DFA0A04FC94B}">
-              <ma14:wrappingTextBoxFlag xmlns:ma14="http://schemas.microsoft.com/office/mac/drawingml/2011/main" xmlns:a14="http://schemas.microsoft.com/office/drawing/2010/main" xmlns:m="http://schemas.openxmlformats.org/officeDocument/2006/math" xmlns="" val="1"/>
+              <ma14:wrappingTextBoxFlag xmlns="" xmlns:m="http://schemas.openxmlformats.org/officeDocument/2006/math" xmlns:a14="http://schemas.microsoft.com/office/drawing/2010/main" xmlns:ma14="http://schemas.microsoft.com/office/mac/drawingml/2011/main" val="1"/>
             </a:ext>
           </a:extLst>
         </p:spPr>
@@ -20899,7 +20644,7 @@
           </a:ln>
           <a:extLst>
             <a:ext uri="{C572A759-6A51-4108-AA02-DFA0A04FC94B}">
-              <ma14:wrappingTextBoxFlag xmlns:ma14="http://schemas.microsoft.com/office/mac/drawingml/2011/main" xmlns:a14="http://schemas.microsoft.com/office/drawing/2010/main" xmlns:m="http://schemas.openxmlformats.org/officeDocument/2006/math" xmlns="" val="1"/>
+              <ma14:wrappingTextBoxFlag xmlns="" xmlns:m="http://schemas.openxmlformats.org/officeDocument/2006/math" xmlns:a14="http://schemas.microsoft.com/office/drawing/2010/main" xmlns:ma14="http://schemas.microsoft.com/office/mac/drawingml/2011/main" val="1"/>
             </a:ext>
           </a:extLst>
         </p:spPr>
@@ -20993,7 +20738,7 @@
           </a:ln>
           <a:extLst>
             <a:ext uri="{C572A759-6A51-4108-AA02-DFA0A04FC94B}">
-              <ma14:wrappingTextBoxFlag xmlns:ma14="http://schemas.microsoft.com/office/mac/drawingml/2011/main" xmlns:a14="http://schemas.microsoft.com/office/drawing/2010/main" xmlns:m="http://schemas.openxmlformats.org/officeDocument/2006/math" xmlns="" val="1"/>
+              <ma14:wrappingTextBoxFlag xmlns="" xmlns:m="http://schemas.openxmlformats.org/officeDocument/2006/math" xmlns:a14="http://schemas.microsoft.com/office/drawing/2010/main" xmlns:ma14="http://schemas.microsoft.com/office/mac/drawingml/2011/main" val="1"/>
             </a:ext>
           </a:extLst>
         </p:spPr>
@@ -21087,7 +20832,7 @@
           </a:ln>
           <a:extLst>
             <a:ext uri="{C572A759-6A51-4108-AA02-DFA0A04FC94B}">
-              <ma14:wrappingTextBoxFlag xmlns:ma14="http://schemas.microsoft.com/office/mac/drawingml/2011/main" xmlns:a14="http://schemas.microsoft.com/office/drawing/2010/main" xmlns:m="http://schemas.openxmlformats.org/officeDocument/2006/math" xmlns="" val="1"/>
+              <ma14:wrappingTextBoxFlag xmlns="" xmlns:m="http://schemas.openxmlformats.org/officeDocument/2006/math" xmlns:a14="http://schemas.microsoft.com/office/drawing/2010/main" xmlns:ma14="http://schemas.microsoft.com/office/mac/drawingml/2011/main" val="1"/>
             </a:ext>
           </a:extLst>
         </p:spPr>
@@ -21143,7 +20888,7 @@
           </a:ln>
           <a:extLst>
             <a:ext uri="{C572A759-6A51-4108-AA02-DFA0A04FC94B}">
-              <ma14:wrappingTextBoxFlag xmlns:ma14="http://schemas.microsoft.com/office/mac/drawingml/2011/main" xmlns:a14="http://schemas.microsoft.com/office/drawing/2010/main" xmlns:m="http://schemas.openxmlformats.org/officeDocument/2006/math" xmlns="" val="1"/>
+              <ma14:wrappingTextBoxFlag xmlns="" xmlns:m="http://schemas.openxmlformats.org/officeDocument/2006/math" xmlns:a14="http://schemas.microsoft.com/office/drawing/2010/main" xmlns:ma14="http://schemas.microsoft.com/office/mac/drawingml/2011/main" val="1"/>
             </a:ext>
           </a:extLst>
         </p:spPr>
@@ -21199,7 +20944,7 @@
           </a:ln>
           <a:extLst>
             <a:ext uri="{C572A759-6A51-4108-AA02-DFA0A04FC94B}">
-              <ma14:wrappingTextBoxFlag xmlns:ma14="http://schemas.microsoft.com/office/mac/drawingml/2011/main" xmlns:a14="http://schemas.microsoft.com/office/drawing/2010/main" xmlns:m="http://schemas.openxmlformats.org/officeDocument/2006/math" xmlns="" val="1"/>
+              <ma14:wrappingTextBoxFlag xmlns="" xmlns:m="http://schemas.openxmlformats.org/officeDocument/2006/math" xmlns:a14="http://schemas.microsoft.com/office/drawing/2010/main" xmlns:ma14="http://schemas.microsoft.com/office/mac/drawingml/2011/main" val="1"/>
             </a:ext>
           </a:extLst>
         </p:spPr>
@@ -21243,7 +20988,7 @@
           </a:ln>
           <a:extLst>
             <a:ext uri="{C572A759-6A51-4108-AA02-DFA0A04FC94B}">
-              <ma14:wrappingTextBoxFlag xmlns:ma14="http://schemas.microsoft.com/office/mac/drawingml/2011/main" xmlns:a14="http://schemas.microsoft.com/office/drawing/2010/main" xmlns:m="http://schemas.openxmlformats.org/officeDocument/2006/math" xmlns="" val="1"/>
+              <ma14:wrappingTextBoxFlag xmlns="" xmlns:m="http://schemas.openxmlformats.org/officeDocument/2006/math" xmlns:a14="http://schemas.microsoft.com/office/drawing/2010/main" xmlns:ma14="http://schemas.microsoft.com/office/mac/drawingml/2011/main" val="1"/>
             </a:ext>
           </a:extLst>
         </p:spPr>
@@ -21337,7 +21082,7 @@
           </a:ln>
           <a:extLst>
             <a:ext uri="{C572A759-6A51-4108-AA02-DFA0A04FC94B}">
-              <ma14:wrappingTextBoxFlag xmlns:ma14="http://schemas.microsoft.com/office/mac/drawingml/2011/main" xmlns:a14="http://schemas.microsoft.com/office/drawing/2010/main" xmlns:m="http://schemas.openxmlformats.org/officeDocument/2006/math" xmlns="" val="1"/>
+              <ma14:wrappingTextBoxFlag xmlns="" xmlns:m="http://schemas.openxmlformats.org/officeDocument/2006/math" xmlns:a14="http://schemas.microsoft.com/office/drawing/2010/main" xmlns:ma14="http://schemas.microsoft.com/office/mac/drawingml/2011/main" val="1"/>
             </a:ext>
           </a:extLst>
         </p:spPr>
@@ -21505,7 +21250,7 @@
           </a:ln>
           <a:extLst>
             <a:ext uri="{C572A759-6A51-4108-AA02-DFA0A04FC94B}">
-              <ma14:wrappingTextBoxFlag xmlns:ma14="http://schemas.microsoft.com/office/mac/drawingml/2011/main" xmlns:a14="http://schemas.microsoft.com/office/drawing/2010/main" xmlns:m="http://schemas.openxmlformats.org/officeDocument/2006/math" xmlns="" val="1"/>
+              <ma14:wrappingTextBoxFlag xmlns="" xmlns:m="http://schemas.openxmlformats.org/officeDocument/2006/math" xmlns:a14="http://schemas.microsoft.com/office/drawing/2010/main" xmlns:ma14="http://schemas.microsoft.com/office/mac/drawingml/2011/main" val="1"/>
             </a:ext>
           </a:extLst>
         </p:spPr>
@@ -21561,7 +21306,7 @@
           </a:ln>
           <a:extLst>
             <a:ext uri="{C572A759-6A51-4108-AA02-DFA0A04FC94B}">
-              <ma14:wrappingTextBoxFlag xmlns:ma14="http://schemas.microsoft.com/office/mac/drawingml/2011/main" xmlns:a14="http://schemas.microsoft.com/office/drawing/2010/main" xmlns:m="http://schemas.openxmlformats.org/officeDocument/2006/math" xmlns="" val="1"/>
+              <ma14:wrappingTextBoxFlag xmlns="" xmlns:m="http://schemas.openxmlformats.org/officeDocument/2006/math" xmlns:a14="http://schemas.microsoft.com/office/drawing/2010/main" xmlns:ma14="http://schemas.microsoft.com/office/mac/drawingml/2011/main" val="1"/>
             </a:ext>
           </a:extLst>
         </p:spPr>
@@ -21724,7 +21469,7 @@
           </a:ln>
           <a:extLst>
             <a:ext uri="{C572A759-6A51-4108-AA02-DFA0A04FC94B}">
-              <ma14:wrappingTextBoxFlag xmlns:ma14="http://schemas.microsoft.com/office/mac/drawingml/2011/main" xmlns:a14="http://schemas.microsoft.com/office/drawing/2010/main" xmlns:m="http://schemas.openxmlformats.org/officeDocument/2006/math" xmlns="" val="1"/>
+              <ma14:wrappingTextBoxFlag xmlns="" xmlns:m="http://schemas.openxmlformats.org/officeDocument/2006/math" xmlns:a14="http://schemas.microsoft.com/office/drawing/2010/main" xmlns:ma14="http://schemas.microsoft.com/office/mac/drawingml/2011/main" val="1"/>
             </a:ext>
           </a:extLst>
         </p:spPr>
@@ -21886,7 +21631,7 @@
           </a:ln>
           <a:extLst>
             <a:ext uri="{C572A759-6A51-4108-AA02-DFA0A04FC94B}">
-              <ma14:wrappingTextBoxFlag xmlns:ma14="http://schemas.microsoft.com/office/mac/drawingml/2011/main" xmlns:a14="http://schemas.microsoft.com/office/drawing/2010/main" xmlns:m="http://schemas.openxmlformats.org/officeDocument/2006/math" xmlns="" val="1"/>
+              <ma14:wrappingTextBoxFlag xmlns="" xmlns:m="http://schemas.openxmlformats.org/officeDocument/2006/math" xmlns:a14="http://schemas.microsoft.com/office/drawing/2010/main" xmlns:ma14="http://schemas.microsoft.com/office/mac/drawingml/2011/main" val="1"/>
             </a:ext>
           </a:extLst>
         </p:spPr>
@@ -21980,7 +21725,7 @@
           </a:ln>
           <a:extLst>
             <a:ext uri="{C572A759-6A51-4108-AA02-DFA0A04FC94B}">
-              <ma14:wrappingTextBoxFlag xmlns:ma14="http://schemas.microsoft.com/office/mac/drawingml/2011/main" xmlns:a14="http://schemas.microsoft.com/office/drawing/2010/main" xmlns:m="http://schemas.openxmlformats.org/officeDocument/2006/math" xmlns="" val="1"/>
+              <ma14:wrappingTextBoxFlag xmlns="" xmlns:m="http://schemas.openxmlformats.org/officeDocument/2006/math" xmlns:a14="http://schemas.microsoft.com/office/drawing/2010/main" xmlns:ma14="http://schemas.microsoft.com/office/mac/drawingml/2011/main" val="1"/>
             </a:ext>
           </a:extLst>
         </p:spPr>
@@ -22870,7 +22615,7 @@
           </a:ln>
           <a:extLst>
             <a:ext uri="{C572A759-6A51-4108-AA02-DFA0A04FC94B}">
-              <ma14:wrappingTextBoxFlag xmlns:ma14="http://schemas.microsoft.com/office/mac/drawingml/2011/main" xmlns:a14="http://schemas.microsoft.com/office/drawing/2010/main" xmlns:m="http://schemas.openxmlformats.org/officeDocument/2006/math" xmlns="" val="1"/>
+              <ma14:wrappingTextBoxFlag xmlns="" xmlns:m="http://schemas.openxmlformats.org/officeDocument/2006/math" xmlns:a14="http://schemas.microsoft.com/office/drawing/2010/main" xmlns:ma14="http://schemas.microsoft.com/office/mac/drawingml/2011/main" val="1"/>
             </a:ext>
           </a:extLst>
         </p:spPr>
@@ -22926,7 +22671,7 @@
           </a:ln>
           <a:extLst>
             <a:ext uri="{C572A759-6A51-4108-AA02-DFA0A04FC94B}">
-              <ma14:wrappingTextBoxFlag xmlns:ma14="http://schemas.microsoft.com/office/mac/drawingml/2011/main" xmlns:a14="http://schemas.microsoft.com/office/drawing/2010/main" xmlns:m="http://schemas.openxmlformats.org/officeDocument/2006/math" xmlns="" val="1"/>
+              <ma14:wrappingTextBoxFlag xmlns="" xmlns:m="http://schemas.openxmlformats.org/officeDocument/2006/math" xmlns:a14="http://schemas.microsoft.com/office/drawing/2010/main" xmlns:ma14="http://schemas.microsoft.com/office/mac/drawingml/2011/main" val="1"/>
             </a:ext>
           </a:extLst>
         </p:spPr>
@@ -23225,7 +22970,7 @@
           </a:ln>
           <a:extLst>
             <a:ext uri="{C572A759-6A51-4108-AA02-DFA0A04FC94B}">
-              <ma14:wrappingTextBoxFlag xmlns:ma14="http://schemas.microsoft.com/office/mac/drawingml/2011/main" xmlns:a14="http://schemas.microsoft.com/office/drawing/2010/main" xmlns:m="http://schemas.openxmlformats.org/officeDocument/2006/math" xmlns="" val="1"/>
+              <ma14:wrappingTextBoxFlag xmlns="" xmlns:m="http://schemas.openxmlformats.org/officeDocument/2006/math" xmlns:a14="http://schemas.microsoft.com/office/drawing/2010/main" xmlns:ma14="http://schemas.microsoft.com/office/mac/drawingml/2011/main" val="1"/>
             </a:ext>
           </a:extLst>
         </p:spPr>
@@ -23869,7 +23614,7 @@
           </a:ln>
           <a:extLst>
             <a:ext uri="{C572A759-6A51-4108-AA02-DFA0A04FC94B}">
-              <ma14:wrappingTextBoxFlag xmlns:ma14="http://schemas.microsoft.com/office/mac/drawingml/2011/main" xmlns:a14="http://schemas.microsoft.com/office/drawing/2010/main" xmlns:m="http://schemas.openxmlformats.org/officeDocument/2006/math" xmlns="" val="1"/>
+              <ma14:wrappingTextBoxFlag xmlns="" xmlns:m="http://schemas.openxmlformats.org/officeDocument/2006/math" xmlns:a14="http://schemas.microsoft.com/office/drawing/2010/main" xmlns:ma14="http://schemas.microsoft.com/office/mac/drawingml/2011/main" val="1"/>
             </a:ext>
           </a:extLst>
         </p:spPr>
@@ -23963,7 +23708,7 @@
           </a:ln>
           <a:extLst>
             <a:ext uri="{C572A759-6A51-4108-AA02-DFA0A04FC94B}">
-              <ma14:wrappingTextBoxFlag xmlns:ma14="http://schemas.microsoft.com/office/mac/drawingml/2011/main" xmlns:a14="http://schemas.microsoft.com/office/drawing/2010/main" xmlns:m="http://schemas.openxmlformats.org/officeDocument/2006/math" xmlns="" val="1"/>
+              <ma14:wrappingTextBoxFlag xmlns="" xmlns:m="http://schemas.openxmlformats.org/officeDocument/2006/math" xmlns:a14="http://schemas.microsoft.com/office/drawing/2010/main" xmlns:ma14="http://schemas.microsoft.com/office/mac/drawingml/2011/main" val="1"/>
             </a:ext>
           </a:extLst>
         </p:spPr>
@@ -24606,6 +24351,3972 @@
     <p:extLst>
       <p:ext uri="{BB962C8B-B14F-4D97-AF65-F5344CB8AC3E}">
         <p14:creationId xmlns:p14="http://schemas.microsoft.com/office/powerpoint/2010/main" val="2441824621"/>
+      </p:ext>
+    </p:extLst>
+  </p:cSld>
+  <p:clrMapOvr>
+    <a:masterClrMapping/>
+  </p:clrMapOvr>
+  <p:transition spd="med"/>
+</p:sld>
+</file>
+
+<file path=ppt/slides/slide5.xml><?xml version="1.0" encoding="utf-8"?>
+<p:sld xmlns:a="http://schemas.openxmlformats.org/drawingml/2006/main" xmlns:r="http://schemas.openxmlformats.org/officeDocument/2006/relationships" xmlns:p="http://schemas.openxmlformats.org/presentationml/2006/main">
+  <p:cSld>
+    <p:spTree>
+      <p:nvGrpSpPr>
+        <p:cNvPr id="1" name=""/>
+        <p:cNvGrpSpPr/>
+        <p:nvPr/>
+      </p:nvGrpSpPr>
+      <p:grpSpPr>
+        <a:xfrm>
+          <a:off x="0" y="0"/>
+          <a:ext cx="0" cy="0"/>
+          <a:chOff x="0" y="0"/>
+          <a:chExt cx="0" cy="0"/>
+        </a:xfrm>
+      </p:grpSpPr>
+      <p:grpSp>
+        <p:nvGrpSpPr>
+          <p:cNvPr id="269" name="Group"/>
+          <p:cNvGrpSpPr/>
+          <p:nvPr/>
+        </p:nvGrpSpPr>
+        <p:grpSpPr>
+          <a:xfrm>
+            <a:off x="8383487" y="-1013161"/>
+            <a:ext cx="6157893" cy="3553962"/>
+            <a:chOff x="0" y="51032"/>
+            <a:chExt cx="6157891" cy="3553961"/>
+          </a:xfrm>
+        </p:grpSpPr>
+        <p:grpSp>
+          <p:nvGrpSpPr>
+            <p:cNvPr id="267" name="Group"/>
+            <p:cNvGrpSpPr/>
+            <p:nvPr/>
+          </p:nvGrpSpPr>
+          <p:grpSpPr>
+            <a:xfrm>
+              <a:off x="23293" y="51032"/>
+              <a:ext cx="6134599" cy="2980091"/>
+              <a:chOff x="0" y="51032"/>
+              <a:chExt cx="6134598" cy="2980090"/>
+            </a:xfrm>
+          </p:grpSpPr>
+          <p:sp>
+            <p:nvSpPr>
+              <p:cNvPr id="252" name="Triangle"/>
+              <p:cNvSpPr/>
+              <p:nvPr/>
+            </p:nvSpPr>
+            <p:spPr>
+              <a:xfrm rot="1800000">
+                <a:off x="1177377" y="304285"/>
+                <a:ext cx="1319509" cy="1143860"/>
+              </a:xfrm>
+              <a:prstGeom prst="triangle">
+                <a:avLst/>
+              </a:prstGeom>
+              <a:solidFill>
+                <a:srgbClr val="4380C5"/>
+              </a:solidFill>
+              <a:ln w="3175" cap="flat">
+                <a:solidFill>
+                  <a:srgbClr val="437FC5"/>
+                </a:solidFill>
+                <a:prstDash val="solid"/>
+                <a:miter lim="400000"/>
+              </a:ln>
+              <a:effectLst/>
+            </p:spPr>
+            <p:txBody>
+              <a:bodyPr wrap="square" lIns="54570" tIns="54570" rIns="54570" bIns="54570" numCol="1" anchor="ctr">
+                <a:noAutofit/>
+              </a:bodyPr>
+              <a:lstStyle/>
+              <a:p>
+                <a:pPr>
+                  <a:lnSpc>
+                    <a:spcPct val="80000"/>
+                  </a:lnSpc>
+                  <a:spcBef>
+                    <a:spcPts val="0"/>
+                  </a:spcBef>
+                  <a:defRPr b="0">
+                    <a:solidFill>
+                      <a:srgbClr val="000000"/>
+                    </a:solidFill>
+                  </a:defRPr>
+                </a:pPr>
+                <a:endParaRPr/>
+              </a:p>
+            </p:txBody>
+          </p:sp>
+          <p:sp>
+            <p:nvSpPr>
+              <p:cNvPr id="253" name="Circle"/>
+              <p:cNvSpPr/>
+              <p:nvPr/>
+            </p:nvSpPr>
+            <p:spPr>
+              <a:xfrm flipH="1">
+                <a:off x="1550782" y="838357"/>
+                <a:ext cx="422090" cy="422090"/>
+              </a:xfrm>
+              <a:prstGeom prst="ellipse">
+                <a:avLst/>
+              </a:prstGeom>
+              <a:solidFill>
+                <a:srgbClr val="74B4EB"/>
+              </a:solidFill>
+              <a:ln w="12700" cap="flat">
+                <a:noFill/>
+                <a:miter lim="400000"/>
+              </a:ln>
+              <a:effectLst/>
+            </p:spPr>
+            <p:txBody>
+              <a:bodyPr wrap="square" lIns="54570" tIns="54570" rIns="54570" bIns="54570" numCol="1" anchor="ctr">
+                <a:noAutofit/>
+              </a:bodyPr>
+              <a:lstStyle/>
+              <a:p>
+                <a:pPr>
+                  <a:lnSpc>
+                    <a:spcPct val="80000"/>
+                  </a:lnSpc>
+                  <a:spcBef>
+                    <a:spcPts val="0"/>
+                  </a:spcBef>
+                  <a:defRPr b="0">
+                    <a:solidFill>
+                      <a:srgbClr val="000000"/>
+                    </a:solidFill>
+                  </a:defRPr>
+                </a:pPr>
+                <a:endParaRPr/>
+              </a:p>
+            </p:txBody>
+          </p:sp>
+          <p:sp>
+            <p:nvSpPr>
+              <p:cNvPr id="254" name="Circle"/>
+              <p:cNvSpPr/>
+              <p:nvPr/>
+            </p:nvSpPr>
+            <p:spPr>
+              <a:xfrm flipH="1">
+                <a:off x="0" y="819778"/>
+                <a:ext cx="422089" cy="422090"/>
+              </a:xfrm>
+              <a:prstGeom prst="ellipse">
+                <a:avLst/>
+              </a:prstGeom>
+              <a:solidFill>
+                <a:srgbClr val="4380C5">
+                  <a:alpha val="50458"/>
+                </a:srgbClr>
+              </a:solidFill>
+              <a:ln w="12700" cap="flat">
+                <a:noFill/>
+                <a:miter lim="400000"/>
+              </a:ln>
+              <a:effectLst/>
+            </p:spPr>
+            <p:txBody>
+              <a:bodyPr wrap="square" lIns="54570" tIns="54570" rIns="54570" bIns="54570" numCol="1" anchor="ctr">
+                <a:noAutofit/>
+              </a:bodyPr>
+              <a:lstStyle/>
+              <a:p>
+                <a:pPr>
+                  <a:lnSpc>
+                    <a:spcPct val="80000"/>
+                  </a:lnSpc>
+                  <a:spcBef>
+                    <a:spcPts val="0"/>
+                  </a:spcBef>
+                  <a:defRPr b="0">
+                    <a:solidFill>
+                      <a:srgbClr val="000000"/>
+                    </a:solidFill>
+                  </a:defRPr>
+                </a:pPr>
+                <a:endParaRPr/>
+              </a:p>
+            </p:txBody>
+          </p:sp>
+          <p:sp>
+            <p:nvSpPr>
+              <p:cNvPr id="255" name="Triangle"/>
+              <p:cNvSpPr/>
+              <p:nvPr/>
+            </p:nvSpPr>
+            <p:spPr>
+              <a:xfrm rot="19800000">
+                <a:off x="2896973" y="973389"/>
+                <a:ext cx="1319509" cy="1143860"/>
+              </a:xfrm>
+              <a:prstGeom prst="triangle">
+                <a:avLst/>
+              </a:prstGeom>
+              <a:solidFill>
+                <a:srgbClr val="74B4EB"/>
+              </a:solidFill>
+              <a:ln w="6350" cap="flat">
+                <a:solidFill>
+                  <a:srgbClr val="82B3E6"/>
+                </a:solidFill>
+                <a:prstDash val="solid"/>
+                <a:miter lim="400000"/>
+              </a:ln>
+              <a:effectLst/>
+            </p:spPr>
+            <p:txBody>
+              <a:bodyPr wrap="square" lIns="54570" tIns="54570" rIns="54570" bIns="54570" numCol="1" anchor="ctr">
+                <a:noAutofit/>
+              </a:bodyPr>
+              <a:lstStyle/>
+              <a:p>
+                <a:pPr>
+                  <a:lnSpc>
+                    <a:spcPct val="80000"/>
+                  </a:lnSpc>
+                  <a:spcBef>
+                    <a:spcPts val="0"/>
+                  </a:spcBef>
+                  <a:defRPr b="0">
+                    <a:solidFill>
+                      <a:srgbClr val="000000"/>
+                    </a:solidFill>
+                  </a:defRPr>
+                </a:pPr>
+                <a:endParaRPr/>
+              </a:p>
+            </p:txBody>
+          </p:sp>
+          <p:sp>
+            <p:nvSpPr>
+              <p:cNvPr id="256" name="Triangle"/>
+              <p:cNvSpPr/>
+              <p:nvPr/>
+            </p:nvSpPr>
+            <p:spPr>
+              <a:xfrm rot="1800000">
+                <a:off x="3470359" y="1634009"/>
+                <a:ext cx="1319509" cy="1143861"/>
+              </a:xfrm>
+              <a:prstGeom prst="triangle">
+                <a:avLst/>
+              </a:prstGeom>
+              <a:solidFill>
+                <a:srgbClr val="4380C5"/>
+              </a:solidFill>
+              <a:ln w="6350" cap="flat">
+                <a:solidFill>
+                  <a:srgbClr val="437FC5"/>
+                </a:solidFill>
+                <a:prstDash val="solid"/>
+                <a:miter lim="400000"/>
+              </a:ln>
+              <a:effectLst/>
+            </p:spPr>
+            <p:txBody>
+              <a:bodyPr wrap="square" lIns="54570" tIns="54570" rIns="54570" bIns="54570" numCol="1" anchor="ctr">
+                <a:noAutofit/>
+              </a:bodyPr>
+              <a:lstStyle/>
+              <a:p>
+                <a:pPr>
+                  <a:lnSpc>
+                    <a:spcPct val="80000"/>
+                  </a:lnSpc>
+                  <a:spcBef>
+                    <a:spcPts val="0"/>
+                  </a:spcBef>
+                  <a:defRPr b="0">
+                    <a:solidFill>
+                      <a:srgbClr val="000000"/>
+                    </a:solidFill>
+                  </a:defRPr>
+                </a:pPr>
+                <a:endParaRPr/>
+              </a:p>
+            </p:txBody>
+          </p:sp>
+          <p:sp>
+            <p:nvSpPr>
+              <p:cNvPr id="257" name="Circle"/>
+              <p:cNvSpPr/>
+              <p:nvPr/>
+            </p:nvSpPr>
+            <p:spPr>
+              <a:xfrm flipH="1">
+                <a:off x="3461021" y="1507461"/>
+                <a:ext cx="422090" cy="422090"/>
+              </a:xfrm>
+              <a:prstGeom prst="ellipse">
+                <a:avLst/>
+              </a:prstGeom>
+              <a:solidFill>
+                <a:srgbClr val="4380C5"/>
+              </a:solidFill>
+              <a:ln w="12700" cap="flat">
+                <a:noFill/>
+                <a:miter lim="400000"/>
+              </a:ln>
+              <a:effectLst/>
+            </p:spPr>
+            <p:txBody>
+              <a:bodyPr wrap="square" lIns="54570" tIns="54570" rIns="54570" bIns="54570" numCol="1" anchor="ctr">
+                <a:noAutofit/>
+              </a:bodyPr>
+              <a:lstStyle/>
+              <a:p>
+                <a:pPr>
+                  <a:lnSpc>
+                    <a:spcPct val="80000"/>
+                  </a:lnSpc>
+                  <a:spcBef>
+                    <a:spcPts val="0"/>
+                  </a:spcBef>
+                  <a:defRPr b="0">
+                    <a:solidFill>
+                      <a:srgbClr val="000000"/>
+                    </a:solidFill>
+                  </a:defRPr>
+                </a:pPr>
+                <a:endParaRPr/>
+              </a:p>
+            </p:txBody>
+          </p:sp>
+          <p:sp>
+            <p:nvSpPr>
+              <p:cNvPr id="258" name="Circle"/>
+              <p:cNvSpPr/>
+              <p:nvPr/>
+            </p:nvSpPr>
+            <p:spPr>
+              <a:xfrm flipH="1">
+                <a:off x="3843763" y="2168082"/>
+                <a:ext cx="422090" cy="422090"/>
+              </a:xfrm>
+              <a:prstGeom prst="ellipse">
+                <a:avLst/>
+              </a:prstGeom>
+              <a:solidFill>
+                <a:srgbClr val="74B4EB"/>
+              </a:solidFill>
+              <a:ln w="12700" cap="flat">
+                <a:noFill/>
+                <a:miter lim="400000"/>
+              </a:ln>
+              <a:effectLst/>
+            </p:spPr>
+            <p:txBody>
+              <a:bodyPr wrap="square" lIns="54570" tIns="54570" rIns="54570" bIns="54570" numCol="1" anchor="ctr">
+                <a:noAutofit/>
+              </a:bodyPr>
+              <a:lstStyle/>
+              <a:p>
+                <a:pPr>
+                  <a:lnSpc>
+                    <a:spcPct val="80000"/>
+                  </a:lnSpc>
+                  <a:spcBef>
+                    <a:spcPts val="0"/>
+                  </a:spcBef>
+                  <a:defRPr b="0">
+                    <a:solidFill>
+                      <a:srgbClr val="000000"/>
+                    </a:solidFill>
+                  </a:defRPr>
+                </a:pPr>
+                <a:endParaRPr/>
+              </a:p>
+            </p:txBody>
+          </p:sp>
+          <p:sp>
+            <p:nvSpPr>
+              <p:cNvPr id="259" name="Triangle"/>
+              <p:cNvSpPr/>
+              <p:nvPr/>
+            </p:nvSpPr>
+            <p:spPr>
+              <a:xfrm rot="1800000">
+                <a:off x="3470359" y="312963"/>
+                <a:ext cx="1319509" cy="1143861"/>
+              </a:xfrm>
+              <a:prstGeom prst="triangle">
+                <a:avLst/>
+              </a:prstGeom>
+              <a:solidFill>
+                <a:srgbClr val="4380C5"/>
+              </a:solidFill>
+              <a:ln w="6350" cap="flat">
+                <a:solidFill>
+                  <a:srgbClr val="437FC5"/>
+                </a:solidFill>
+                <a:prstDash val="solid"/>
+                <a:miter lim="400000"/>
+              </a:ln>
+              <a:effectLst/>
+            </p:spPr>
+            <p:txBody>
+              <a:bodyPr wrap="square" lIns="54570" tIns="54570" rIns="54570" bIns="54570" numCol="1" anchor="ctr">
+                <a:noAutofit/>
+              </a:bodyPr>
+              <a:lstStyle/>
+              <a:p>
+                <a:pPr>
+                  <a:lnSpc>
+                    <a:spcPct val="80000"/>
+                  </a:lnSpc>
+                  <a:spcBef>
+                    <a:spcPts val="0"/>
+                  </a:spcBef>
+                  <a:defRPr b="0">
+                    <a:solidFill>
+                      <a:srgbClr val="000000"/>
+                    </a:solidFill>
+                  </a:defRPr>
+                </a:pPr>
+                <a:endParaRPr/>
+              </a:p>
+            </p:txBody>
+          </p:sp>
+          <p:sp>
+            <p:nvSpPr>
+              <p:cNvPr id="260" name="Circle"/>
+              <p:cNvSpPr/>
+              <p:nvPr/>
+            </p:nvSpPr>
+            <p:spPr>
+              <a:xfrm flipH="1">
+                <a:off x="3843763" y="847036"/>
+                <a:ext cx="422090" cy="422090"/>
+              </a:xfrm>
+              <a:prstGeom prst="ellipse">
+                <a:avLst/>
+              </a:prstGeom>
+              <a:solidFill>
+                <a:srgbClr val="74B4EB"/>
+              </a:solidFill>
+              <a:ln w="12700" cap="flat">
+                <a:noFill/>
+                <a:miter lim="400000"/>
+              </a:ln>
+              <a:effectLst/>
+            </p:spPr>
+            <p:txBody>
+              <a:bodyPr wrap="square" lIns="54570" tIns="54570" rIns="54570" bIns="54570" numCol="1" anchor="ctr">
+                <a:noAutofit/>
+              </a:bodyPr>
+              <a:lstStyle/>
+              <a:p>
+                <a:pPr>
+                  <a:lnSpc>
+                    <a:spcPct val="80000"/>
+                  </a:lnSpc>
+                  <a:spcBef>
+                    <a:spcPts val="0"/>
+                  </a:spcBef>
+                  <a:defRPr b="0">
+                    <a:solidFill>
+                      <a:srgbClr val="000000"/>
+                    </a:solidFill>
+                  </a:defRPr>
+                </a:pPr>
+                <a:endParaRPr/>
+              </a:p>
+            </p:txBody>
+          </p:sp>
+          <p:sp>
+            <p:nvSpPr>
+              <p:cNvPr id="261" name="Triangle"/>
+              <p:cNvSpPr/>
+              <p:nvPr/>
+            </p:nvSpPr>
+            <p:spPr>
+              <a:xfrm rot="19800000">
+                <a:off x="4044130" y="318647"/>
+                <a:ext cx="1319509" cy="1143861"/>
+              </a:xfrm>
+              <a:prstGeom prst="triangle">
+                <a:avLst/>
+              </a:prstGeom>
+              <a:solidFill>
+                <a:srgbClr val="74B4EB"/>
+              </a:solidFill>
+              <a:ln w="6350" cap="flat">
+                <a:solidFill>
+                  <a:srgbClr val="82B3E6"/>
+                </a:solidFill>
+                <a:prstDash val="solid"/>
+                <a:miter lim="400000"/>
+              </a:ln>
+              <a:effectLst/>
+            </p:spPr>
+            <p:txBody>
+              <a:bodyPr wrap="square" lIns="54570" tIns="54570" rIns="54570" bIns="54570" numCol="1" anchor="ctr">
+                <a:noAutofit/>
+              </a:bodyPr>
+              <a:lstStyle/>
+              <a:p>
+                <a:pPr>
+                  <a:lnSpc>
+                    <a:spcPct val="80000"/>
+                  </a:lnSpc>
+                  <a:spcBef>
+                    <a:spcPts val="0"/>
+                  </a:spcBef>
+                  <a:defRPr b="0">
+                    <a:solidFill>
+                      <a:srgbClr val="000000"/>
+                    </a:solidFill>
+                  </a:defRPr>
+                </a:pPr>
+                <a:endParaRPr/>
+              </a:p>
+            </p:txBody>
+          </p:sp>
+          <p:sp>
+            <p:nvSpPr>
+              <p:cNvPr id="262" name="Circle"/>
+              <p:cNvSpPr/>
+              <p:nvPr/>
+            </p:nvSpPr>
+            <p:spPr>
+              <a:xfrm flipH="1">
+                <a:off x="4608178" y="852720"/>
+                <a:ext cx="422090" cy="422090"/>
+              </a:xfrm>
+              <a:prstGeom prst="ellipse">
+                <a:avLst/>
+              </a:prstGeom>
+              <a:solidFill>
+                <a:srgbClr val="4380C5"/>
+              </a:solidFill>
+              <a:ln w="12700" cap="flat">
+                <a:noFill/>
+                <a:miter lim="400000"/>
+              </a:ln>
+              <a:effectLst/>
+            </p:spPr>
+            <p:txBody>
+              <a:bodyPr wrap="square" lIns="54570" tIns="54570" rIns="54570" bIns="54570" numCol="1" anchor="ctr">
+                <a:noAutofit/>
+              </a:bodyPr>
+              <a:lstStyle/>
+              <a:p>
+                <a:pPr>
+                  <a:lnSpc>
+                    <a:spcPct val="80000"/>
+                  </a:lnSpc>
+                  <a:spcBef>
+                    <a:spcPts val="0"/>
+                  </a:spcBef>
+                  <a:defRPr b="0">
+                    <a:solidFill>
+                      <a:srgbClr val="000000"/>
+                    </a:solidFill>
+                  </a:defRPr>
+                </a:pPr>
+                <a:endParaRPr/>
+              </a:p>
+            </p:txBody>
+          </p:sp>
+          <p:sp>
+            <p:nvSpPr>
+              <p:cNvPr id="263" name="Triangle"/>
+              <p:cNvSpPr/>
+              <p:nvPr/>
+            </p:nvSpPr>
+            <p:spPr>
+              <a:xfrm rot="1800000">
+                <a:off x="4617515" y="979268"/>
+                <a:ext cx="1319509" cy="1143861"/>
+              </a:xfrm>
+              <a:prstGeom prst="triangle">
+                <a:avLst/>
+              </a:prstGeom>
+              <a:solidFill>
+                <a:srgbClr val="4380C5"/>
+              </a:solidFill>
+              <a:ln w="6350" cap="flat">
+                <a:solidFill>
+                  <a:srgbClr val="437FC5"/>
+                </a:solidFill>
+                <a:prstDash val="solid"/>
+                <a:miter lim="400000"/>
+              </a:ln>
+              <a:effectLst/>
+            </p:spPr>
+            <p:txBody>
+              <a:bodyPr wrap="square" lIns="54570" tIns="54570" rIns="54570" bIns="54570" numCol="1" anchor="ctr">
+                <a:noAutofit/>
+              </a:bodyPr>
+              <a:lstStyle/>
+              <a:p>
+                <a:pPr>
+                  <a:lnSpc>
+                    <a:spcPct val="80000"/>
+                  </a:lnSpc>
+                  <a:spcBef>
+                    <a:spcPts val="0"/>
+                  </a:spcBef>
+                  <a:defRPr b="0">
+                    <a:solidFill>
+                      <a:srgbClr val="000000"/>
+                    </a:solidFill>
+                  </a:defRPr>
+                </a:pPr>
+                <a:endParaRPr/>
+              </a:p>
+            </p:txBody>
+          </p:sp>
+          <p:sp>
+            <p:nvSpPr>
+              <p:cNvPr id="264" name="Circle"/>
+              <p:cNvSpPr/>
+              <p:nvPr/>
+            </p:nvSpPr>
+            <p:spPr>
+              <a:xfrm flipH="1">
+                <a:off x="4990920" y="1513341"/>
+                <a:ext cx="422090" cy="422090"/>
+              </a:xfrm>
+              <a:prstGeom prst="ellipse">
+                <a:avLst/>
+              </a:prstGeom>
+              <a:solidFill>
+                <a:srgbClr val="74B4EB"/>
+              </a:solidFill>
+              <a:ln w="12700" cap="flat">
+                <a:noFill/>
+                <a:miter lim="400000"/>
+              </a:ln>
+              <a:effectLst/>
+            </p:spPr>
+            <p:txBody>
+              <a:bodyPr wrap="square" lIns="54570" tIns="54570" rIns="54570" bIns="54570" numCol="1" anchor="ctr">
+                <a:noAutofit/>
+              </a:bodyPr>
+              <a:lstStyle/>
+              <a:p>
+                <a:pPr>
+                  <a:lnSpc>
+                    <a:spcPct val="80000"/>
+                  </a:lnSpc>
+                  <a:spcBef>
+                    <a:spcPts val="0"/>
+                  </a:spcBef>
+                  <a:defRPr b="0">
+                    <a:solidFill>
+                      <a:srgbClr val="000000"/>
+                    </a:solidFill>
+                  </a:defRPr>
+                </a:pPr>
+                <a:endParaRPr/>
+              </a:p>
+            </p:txBody>
+          </p:sp>
+          <p:sp>
+            <p:nvSpPr>
+              <p:cNvPr id="265" name="Triangle"/>
+              <p:cNvSpPr/>
+              <p:nvPr/>
+            </p:nvSpPr>
+            <p:spPr>
+              <a:xfrm rot="19800000">
+                <a:off x="1751148" y="309969"/>
+                <a:ext cx="1319510" cy="1143860"/>
+              </a:xfrm>
+              <a:prstGeom prst="triangle">
+                <a:avLst/>
+              </a:prstGeom>
+              <a:solidFill>
+                <a:srgbClr val="74B4EB"/>
+              </a:solidFill>
+              <a:ln w="6350" cap="flat">
+                <a:solidFill>
+                  <a:srgbClr val="82B3E6"/>
+                </a:solidFill>
+                <a:prstDash val="solid"/>
+                <a:miter lim="400000"/>
+              </a:ln>
+              <a:effectLst/>
+            </p:spPr>
+            <p:txBody>
+              <a:bodyPr wrap="square" lIns="54570" tIns="54570" rIns="54570" bIns="54570" numCol="1" anchor="ctr">
+                <a:noAutofit/>
+              </a:bodyPr>
+              <a:lstStyle/>
+              <a:p>
+                <a:pPr>
+                  <a:lnSpc>
+                    <a:spcPct val="80000"/>
+                  </a:lnSpc>
+                  <a:spcBef>
+                    <a:spcPts val="0"/>
+                  </a:spcBef>
+                  <a:defRPr b="0">
+                    <a:solidFill>
+                      <a:srgbClr val="000000"/>
+                    </a:solidFill>
+                  </a:defRPr>
+                </a:pPr>
+                <a:endParaRPr/>
+              </a:p>
+            </p:txBody>
+          </p:sp>
+          <p:sp>
+            <p:nvSpPr>
+              <p:cNvPr id="266" name="Circle"/>
+              <p:cNvSpPr/>
+              <p:nvPr/>
+            </p:nvSpPr>
+            <p:spPr>
+              <a:xfrm flipH="1">
+                <a:off x="2315196" y="844041"/>
+                <a:ext cx="422090" cy="422090"/>
+              </a:xfrm>
+              <a:prstGeom prst="ellipse">
+                <a:avLst/>
+              </a:prstGeom>
+              <a:solidFill>
+                <a:srgbClr val="4380C5"/>
+              </a:solidFill>
+              <a:ln w="12700" cap="flat">
+                <a:noFill/>
+                <a:miter lim="400000"/>
+              </a:ln>
+              <a:effectLst/>
+            </p:spPr>
+            <p:txBody>
+              <a:bodyPr wrap="square" lIns="54570" tIns="54570" rIns="54570" bIns="54570" numCol="1" anchor="ctr">
+                <a:noAutofit/>
+              </a:bodyPr>
+              <a:lstStyle/>
+              <a:p>
+                <a:pPr>
+                  <a:lnSpc>
+                    <a:spcPct val="80000"/>
+                  </a:lnSpc>
+                  <a:spcBef>
+                    <a:spcPts val="0"/>
+                  </a:spcBef>
+                  <a:defRPr b="0">
+                    <a:solidFill>
+                      <a:srgbClr val="000000"/>
+                    </a:solidFill>
+                  </a:defRPr>
+                </a:pPr>
+                <a:endParaRPr/>
+              </a:p>
+            </p:txBody>
+          </p:sp>
+        </p:grpSp>
+        <p:sp>
+          <p:nvSpPr>
+            <p:cNvPr id="268" name="Rectangle"/>
+            <p:cNvSpPr/>
+            <p:nvPr/>
+          </p:nvSpPr>
+          <p:spPr>
+            <a:xfrm>
+              <a:off x="0" y="1038072"/>
+              <a:ext cx="5593304" cy="2566922"/>
+            </a:xfrm>
+            <a:prstGeom prst="rect">
+              <a:avLst/>
+            </a:prstGeom>
+            <a:gradFill flip="none" rotWithShape="1">
+              <a:gsLst>
+                <a:gs pos="0">
+                  <a:srgbClr val="FFFFFF">
+                    <a:alpha val="0"/>
+                  </a:srgbClr>
+                </a:gs>
+                <a:gs pos="20382">
+                  <a:srgbClr val="FFFFFF">
+                    <a:alpha val="45796"/>
+                  </a:srgbClr>
+                </a:gs>
+                <a:gs pos="35803">
+                  <a:srgbClr val="FFFFFF">
+                    <a:alpha val="72898"/>
+                  </a:srgbClr>
+                </a:gs>
+                <a:gs pos="55434">
+                  <a:srgbClr val="FFFFFF"/>
+                </a:gs>
+              </a:gsLst>
+              <a:path path="shape">
+                <a:fillToRect l="54529" t="-7398" r="45470" b="107398"/>
+              </a:path>
+            </a:gradFill>
+            <a:ln w="12700" cap="flat">
+              <a:noFill/>
+              <a:miter lim="400000"/>
+            </a:ln>
+            <a:effectLst/>
+          </p:spPr>
+          <p:txBody>
+            <a:bodyPr wrap="square" lIns="54570" tIns="54570" rIns="54570" bIns="54570" numCol="1" anchor="ctr">
+              <a:noAutofit/>
+            </a:bodyPr>
+            <a:lstStyle/>
+            <a:p>
+              <a:pPr>
+                <a:lnSpc>
+                  <a:spcPct val="80000"/>
+                </a:lnSpc>
+                <a:spcBef>
+                  <a:spcPts val="0"/>
+                </a:spcBef>
+                <a:defRPr b="0">
+                  <a:solidFill>
+                    <a:srgbClr val="000000"/>
+                  </a:solidFill>
+                </a:defRPr>
+              </a:pPr>
+              <a:endParaRPr/>
+            </a:p>
+          </p:txBody>
+        </p:sp>
+      </p:grpSp>
+      <p:sp>
+        <p:nvSpPr>
+          <p:cNvPr id="272" name="Line"/>
+          <p:cNvSpPr/>
+          <p:nvPr/>
+        </p:nvSpPr>
+        <p:spPr>
+          <a:xfrm>
+            <a:off x="331906" y="412454"/>
+            <a:ext cx="3026167" cy="15276"/>
+          </a:xfrm>
+          <a:prstGeom prst="line">
+            <a:avLst/>
+          </a:prstGeom>
+          <a:ln w="6350">
+            <a:solidFill>
+              <a:srgbClr val="797979"/>
+            </a:solidFill>
+            <a:miter lim="400000"/>
+          </a:ln>
+        </p:spPr>
+        <p:txBody>
+          <a:bodyPr lIns="54570" tIns="54570" rIns="54570" bIns="54570" anchor="ctr"/>
+          <a:lstStyle/>
+          <a:p>
+            <a:pPr>
+              <a:lnSpc>
+                <a:spcPct val="80000"/>
+              </a:lnSpc>
+              <a:spcBef>
+                <a:spcPts val="600"/>
+              </a:spcBef>
+              <a:defRPr b="0">
+                <a:solidFill>
+                  <a:srgbClr val="000000"/>
+                </a:solidFill>
+              </a:defRPr>
+            </a:pPr>
+            <a:endParaRPr/>
+          </a:p>
+        </p:txBody>
+      </p:sp>
+      <p:sp>
+        <p:nvSpPr>
+          <p:cNvPr id="274" name="Line"/>
+          <p:cNvSpPr/>
+          <p:nvPr/>
+        </p:nvSpPr>
+        <p:spPr>
+          <a:xfrm>
+            <a:off x="2354308" y="10337513"/>
+            <a:ext cx="11321194" cy="1"/>
+          </a:xfrm>
+          <a:prstGeom prst="line">
+            <a:avLst/>
+          </a:prstGeom>
+          <a:ln w="12700">
+            <a:solidFill>
+              <a:srgbClr val="E4E4E3"/>
+            </a:solidFill>
+            <a:miter lim="400000"/>
+          </a:ln>
+        </p:spPr>
+        <p:txBody>
+          <a:bodyPr lIns="54570" tIns="54570" rIns="54570" bIns="54570" anchor="ctr"/>
+          <a:lstStyle/>
+          <a:p>
+            <a:pPr>
+              <a:lnSpc>
+                <a:spcPct val="80000"/>
+              </a:lnSpc>
+              <a:spcBef>
+                <a:spcPts val="600"/>
+              </a:spcBef>
+              <a:defRPr b="0">
+                <a:solidFill>
+                  <a:srgbClr val="000000"/>
+                </a:solidFill>
+              </a:defRPr>
+            </a:pPr>
+            <a:endParaRPr/>
+          </a:p>
+        </p:txBody>
+      </p:sp>
+      <p:sp>
+        <p:nvSpPr>
+          <p:cNvPr id="275" name="RStudio® is a trademark of RStudio, Inc.  •  CC BY SA RStudio •  info@rstudio.com  •  844-448-1212 • rstudio.com •  Learn more at shiny.rstudio.com  •  shiny  0.12.0  •  Updated: 2016-01"/>
+          <p:cNvSpPr txBox="1"/>
+          <p:nvPr/>
+        </p:nvSpPr>
+        <p:spPr>
+          <a:xfrm>
+            <a:off x="2353572" y="10340910"/>
+            <a:ext cx="11322666" cy="248842"/>
+          </a:xfrm>
+          <a:prstGeom prst="rect">
+            <a:avLst/>
+          </a:prstGeom>
+          <a:ln w="12700">
+            <a:miter lim="400000"/>
+          </a:ln>
+          <a:extLst>
+            <a:ext uri="{C572A759-6A51-4108-AA02-DFA0A04FC94B}">
+              <ma14:wrappingTextBoxFlag xmlns="" xmlns:m="http://schemas.openxmlformats.org/officeDocument/2006/math" xmlns:a14="http://schemas.microsoft.com/office/drawing/2010/main" xmlns:ma14="http://schemas.microsoft.com/office/mac/drawingml/2011/main" val="1"/>
+            </a:ext>
+          </a:extLst>
+        </p:spPr>
+        <p:txBody>
+          <a:bodyPr lIns="54570" tIns="54570" rIns="54570" bIns="54570" anchor="ctr">
+            <a:spAutoFit/>
+          </a:bodyPr>
+          <a:lstStyle/>
+          <a:p>
+            <a:pPr algn="r">
+              <a:lnSpc>
+                <a:spcPct val="90000"/>
+              </a:lnSpc>
+              <a:spcBef>
+                <a:spcPts val="0"/>
+              </a:spcBef>
+              <a:defRPr sz="900" b="0">
+                <a:solidFill>
+                  <a:srgbClr val="000000"/>
+                </a:solidFill>
+              </a:defRPr>
+            </a:pPr>
+            <a:r>
+              <a:t>RStudio® is a trademark of RStudio, Inc.  •  </a:t>
+            </a:r>
+            <a:r>
+              <a:rPr>
+                <a:hlinkClick r:id="rId3"/>
+              </a:rPr>
+              <a:t>CC BY SA</a:t>
+            </a:r>
+            <a:r>
+              <a:t> RStudio •  </a:t>
+            </a:r>
+            <a:r>
+              <a:rPr>
+                <a:hlinkClick r:id="rId4"/>
+              </a:rPr>
+              <a:t>info@rstudio.com</a:t>
+            </a:r>
+            <a:r>
+              <a:t>  •  844-448-1212 • </a:t>
+            </a:r>
+            <a:r>
+              <a:rPr>
+                <a:hlinkClick r:id="rId5"/>
+              </a:rPr>
+              <a:t>rstudio.com</a:t>
+            </a:r>
+            <a:r>
+              <a:t> •  Learn more at </a:t>
+            </a:r>
+            <a:r>
+              <a:rPr b="1"/>
+              <a:t>shiny.rstudio.com</a:t>
+            </a:r>
+            <a:r>
+              <a:t>  •  shiny  0.12.0  •  Updated: 2016-01</a:t>
+            </a:r>
+          </a:p>
+        </p:txBody>
+      </p:sp>
+      <p:sp>
+        <p:nvSpPr>
+          <p:cNvPr id="147" name="Building an App">
+            <a:extLst>
+              <a:ext uri="{FF2B5EF4-FFF2-40B4-BE49-F238E27FC236}">
+                <a16:creationId xmlns:a16="http://schemas.microsoft.com/office/drawing/2014/main" id="{4C1E9947-9B30-8140-A23D-2AC711A5A2E2}"/>
+              </a:ext>
+            </a:extLst>
+          </p:cNvPr>
+          <p:cNvSpPr txBox="1"/>
+          <p:nvPr/>
+        </p:nvSpPr>
+        <p:spPr>
+          <a:xfrm>
+            <a:off x="317404" y="458008"/>
+            <a:ext cx="1534074" cy="340029"/>
+          </a:xfrm>
+          <a:prstGeom prst="rect">
+            <a:avLst/>
+          </a:prstGeom>
+          <a:ln w="12700">
+            <a:miter lim="400000"/>
+          </a:ln>
+          <a:extLst>
+            <a:ext uri="{C572A759-6A51-4108-AA02-DFA0A04FC94B}">
+              <ma14:wrappingTextBoxFlag xmlns="" xmlns:m="http://schemas.openxmlformats.org/officeDocument/2006/math" xmlns:a14="http://schemas.microsoft.com/office/drawing/2010/main" xmlns:ma14="http://schemas.microsoft.com/office/mac/drawingml/2011/main" val="1"/>
+            </a:ext>
+          </a:extLst>
+        </p:spPr>
+        <p:txBody>
+          <a:bodyPr wrap="none" lIns="12700" tIns="12700" rIns="12700" bIns="12700" anchor="ctr">
+            <a:spAutoFit/>
+          </a:bodyPr>
+          <a:lstStyle/>
+          <a:p>
+            <a:pPr lvl="1" indent="0">
+              <a:lnSpc>
+                <a:spcPct val="80000"/>
+              </a:lnSpc>
+              <a:spcBef>
+                <a:spcPts val="0"/>
+              </a:spcBef>
+              <a:defRPr sz="2500" b="0">
+                <a:solidFill>
+                  <a:srgbClr val="5589C5"/>
+                </a:solidFill>
+              </a:defRPr>
+            </a:pPr>
+            <a:r>
+              <a:rPr lang="en-US" dirty="0"/>
+              <a:t>UI: Widgets</a:t>
+            </a:r>
+            <a:endParaRPr dirty="0"/>
+          </a:p>
+        </p:txBody>
+      </p:sp>
+      <p:sp>
+        <p:nvSpPr>
+          <p:cNvPr id="2" name="Rectangle 1">
+            <a:extLst>
+              <a:ext uri="{FF2B5EF4-FFF2-40B4-BE49-F238E27FC236}">
+                <a16:creationId xmlns:a16="http://schemas.microsoft.com/office/drawing/2014/main" id="{66B86234-A9A5-A34A-BF40-5987E38E587A}"/>
+              </a:ext>
+            </a:extLst>
+          </p:cNvPr>
+          <p:cNvSpPr/>
+          <p:nvPr/>
+        </p:nvSpPr>
+        <p:spPr>
+          <a:xfrm>
+            <a:off x="317404" y="828315"/>
+            <a:ext cx="3351880" cy="830997"/>
+          </a:xfrm>
+          <a:prstGeom prst="rect">
+            <a:avLst/>
+          </a:prstGeom>
+        </p:spPr>
+        <p:txBody>
+          <a:bodyPr wrap="square">
+            <a:spAutoFit/>
+          </a:bodyPr>
+          <a:lstStyle/>
+          <a:p>
+            <a:r>
+              <a:rPr lang="en-US" b="0" dirty="0" err="1">
+                <a:solidFill>
+                  <a:schemeClr val="bg2">
+                    <a:lumMod val="10000"/>
+                  </a:schemeClr>
+                </a:solidFill>
+              </a:rPr>
+              <a:t>shinyMobile</a:t>
+            </a:r>
+            <a:r>
+              <a:rPr lang="en-US" b="0" dirty="0">
+                <a:solidFill>
+                  <a:schemeClr val="bg2">
+                    <a:lumMod val="10000"/>
+                  </a:schemeClr>
+                </a:solidFill>
+              </a:rPr>
+              <a:t> has brand new widgets for Shiny! Some of them have their own design depending on the currently selected skin (iOS, material or desktop)</a:t>
+            </a:r>
+            <a:endParaRPr lang="en-US" dirty="0">
+              <a:solidFill>
+                <a:schemeClr val="bg2">
+                  <a:lumMod val="10000"/>
+                </a:schemeClr>
+              </a:solidFill>
+            </a:endParaRPr>
+          </a:p>
+        </p:txBody>
+      </p:sp>
+      <p:sp>
+        <p:nvSpPr>
+          <p:cNvPr id="52" name="APP TEMPLATE">
+            <a:extLst>
+              <a:ext uri="{FF2B5EF4-FFF2-40B4-BE49-F238E27FC236}">
+                <a16:creationId xmlns:a16="http://schemas.microsoft.com/office/drawing/2014/main" id="{0D54F4CB-A3DC-DB41-A0FE-3E352E4C9FDE}"/>
+              </a:ext>
+            </a:extLst>
+          </p:cNvPr>
+          <p:cNvSpPr txBox="1"/>
+          <p:nvPr/>
+        </p:nvSpPr>
+        <p:spPr>
+          <a:xfrm>
+            <a:off x="373146" y="1813661"/>
+            <a:ext cx="931345" cy="210314"/>
+          </a:xfrm>
+          <a:prstGeom prst="rect">
+            <a:avLst/>
+          </a:prstGeom>
+          <a:ln w="12700">
+            <a:miter lim="400000"/>
+          </a:ln>
+          <a:extLst>
+            <a:ext uri="{C572A759-6A51-4108-AA02-DFA0A04FC94B}">
+              <ma14:wrappingTextBoxFlag xmlns="" xmlns:m="http://schemas.openxmlformats.org/officeDocument/2006/math" xmlns:a14="http://schemas.microsoft.com/office/drawing/2010/main" xmlns:ma14="http://schemas.microsoft.com/office/mac/drawingml/2011/main" val="1"/>
+            </a:ext>
+          </a:extLst>
+        </p:spPr>
+        <p:txBody>
+          <a:bodyPr wrap="none" lIns="12700" tIns="12700" rIns="12700" bIns="12700" anchor="ctr">
+            <a:spAutoFit/>
+          </a:bodyPr>
+          <a:lstStyle/>
+          <a:p>
+            <a:pPr lvl="1" indent="0"/>
+            <a:r>
+              <a:rPr lang="en-US" dirty="0"/>
+              <a:t>ACCORDIONS</a:t>
+            </a:r>
+            <a:endParaRPr dirty="0"/>
+          </a:p>
+        </p:txBody>
+      </p:sp>
+      <p:sp>
+        <p:nvSpPr>
+          <p:cNvPr id="53" name="Line">
+            <a:extLst>
+              <a:ext uri="{FF2B5EF4-FFF2-40B4-BE49-F238E27FC236}">
+                <a16:creationId xmlns:a16="http://schemas.microsoft.com/office/drawing/2014/main" id="{C75B842B-05C1-D448-8094-355AF1851439}"/>
+              </a:ext>
+            </a:extLst>
+          </p:cNvPr>
+          <p:cNvSpPr/>
+          <p:nvPr/>
+        </p:nvSpPr>
+        <p:spPr>
+          <a:xfrm>
+            <a:off x="331905" y="1689589"/>
+            <a:ext cx="3031484" cy="1"/>
+          </a:xfrm>
+          <a:prstGeom prst="line">
+            <a:avLst/>
+          </a:prstGeom>
+          <a:ln w="12700">
+            <a:solidFill>
+              <a:srgbClr val="4C4C4C"/>
+            </a:solidFill>
+            <a:custDash>
+              <a:ds d="100000" sp="200000"/>
+            </a:custDash>
+          </a:ln>
+        </p:spPr>
+        <p:txBody>
+          <a:bodyPr lIns="54570" tIns="54570" rIns="54570" bIns="54570" anchor="ctr"/>
+          <a:lstStyle/>
+          <a:p>
+            <a:pPr>
+              <a:lnSpc>
+                <a:spcPct val="80000"/>
+              </a:lnSpc>
+              <a:spcBef>
+                <a:spcPts val="600"/>
+              </a:spcBef>
+              <a:defRPr b="0">
+                <a:solidFill>
+                  <a:srgbClr val="000000"/>
+                </a:solidFill>
+              </a:defRPr>
+            </a:pPr>
+            <a:endParaRPr/>
+          </a:p>
+        </p:txBody>
+      </p:sp>
+      <p:sp>
+        <p:nvSpPr>
+          <p:cNvPr id="58" name="APP TEMPLATE">
+            <a:extLst>
+              <a:ext uri="{FF2B5EF4-FFF2-40B4-BE49-F238E27FC236}">
+                <a16:creationId xmlns:a16="http://schemas.microsoft.com/office/drawing/2014/main" id="{67CA4940-F518-DE48-A55B-0BDF73AE491F}"/>
+              </a:ext>
+            </a:extLst>
+          </p:cNvPr>
+          <p:cNvSpPr txBox="1"/>
+          <p:nvPr/>
+        </p:nvSpPr>
+        <p:spPr>
+          <a:xfrm>
+            <a:off x="365132" y="5291249"/>
+            <a:ext cx="572273" cy="210314"/>
+          </a:xfrm>
+          <a:prstGeom prst="rect">
+            <a:avLst/>
+          </a:prstGeom>
+          <a:ln w="12700">
+            <a:miter lim="400000"/>
+          </a:ln>
+          <a:extLst>
+            <a:ext uri="{C572A759-6A51-4108-AA02-DFA0A04FC94B}">
+              <ma14:wrappingTextBoxFlag xmlns="" xmlns:m="http://schemas.openxmlformats.org/officeDocument/2006/math" xmlns:a14="http://schemas.microsoft.com/office/drawing/2010/main" xmlns:ma14="http://schemas.microsoft.com/office/mac/drawingml/2011/main" val="1"/>
+            </a:ext>
+          </a:extLst>
+        </p:spPr>
+        <p:txBody>
+          <a:bodyPr wrap="none" lIns="12700" tIns="12700" rIns="12700" bIns="12700" anchor="ctr">
+            <a:spAutoFit/>
+          </a:bodyPr>
+          <a:lstStyle/>
+          <a:p>
+            <a:pPr lvl="1" indent="0"/>
+            <a:r>
+              <a:rPr lang="en-US" dirty="0"/>
+              <a:t>BADGES</a:t>
+            </a:r>
+            <a:endParaRPr dirty="0"/>
+          </a:p>
+        </p:txBody>
+      </p:sp>
+      <p:sp>
+        <p:nvSpPr>
+          <p:cNvPr id="59" name="Line">
+            <a:extLst>
+              <a:ext uri="{FF2B5EF4-FFF2-40B4-BE49-F238E27FC236}">
+                <a16:creationId xmlns:a16="http://schemas.microsoft.com/office/drawing/2014/main" id="{4DFCC866-4566-954A-8290-EF05D3FFEEA9}"/>
+              </a:ext>
+            </a:extLst>
+          </p:cNvPr>
+          <p:cNvSpPr/>
+          <p:nvPr/>
+        </p:nvSpPr>
+        <p:spPr>
+          <a:xfrm>
+            <a:off x="323891" y="5167177"/>
+            <a:ext cx="3031484" cy="1"/>
+          </a:xfrm>
+          <a:prstGeom prst="line">
+            <a:avLst/>
+          </a:prstGeom>
+          <a:ln w="12700">
+            <a:solidFill>
+              <a:srgbClr val="4C4C4C"/>
+            </a:solidFill>
+            <a:custDash>
+              <a:ds d="100000" sp="200000"/>
+            </a:custDash>
+          </a:ln>
+        </p:spPr>
+        <p:txBody>
+          <a:bodyPr lIns="54570" tIns="54570" rIns="54570" bIns="54570" anchor="ctr"/>
+          <a:lstStyle/>
+          <a:p>
+            <a:pPr>
+              <a:lnSpc>
+                <a:spcPct val="80000"/>
+              </a:lnSpc>
+              <a:spcBef>
+                <a:spcPts val="600"/>
+              </a:spcBef>
+              <a:defRPr b="0">
+                <a:solidFill>
+                  <a:srgbClr val="000000"/>
+                </a:solidFill>
+              </a:defRPr>
+            </a:pPr>
+            <a:endParaRPr/>
+          </a:p>
+        </p:txBody>
+      </p:sp>
+      <p:sp>
+        <p:nvSpPr>
+          <p:cNvPr id="69" name="APP TEMPLATE">
+            <a:extLst>
+              <a:ext uri="{FF2B5EF4-FFF2-40B4-BE49-F238E27FC236}">
+                <a16:creationId xmlns:a16="http://schemas.microsoft.com/office/drawing/2014/main" id="{F92D39DC-E860-2343-94E7-6F1548FBB987}"/>
+              </a:ext>
+            </a:extLst>
+          </p:cNvPr>
+          <p:cNvSpPr txBox="1"/>
+          <p:nvPr/>
+        </p:nvSpPr>
+        <p:spPr>
+          <a:xfrm>
+            <a:off x="1363403" y="5977810"/>
+            <a:ext cx="439223" cy="210314"/>
+          </a:xfrm>
+          <a:prstGeom prst="rect">
+            <a:avLst/>
+          </a:prstGeom>
+          <a:ln w="12700">
+            <a:miter lim="400000"/>
+          </a:ln>
+          <a:extLst>
+            <a:ext uri="{C572A759-6A51-4108-AA02-DFA0A04FC94B}">
+              <ma14:wrappingTextBoxFlag xmlns="" xmlns:m="http://schemas.openxmlformats.org/officeDocument/2006/math" xmlns:a14="http://schemas.microsoft.com/office/drawing/2010/main" xmlns:ma14="http://schemas.microsoft.com/office/mac/drawingml/2011/main" val="1"/>
+            </a:ext>
+          </a:extLst>
+        </p:spPr>
+        <p:txBody>
+          <a:bodyPr wrap="none" lIns="12700" tIns="12700" rIns="12700" bIns="12700" anchor="ctr">
+            <a:spAutoFit/>
+          </a:bodyPr>
+          <a:lstStyle/>
+          <a:p>
+            <a:pPr lvl="1" indent="0"/>
+            <a:r>
+              <a:rPr lang="en-US" dirty="0">
+                <a:solidFill>
+                  <a:schemeClr val="bg1">
+                    <a:lumMod val="65000"/>
+                  </a:schemeClr>
+                </a:solidFill>
+              </a:rPr>
+              <a:t>LIGHT</a:t>
+            </a:r>
+            <a:endParaRPr dirty="0">
+              <a:solidFill>
+                <a:schemeClr val="bg1">
+                  <a:lumMod val="65000"/>
+                </a:schemeClr>
+              </a:solidFill>
+            </a:endParaRPr>
+          </a:p>
+        </p:txBody>
+      </p:sp>
+      <p:sp>
+        <p:nvSpPr>
+          <p:cNvPr id="70" name="APP TEMPLATE">
+            <a:extLst>
+              <a:ext uri="{FF2B5EF4-FFF2-40B4-BE49-F238E27FC236}">
+                <a16:creationId xmlns:a16="http://schemas.microsoft.com/office/drawing/2014/main" id="{A24891EA-C2D5-E945-9B3E-E2F26E77F794}"/>
+              </a:ext>
+            </a:extLst>
+          </p:cNvPr>
+          <p:cNvSpPr txBox="1"/>
+          <p:nvPr/>
+        </p:nvSpPr>
+        <p:spPr>
+          <a:xfrm>
+            <a:off x="1363403" y="6808214"/>
+            <a:ext cx="400751" cy="210314"/>
+          </a:xfrm>
+          <a:prstGeom prst="rect">
+            <a:avLst/>
+          </a:prstGeom>
+          <a:ln w="12700">
+            <a:miter lim="400000"/>
+          </a:ln>
+          <a:extLst>
+            <a:ext uri="{C572A759-6A51-4108-AA02-DFA0A04FC94B}">
+              <ma14:wrappingTextBoxFlag xmlns="" xmlns:m="http://schemas.openxmlformats.org/officeDocument/2006/math" xmlns:a14="http://schemas.microsoft.com/office/drawing/2010/main" xmlns:ma14="http://schemas.microsoft.com/office/mac/drawingml/2011/main" val="1"/>
+            </a:ext>
+          </a:extLst>
+        </p:spPr>
+        <p:txBody>
+          <a:bodyPr wrap="none" lIns="12700" tIns="12700" rIns="12700" bIns="12700" anchor="ctr">
+            <a:spAutoFit/>
+          </a:bodyPr>
+          <a:lstStyle/>
+          <a:p>
+            <a:pPr lvl="1" indent="0"/>
+            <a:r>
+              <a:rPr lang="en-US" dirty="0">
+                <a:solidFill>
+                  <a:schemeClr val="bg1">
+                    <a:lumMod val="65000"/>
+                  </a:schemeClr>
+                </a:solidFill>
+              </a:rPr>
+              <a:t>DARK</a:t>
+            </a:r>
+            <a:endParaRPr dirty="0">
+              <a:solidFill>
+                <a:schemeClr val="bg1">
+                  <a:lumMod val="65000"/>
+                </a:schemeClr>
+              </a:solidFill>
+            </a:endParaRPr>
+          </a:p>
+        </p:txBody>
+      </p:sp>
+      <p:sp>
+        <p:nvSpPr>
+          <p:cNvPr id="73" name="APP TEMPLATE">
+            <a:extLst>
+              <a:ext uri="{FF2B5EF4-FFF2-40B4-BE49-F238E27FC236}">
+                <a16:creationId xmlns:a16="http://schemas.microsoft.com/office/drawing/2014/main" id="{FCCFBBE5-5E42-524E-BA65-08E40F9D5DE6}"/>
+              </a:ext>
+            </a:extLst>
+          </p:cNvPr>
+          <p:cNvSpPr txBox="1"/>
+          <p:nvPr/>
+        </p:nvSpPr>
+        <p:spPr>
+          <a:xfrm>
+            <a:off x="349577" y="8033850"/>
+            <a:ext cx="442429" cy="210314"/>
+          </a:xfrm>
+          <a:prstGeom prst="rect">
+            <a:avLst/>
+          </a:prstGeom>
+          <a:ln w="12700">
+            <a:miter lim="400000"/>
+          </a:ln>
+          <a:extLst>
+            <a:ext uri="{C572A759-6A51-4108-AA02-DFA0A04FC94B}">
+              <ma14:wrappingTextBoxFlag xmlns="" xmlns:m="http://schemas.openxmlformats.org/officeDocument/2006/math" xmlns:a14="http://schemas.microsoft.com/office/drawing/2010/main" xmlns:ma14="http://schemas.microsoft.com/office/mac/drawingml/2011/main" val="1"/>
+            </a:ext>
+          </a:extLst>
+        </p:spPr>
+        <p:txBody>
+          <a:bodyPr wrap="none" lIns="12700" tIns="12700" rIns="12700" bIns="12700" anchor="ctr">
+            <a:spAutoFit/>
+          </a:bodyPr>
+          <a:lstStyle/>
+          <a:p>
+            <a:pPr lvl="1" indent="0"/>
+            <a:r>
+              <a:rPr lang="en-US" dirty="0"/>
+              <a:t>CHIPS</a:t>
+            </a:r>
+            <a:endParaRPr dirty="0"/>
+          </a:p>
+        </p:txBody>
+      </p:sp>
+      <p:sp>
+        <p:nvSpPr>
+          <p:cNvPr id="74" name="Line">
+            <a:extLst>
+              <a:ext uri="{FF2B5EF4-FFF2-40B4-BE49-F238E27FC236}">
+                <a16:creationId xmlns:a16="http://schemas.microsoft.com/office/drawing/2014/main" id="{5FB604C9-81D5-844E-8D6C-2D3F43068D79}"/>
+              </a:ext>
+            </a:extLst>
+          </p:cNvPr>
+          <p:cNvSpPr/>
+          <p:nvPr/>
+        </p:nvSpPr>
+        <p:spPr>
+          <a:xfrm>
+            <a:off x="308336" y="7909778"/>
+            <a:ext cx="3031484" cy="1"/>
+          </a:xfrm>
+          <a:prstGeom prst="line">
+            <a:avLst/>
+          </a:prstGeom>
+          <a:ln w="12700">
+            <a:solidFill>
+              <a:srgbClr val="4C4C4C"/>
+            </a:solidFill>
+            <a:custDash>
+              <a:ds d="100000" sp="200000"/>
+            </a:custDash>
+          </a:ln>
+        </p:spPr>
+        <p:txBody>
+          <a:bodyPr lIns="54570" tIns="54570" rIns="54570" bIns="54570" anchor="ctr"/>
+          <a:lstStyle/>
+          <a:p>
+            <a:pPr>
+              <a:lnSpc>
+                <a:spcPct val="80000"/>
+              </a:lnSpc>
+              <a:spcBef>
+                <a:spcPts val="600"/>
+              </a:spcBef>
+              <a:defRPr b="0">
+                <a:solidFill>
+                  <a:srgbClr val="000000"/>
+                </a:solidFill>
+              </a:defRPr>
+            </a:pPr>
+            <a:endParaRPr/>
+          </a:p>
+        </p:txBody>
+      </p:sp>
+      <p:sp>
+        <p:nvSpPr>
+          <p:cNvPr id="78" name="Line">
+            <a:extLst>
+              <a:ext uri="{FF2B5EF4-FFF2-40B4-BE49-F238E27FC236}">
+                <a16:creationId xmlns:a16="http://schemas.microsoft.com/office/drawing/2014/main" id="{747CD543-ABE3-E84B-B11F-78AA6A99E4F0}"/>
+              </a:ext>
+            </a:extLst>
+          </p:cNvPr>
+          <p:cNvSpPr/>
+          <p:nvPr/>
+        </p:nvSpPr>
+        <p:spPr>
+          <a:xfrm>
+            <a:off x="3732291" y="427993"/>
+            <a:ext cx="3026167" cy="15276"/>
+          </a:xfrm>
+          <a:prstGeom prst="line">
+            <a:avLst/>
+          </a:prstGeom>
+          <a:ln w="6350">
+            <a:solidFill>
+              <a:srgbClr val="797979"/>
+            </a:solidFill>
+            <a:miter lim="400000"/>
+          </a:ln>
+        </p:spPr>
+        <p:txBody>
+          <a:bodyPr lIns="54570" tIns="54570" rIns="54570" bIns="54570" anchor="ctr"/>
+          <a:lstStyle/>
+          <a:p>
+            <a:pPr>
+              <a:lnSpc>
+                <a:spcPct val="80000"/>
+              </a:lnSpc>
+              <a:spcBef>
+                <a:spcPts val="600"/>
+              </a:spcBef>
+              <a:defRPr b="0">
+                <a:solidFill>
+                  <a:srgbClr val="000000"/>
+                </a:solidFill>
+              </a:defRPr>
+            </a:pPr>
+            <a:endParaRPr/>
+          </a:p>
+        </p:txBody>
+      </p:sp>
+      <p:sp>
+        <p:nvSpPr>
+          <p:cNvPr id="79" name="Line">
+            <a:extLst>
+              <a:ext uri="{FF2B5EF4-FFF2-40B4-BE49-F238E27FC236}">
+                <a16:creationId xmlns:a16="http://schemas.microsoft.com/office/drawing/2014/main" id="{E55B6DED-FE06-4640-AE01-2D14D5785531}"/>
+              </a:ext>
+            </a:extLst>
+          </p:cNvPr>
+          <p:cNvSpPr/>
+          <p:nvPr/>
+        </p:nvSpPr>
+        <p:spPr>
+          <a:xfrm>
+            <a:off x="7074570" y="443269"/>
+            <a:ext cx="3026167" cy="15276"/>
+          </a:xfrm>
+          <a:prstGeom prst="line">
+            <a:avLst/>
+          </a:prstGeom>
+          <a:ln w="6350">
+            <a:solidFill>
+              <a:srgbClr val="797979"/>
+            </a:solidFill>
+            <a:miter lim="400000"/>
+          </a:ln>
+        </p:spPr>
+        <p:txBody>
+          <a:bodyPr lIns="54570" tIns="54570" rIns="54570" bIns="54570" anchor="ctr"/>
+          <a:lstStyle/>
+          <a:p>
+            <a:pPr>
+              <a:lnSpc>
+                <a:spcPct val="80000"/>
+              </a:lnSpc>
+              <a:spcBef>
+                <a:spcPts val="600"/>
+              </a:spcBef>
+              <a:defRPr b="0">
+                <a:solidFill>
+                  <a:srgbClr val="000000"/>
+                </a:solidFill>
+              </a:defRPr>
+            </a:pPr>
+            <a:endParaRPr/>
+          </a:p>
+        </p:txBody>
+      </p:sp>
+      <p:sp>
+        <p:nvSpPr>
+          <p:cNvPr id="80" name="Line">
+            <a:extLst>
+              <a:ext uri="{FF2B5EF4-FFF2-40B4-BE49-F238E27FC236}">
+                <a16:creationId xmlns:a16="http://schemas.microsoft.com/office/drawing/2014/main" id="{6CAA08FC-2B17-5D43-968A-88DB1C27AE20}"/>
+              </a:ext>
+            </a:extLst>
+          </p:cNvPr>
+          <p:cNvSpPr/>
+          <p:nvPr/>
+        </p:nvSpPr>
+        <p:spPr>
+          <a:xfrm>
+            <a:off x="10487801" y="465631"/>
+            <a:ext cx="3026167" cy="15276"/>
+          </a:xfrm>
+          <a:prstGeom prst="line">
+            <a:avLst/>
+          </a:prstGeom>
+          <a:ln w="6350">
+            <a:solidFill>
+              <a:srgbClr val="797979"/>
+            </a:solidFill>
+            <a:miter lim="400000"/>
+          </a:ln>
+        </p:spPr>
+        <p:txBody>
+          <a:bodyPr lIns="54570" tIns="54570" rIns="54570" bIns="54570" anchor="ctr"/>
+          <a:lstStyle/>
+          <a:p>
+            <a:pPr>
+              <a:lnSpc>
+                <a:spcPct val="80000"/>
+              </a:lnSpc>
+              <a:spcBef>
+                <a:spcPts val="600"/>
+              </a:spcBef>
+              <a:defRPr b="0">
+                <a:solidFill>
+                  <a:srgbClr val="000000"/>
+                </a:solidFill>
+              </a:defRPr>
+            </a:pPr>
+            <a:endParaRPr/>
+          </a:p>
+        </p:txBody>
+      </p:sp>
+      <p:sp>
+        <p:nvSpPr>
+          <p:cNvPr id="91" name="APP TEMPLATE">
+            <a:extLst>
+              <a:ext uri="{FF2B5EF4-FFF2-40B4-BE49-F238E27FC236}">
+                <a16:creationId xmlns:a16="http://schemas.microsoft.com/office/drawing/2014/main" id="{1B1D9B10-D943-AC43-885A-5FE89013E436}"/>
+              </a:ext>
+            </a:extLst>
+          </p:cNvPr>
+          <p:cNvSpPr txBox="1"/>
+          <p:nvPr/>
+        </p:nvSpPr>
+        <p:spPr>
+          <a:xfrm>
+            <a:off x="4192316" y="1693566"/>
+            <a:ext cx="258084" cy="210314"/>
+          </a:xfrm>
+          <a:prstGeom prst="rect">
+            <a:avLst/>
+          </a:prstGeom>
+          <a:ln w="12700">
+            <a:miter lim="400000"/>
+          </a:ln>
+          <a:extLst>
+            <a:ext uri="{C572A759-6A51-4108-AA02-DFA0A04FC94B}">
+              <ma14:wrappingTextBoxFlag xmlns="" xmlns:m="http://schemas.openxmlformats.org/officeDocument/2006/math" xmlns:a14="http://schemas.microsoft.com/office/drawing/2010/main" xmlns:ma14="http://schemas.microsoft.com/office/mac/drawingml/2011/main" val="1"/>
+            </a:ext>
+          </a:extLst>
+        </p:spPr>
+        <p:txBody>
+          <a:bodyPr wrap="none" lIns="12700" tIns="12700" rIns="12700" bIns="12700" anchor="ctr">
+            <a:spAutoFit/>
+          </a:bodyPr>
+          <a:lstStyle/>
+          <a:p>
+            <a:pPr lvl="1" indent="0"/>
+            <a:r>
+              <a:rPr lang="en-US" dirty="0">
+                <a:solidFill>
+                  <a:schemeClr val="bg1">
+                    <a:lumMod val="65000"/>
+                  </a:schemeClr>
+                </a:solidFill>
+              </a:rPr>
+              <a:t>iOS</a:t>
+            </a:r>
+            <a:endParaRPr dirty="0">
+              <a:solidFill>
+                <a:schemeClr val="bg1">
+                  <a:lumMod val="65000"/>
+                </a:schemeClr>
+              </a:solidFill>
+            </a:endParaRPr>
+          </a:p>
+        </p:txBody>
+      </p:sp>
+      <p:sp>
+        <p:nvSpPr>
+          <p:cNvPr id="92" name="APP TEMPLATE">
+            <a:extLst>
+              <a:ext uri="{FF2B5EF4-FFF2-40B4-BE49-F238E27FC236}">
+                <a16:creationId xmlns:a16="http://schemas.microsoft.com/office/drawing/2014/main" id="{5577E90C-30FA-3B47-A70E-56BA89B076DD}"/>
+              </a:ext>
+            </a:extLst>
+          </p:cNvPr>
+          <p:cNvSpPr txBox="1"/>
+          <p:nvPr/>
+        </p:nvSpPr>
+        <p:spPr>
+          <a:xfrm>
+            <a:off x="5665711" y="1698497"/>
+            <a:ext cx="240450" cy="210314"/>
+          </a:xfrm>
+          <a:prstGeom prst="rect">
+            <a:avLst/>
+          </a:prstGeom>
+          <a:ln w="12700">
+            <a:miter lim="400000"/>
+          </a:ln>
+          <a:extLst>
+            <a:ext uri="{C572A759-6A51-4108-AA02-DFA0A04FC94B}">
+              <ma14:wrappingTextBoxFlag xmlns="" xmlns:m="http://schemas.openxmlformats.org/officeDocument/2006/math" xmlns:a14="http://schemas.microsoft.com/office/drawing/2010/main" xmlns:ma14="http://schemas.microsoft.com/office/mac/drawingml/2011/main" val="1"/>
+            </a:ext>
+          </a:extLst>
+        </p:spPr>
+        <p:txBody>
+          <a:bodyPr wrap="none" lIns="12700" tIns="12700" rIns="12700" bIns="12700" anchor="ctr">
+            <a:spAutoFit/>
+          </a:bodyPr>
+          <a:lstStyle/>
+          <a:p>
+            <a:pPr lvl="1" indent="0"/>
+            <a:r>
+              <a:rPr lang="en-US" dirty="0">
+                <a:solidFill>
+                  <a:schemeClr val="bg1">
+                    <a:lumMod val="65000"/>
+                  </a:schemeClr>
+                </a:solidFill>
+              </a:rPr>
+              <a:t>MD</a:t>
+            </a:r>
+            <a:endParaRPr dirty="0">
+              <a:solidFill>
+                <a:schemeClr val="bg1">
+                  <a:lumMod val="65000"/>
+                </a:schemeClr>
+              </a:solidFill>
+            </a:endParaRPr>
+          </a:p>
+        </p:txBody>
+      </p:sp>
+      <p:sp>
+        <p:nvSpPr>
+          <p:cNvPr id="98" name="APP TEMPLATE">
+            <a:extLst>
+              <a:ext uri="{FF2B5EF4-FFF2-40B4-BE49-F238E27FC236}">
+                <a16:creationId xmlns:a16="http://schemas.microsoft.com/office/drawing/2014/main" id="{E02B9F43-668E-1B46-9F79-DB9F9B0B8A59}"/>
+              </a:ext>
+            </a:extLst>
+          </p:cNvPr>
+          <p:cNvSpPr txBox="1"/>
+          <p:nvPr/>
+        </p:nvSpPr>
+        <p:spPr>
+          <a:xfrm>
+            <a:off x="3820087" y="3548421"/>
+            <a:ext cx="25713" cy="210314"/>
+          </a:xfrm>
+          <a:prstGeom prst="rect">
+            <a:avLst/>
+          </a:prstGeom>
+          <a:ln w="12700">
+            <a:miter lim="400000"/>
+          </a:ln>
+          <a:extLst>
+            <a:ext uri="{C572A759-6A51-4108-AA02-DFA0A04FC94B}">
+              <ma14:wrappingTextBoxFlag xmlns="" xmlns:m="http://schemas.openxmlformats.org/officeDocument/2006/math" xmlns:a14="http://schemas.microsoft.com/office/drawing/2010/main" xmlns:ma14="http://schemas.microsoft.com/office/mac/drawingml/2011/main" val="1"/>
+            </a:ext>
+          </a:extLst>
+        </p:spPr>
+        <p:txBody>
+          <a:bodyPr wrap="none" lIns="12700" tIns="12700" rIns="12700" bIns="12700" anchor="ctr">
+            <a:spAutoFit/>
+          </a:bodyPr>
+          <a:lstStyle/>
+          <a:p>
+            <a:pPr lvl="1" indent="0"/>
+            <a:endParaRPr dirty="0"/>
+          </a:p>
+        </p:txBody>
+      </p:sp>
+      <p:sp>
+        <p:nvSpPr>
+          <p:cNvPr id="116" name="APP TEMPLATE">
+            <a:extLst>
+              <a:ext uri="{FF2B5EF4-FFF2-40B4-BE49-F238E27FC236}">
+                <a16:creationId xmlns:a16="http://schemas.microsoft.com/office/drawing/2014/main" id="{94B108A6-831A-5F41-A59A-F67D147B68EE}"/>
+              </a:ext>
+            </a:extLst>
+          </p:cNvPr>
+          <p:cNvSpPr txBox="1"/>
+          <p:nvPr/>
+        </p:nvSpPr>
+        <p:spPr>
+          <a:xfrm>
+            <a:off x="3853215" y="4266883"/>
+            <a:ext cx="1231106" cy="210314"/>
+          </a:xfrm>
+          <a:prstGeom prst="rect">
+            <a:avLst/>
+          </a:prstGeom>
+          <a:ln w="12700">
+            <a:miter lim="400000"/>
+          </a:ln>
+          <a:extLst>
+            <a:ext uri="{C572A759-6A51-4108-AA02-DFA0A04FC94B}">
+              <ma14:wrappingTextBoxFlag xmlns="" xmlns:m="http://schemas.openxmlformats.org/officeDocument/2006/math" xmlns:a14="http://schemas.microsoft.com/office/drawing/2010/main" xmlns:ma14="http://schemas.microsoft.com/office/mac/drawingml/2011/main" val="1"/>
+            </a:ext>
+          </a:extLst>
+        </p:spPr>
+        <p:txBody>
+          <a:bodyPr wrap="none" lIns="12700" tIns="12700" rIns="12700" bIns="12700" anchor="ctr">
+            <a:spAutoFit/>
+          </a:bodyPr>
+          <a:lstStyle/>
+          <a:p>
+            <a:pPr lvl="1" indent="0"/>
+            <a:r>
+              <a:rPr lang="en-US" dirty="0"/>
+              <a:t>PHOTO BROWSER</a:t>
+            </a:r>
+            <a:endParaRPr dirty="0"/>
+          </a:p>
+        </p:txBody>
+      </p:sp>
+      <p:sp>
+        <p:nvSpPr>
+          <p:cNvPr id="117" name="Line">
+            <a:extLst>
+              <a:ext uri="{FF2B5EF4-FFF2-40B4-BE49-F238E27FC236}">
+                <a16:creationId xmlns:a16="http://schemas.microsoft.com/office/drawing/2014/main" id="{ADAE7DF3-86F2-1146-BF27-8AB81AD30C64}"/>
+              </a:ext>
+            </a:extLst>
+          </p:cNvPr>
+          <p:cNvSpPr/>
+          <p:nvPr/>
+        </p:nvSpPr>
+        <p:spPr>
+          <a:xfrm>
+            <a:off x="3811974" y="4142811"/>
+            <a:ext cx="3031484" cy="1"/>
+          </a:xfrm>
+          <a:prstGeom prst="line">
+            <a:avLst/>
+          </a:prstGeom>
+          <a:ln w="12700">
+            <a:solidFill>
+              <a:srgbClr val="4C4C4C"/>
+            </a:solidFill>
+            <a:custDash>
+              <a:ds d="100000" sp="200000"/>
+            </a:custDash>
+          </a:ln>
+        </p:spPr>
+        <p:txBody>
+          <a:bodyPr lIns="54570" tIns="54570" rIns="54570" bIns="54570" anchor="ctr"/>
+          <a:lstStyle/>
+          <a:p>
+            <a:pPr>
+              <a:lnSpc>
+                <a:spcPct val="80000"/>
+              </a:lnSpc>
+              <a:spcBef>
+                <a:spcPts val="600"/>
+              </a:spcBef>
+              <a:defRPr b="0">
+                <a:solidFill>
+                  <a:srgbClr val="000000"/>
+                </a:solidFill>
+              </a:defRPr>
+            </a:pPr>
+            <a:endParaRPr/>
+          </a:p>
+        </p:txBody>
+      </p:sp>
+      <p:sp>
+        <p:nvSpPr>
+          <p:cNvPr id="126" name="APP TEMPLATE">
+            <a:extLst>
+              <a:ext uri="{FF2B5EF4-FFF2-40B4-BE49-F238E27FC236}">
+                <a16:creationId xmlns:a16="http://schemas.microsoft.com/office/drawing/2014/main" id="{A09BE1BD-1A63-E947-82A8-6A31B68BC6ED}"/>
+              </a:ext>
+            </a:extLst>
+          </p:cNvPr>
+          <p:cNvSpPr txBox="1"/>
+          <p:nvPr/>
+        </p:nvSpPr>
+        <p:spPr>
+          <a:xfrm>
+            <a:off x="7090166" y="540068"/>
+            <a:ext cx="2632131" cy="210314"/>
+          </a:xfrm>
+          <a:prstGeom prst="rect">
+            <a:avLst/>
+          </a:prstGeom>
+          <a:ln w="12700">
+            <a:miter lim="400000"/>
+          </a:ln>
+          <a:extLst>
+            <a:ext uri="{C572A759-6A51-4108-AA02-DFA0A04FC94B}">
+              <ma14:wrappingTextBoxFlag xmlns="" xmlns:m="http://schemas.openxmlformats.org/officeDocument/2006/math" xmlns:a14="http://schemas.microsoft.com/office/drawing/2010/main" xmlns:ma14="http://schemas.microsoft.com/office/mac/drawingml/2011/main" val="1"/>
+            </a:ext>
+          </a:extLst>
+        </p:spPr>
+        <p:txBody>
+          <a:bodyPr wrap="none" lIns="12700" tIns="12700" rIns="12700" bIns="12700" anchor="ctr">
+            <a:spAutoFit/>
+          </a:bodyPr>
+          <a:lstStyle/>
+          <a:p>
+            <a:pPr lvl="1" indent="0"/>
+            <a:r>
+              <a:rPr lang="en-US" dirty="0"/>
+              <a:t>TIMELINES (Examples with iOS design)</a:t>
+            </a:r>
+            <a:endParaRPr dirty="0"/>
+          </a:p>
+        </p:txBody>
+      </p:sp>
+      <p:sp>
+        <p:nvSpPr>
+          <p:cNvPr id="138" name="APP TEMPLATE">
+            <a:extLst>
+              <a:ext uri="{FF2B5EF4-FFF2-40B4-BE49-F238E27FC236}">
+                <a16:creationId xmlns:a16="http://schemas.microsoft.com/office/drawing/2014/main" id="{F2214F10-79AE-5F43-B304-931163FB4891}"/>
+              </a:ext>
+            </a:extLst>
+          </p:cNvPr>
+          <p:cNvSpPr txBox="1"/>
+          <p:nvPr/>
+        </p:nvSpPr>
+        <p:spPr>
+          <a:xfrm>
+            <a:off x="7104149" y="4974251"/>
+            <a:ext cx="581891" cy="210314"/>
+          </a:xfrm>
+          <a:prstGeom prst="rect">
+            <a:avLst/>
+          </a:prstGeom>
+          <a:ln w="12700">
+            <a:miter lim="400000"/>
+          </a:ln>
+          <a:extLst>
+            <a:ext uri="{C572A759-6A51-4108-AA02-DFA0A04FC94B}">
+              <ma14:wrappingTextBoxFlag xmlns="" xmlns:m="http://schemas.openxmlformats.org/officeDocument/2006/math" xmlns:a14="http://schemas.microsoft.com/office/drawing/2010/main" xmlns:ma14="http://schemas.microsoft.com/office/mac/drawingml/2011/main" val="1"/>
+            </a:ext>
+          </a:extLst>
+        </p:spPr>
+        <p:txBody>
+          <a:bodyPr wrap="none" lIns="12700" tIns="12700" rIns="12700" bIns="12700" anchor="ctr">
+            <a:spAutoFit/>
+          </a:bodyPr>
+          <a:lstStyle/>
+          <a:p>
+            <a:pPr lvl="1" indent="0"/>
+            <a:r>
+              <a:rPr lang="en-US" dirty="0"/>
+              <a:t>GAUGES</a:t>
+            </a:r>
+            <a:endParaRPr dirty="0"/>
+          </a:p>
+        </p:txBody>
+      </p:sp>
+      <p:sp>
+        <p:nvSpPr>
+          <p:cNvPr id="139" name="Line">
+            <a:extLst>
+              <a:ext uri="{FF2B5EF4-FFF2-40B4-BE49-F238E27FC236}">
+                <a16:creationId xmlns:a16="http://schemas.microsoft.com/office/drawing/2014/main" id="{908451E6-39D4-334E-8E3E-AACB1E6D0907}"/>
+              </a:ext>
+            </a:extLst>
+          </p:cNvPr>
+          <p:cNvSpPr/>
+          <p:nvPr/>
+        </p:nvSpPr>
+        <p:spPr>
+          <a:xfrm>
+            <a:off x="7062908" y="4850179"/>
+            <a:ext cx="3031484" cy="1"/>
+          </a:xfrm>
+          <a:prstGeom prst="line">
+            <a:avLst/>
+          </a:prstGeom>
+          <a:ln w="12700">
+            <a:solidFill>
+              <a:srgbClr val="4C4C4C"/>
+            </a:solidFill>
+            <a:custDash>
+              <a:ds d="100000" sp="200000"/>
+            </a:custDash>
+          </a:ln>
+        </p:spPr>
+        <p:txBody>
+          <a:bodyPr lIns="54570" tIns="54570" rIns="54570" bIns="54570" anchor="ctr"/>
+          <a:lstStyle/>
+          <a:p>
+            <a:pPr>
+              <a:lnSpc>
+                <a:spcPct val="80000"/>
+              </a:lnSpc>
+              <a:spcBef>
+                <a:spcPts val="600"/>
+              </a:spcBef>
+              <a:defRPr b="0">
+                <a:solidFill>
+                  <a:srgbClr val="000000"/>
+                </a:solidFill>
+              </a:defRPr>
+            </a:pPr>
+            <a:endParaRPr/>
+          </a:p>
+        </p:txBody>
+      </p:sp>
+      <p:sp>
+        <p:nvSpPr>
+          <p:cNvPr id="159" name="APP TEMPLATE">
+            <a:extLst>
+              <a:ext uri="{FF2B5EF4-FFF2-40B4-BE49-F238E27FC236}">
+                <a16:creationId xmlns:a16="http://schemas.microsoft.com/office/drawing/2014/main" id="{38F64344-87E4-064C-B220-A8A154D9A998}"/>
+              </a:ext>
+            </a:extLst>
+          </p:cNvPr>
+          <p:cNvSpPr txBox="1"/>
+          <p:nvPr/>
+        </p:nvSpPr>
+        <p:spPr>
+          <a:xfrm>
+            <a:off x="10560198" y="3817190"/>
+            <a:ext cx="535403" cy="210314"/>
+          </a:xfrm>
+          <a:prstGeom prst="rect">
+            <a:avLst/>
+          </a:prstGeom>
+          <a:ln w="12700">
+            <a:miter lim="400000"/>
+          </a:ln>
+          <a:extLst>
+            <a:ext uri="{C572A759-6A51-4108-AA02-DFA0A04FC94B}">
+              <ma14:wrappingTextBoxFlag xmlns="" xmlns:m="http://schemas.openxmlformats.org/officeDocument/2006/math" xmlns:a14="http://schemas.microsoft.com/office/drawing/2010/main" xmlns:ma14="http://schemas.microsoft.com/office/mac/drawingml/2011/main" val="1"/>
+            </a:ext>
+          </a:extLst>
+        </p:spPr>
+        <p:txBody>
+          <a:bodyPr wrap="none" lIns="12700" tIns="12700" rIns="12700" bIns="12700" anchor="ctr">
+            <a:spAutoFit/>
+          </a:bodyPr>
+          <a:lstStyle/>
+          <a:p>
+            <a:pPr lvl="1" indent="0"/>
+            <a:r>
+              <a:rPr lang="en-US" dirty="0"/>
+              <a:t>SELECT</a:t>
+            </a:r>
+            <a:endParaRPr dirty="0"/>
+          </a:p>
+        </p:txBody>
+      </p:sp>
+      <p:sp>
+        <p:nvSpPr>
+          <p:cNvPr id="160" name="Line">
+            <a:extLst>
+              <a:ext uri="{FF2B5EF4-FFF2-40B4-BE49-F238E27FC236}">
+                <a16:creationId xmlns:a16="http://schemas.microsoft.com/office/drawing/2014/main" id="{D6482840-A993-3F4F-8F88-9A9CD0494B4A}"/>
+              </a:ext>
+            </a:extLst>
+          </p:cNvPr>
+          <p:cNvSpPr/>
+          <p:nvPr/>
+        </p:nvSpPr>
+        <p:spPr>
+          <a:xfrm>
+            <a:off x="10554531" y="3677968"/>
+            <a:ext cx="2959437" cy="11719"/>
+          </a:xfrm>
+          <a:prstGeom prst="line">
+            <a:avLst/>
+          </a:prstGeom>
+          <a:ln w="12700">
+            <a:solidFill>
+              <a:srgbClr val="4C4C4C"/>
+            </a:solidFill>
+            <a:custDash>
+              <a:ds d="100000" sp="200000"/>
+            </a:custDash>
+          </a:ln>
+        </p:spPr>
+        <p:txBody>
+          <a:bodyPr lIns="54570" tIns="54570" rIns="54570" bIns="54570" anchor="ctr"/>
+          <a:lstStyle/>
+          <a:p>
+            <a:pPr>
+              <a:lnSpc>
+                <a:spcPct val="80000"/>
+              </a:lnSpc>
+              <a:spcBef>
+                <a:spcPts val="600"/>
+              </a:spcBef>
+              <a:defRPr b="0">
+                <a:solidFill>
+                  <a:srgbClr val="000000"/>
+                </a:solidFill>
+              </a:defRPr>
+            </a:pPr>
+            <a:endParaRPr/>
+          </a:p>
+        </p:txBody>
+      </p:sp>
+      <p:sp>
+        <p:nvSpPr>
+          <p:cNvPr id="164" name="APP TEMPLATE">
+            <a:extLst>
+              <a:ext uri="{FF2B5EF4-FFF2-40B4-BE49-F238E27FC236}">
+                <a16:creationId xmlns:a16="http://schemas.microsoft.com/office/drawing/2014/main" id="{81CB5C85-764B-2041-A2F0-1B0CD8E7201F}"/>
+              </a:ext>
+            </a:extLst>
+          </p:cNvPr>
+          <p:cNvSpPr txBox="1"/>
+          <p:nvPr/>
+        </p:nvSpPr>
+        <p:spPr>
+          <a:xfrm>
+            <a:off x="10560198" y="7352538"/>
+            <a:ext cx="1630254" cy="210314"/>
+          </a:xfrm>
+          <a:prstGeom prst="rect">
+            <a:avLst/>
+          </a:prstGeom>
+          <a:ln w="12700">
+            <a:miter lim="400000"/>
+          </a:ln>
+          <a:extLst>
+            <a:ext uri="{C572A759-6A51-4108-AA02-DFA0A04FC94B}">
+              <ma14:wrappingTextBoxFlag xmlns="" xmlns:m="http://schemas.openxmlformats.org/officeDocument/2006/math" xmlns:a14="http://schemas.microsoft.com/office/drawing/2010/main" xmlns:ma14="http://schemas.microsoft.com/office/mac/drawingml/2011/main" val="1"/>
+            </a:ext>
+          </a:extLst>
+        </p:spPr>
+        <p:txBody>
+          <a:bodyPr wrap="none" lIns="12700" tIns="12700" rIns="12700" bIns="12700" anchor="ctr">
+            <a:spAutoFit/>
+          </a:bodyPr>
+          <a:lstStyle/>
+          <a:p>
+            <a:pPr lvl="1" indent="0"/>
+            <a:r>
+              <a:rPr lang="en-US" dirty="0"/>
+              <a:t>ACTION BUTTON (FABS)</a:t>
+            </a:r>
+            <a:endParaRPr dirty="0"/>
+          </a:p>
+        </p:txBody>
+      </p:sp>
+      <p:sp>
+        <p:nvSpPr>
+          <p:cNvPr id="165" name="Line">
+            <a:extLst>
+              <a:ext uri="{FF2B5EF4-FFF2-40B4-BE49-F238E27FC236}">
+                <a16:creationId xmlns:a16="http://schemas.microsoft.com/office/drawing/2014/main" id="{D111A00E-A012-2941-8C0B-26E5FCA010F7}"/>
+              </a:ext>
+            </a:extLst>
+          </p:cNvPr>
+          <p:cNvSpPr/>
+          <p:nvPr/>
+        </p:nvSpPr>
+        <p:spPr>
+          <a:xfrm>
+            <a:off x="10554531" y="7213316"/>
+            <a:ext cx="2959437" cy="11719"/>
+          </a:xfrm>
+          <a:prstGeom prst="line">
+            <a:avLst/>
+          </a:prstGeom>
+          <a:ln w="12700">
+            <a:solidFill>
+              <a:srgbClr val="4C4C4C"/>
+            </a:solidFill>
+            <a:custDash>
+              <a:ds d="100000" sp="200000"/>
+            </a:custDash>
+          </a:ln>
+        </p:spPr>
+        <p:txBody>
+          <a:bodyPr lIns="54570" tIns="54570" rIns="54570" bIns="54570" anchor="ctr"/>
+          <a:lstStyle/>
+          <a:p>
+            <a:pPr>
+              <a:lnSpc>
+                <a:spcPct val="80000"/>
+              </a:lnSpc>
+              <a:spcBef>
+                <a:spcPts val="600"/>
+              </a:spcBef>
+              <a:defRPr b="0">
+                <a:solidFill>
+                  <a:srgbClr val="000000"/>
+                </a:solidFill>
+              </a:defRPr>
+            </a:pPr>
+            <a:endParaRPr/>
+          </a:p>
+        </p:txBody>
+      </p:sp>
+      <p:sp>
+        <p:nvSpPr>
+          <p:cNvPr id="168" name="APP TEMPLATE">
+            <a:extLst>
+              <a:ext uri="{FF2B5EF4-FFF2-40B4-BE49-F238E27FC236}">
+                <a16:creationId xmlns:a16="http://schemas.microsoft.com/office/drawing/2014/main" id="{B2C197C0-FA09-7C40-BA2D-9846BECEB336}"/>
+              </a:ext>
+            </a:extLst>
+          </p:cNvPr>
+          <p:cNvSpPr txBox="1"/>
+          <p:nvPr/>
+        </p:nvSpPr>
+        <p:spPr>
+          <a:xfrm>
+            <a:off x="3816243" y="7565204"/>
+            <a:ext cx="1072409" cy="210314"/>
+          </a:xfrm>
+          <a:prstGeom prst="rect">
+            <a:avLst/>
+          </a:prstGeom>
+          <a:ln w="12700">
+            <a:miter lim="400000"/>
+          </a:ln>
+          <a:extLst>
+            <a:ext uri="{C572A759-6A51-4108-AA02-DFA0A04FC94B}">
+              <ma14:wrappingTextBoxFlag xmlns="" xmlns:m="http://schemas.openxmlformats.org/officeDocument/2006/math" xmlns:a14="http://schemas.microsoft.com/office/drawing/2010/main" xmlns:ma14="http://schemas.microsoft.com/office/mac/drawingml/2011/main" val="1"/>
+            </a:ext>
+          </a:extLst>
+        </p:spPr>
+        <p:txBody>
+          <a:bodyPr wrap="none" lIns="12700" tIns="12700" rIns="12700" bIns="12700" anchor="ctr">
+            <a:spAutoFit/>
+          </a:bodyPr>
+          <a:lstStyle/>
+          <a:p>
+            <a:pPr lvl="1" indent="0"/>
+            <a:r>
+              <a:rPr lang="en-US" dirty="0"/>
+              <a:t>SWIPER SLIDER</a:t>
+            </a:r>
+            <a:endParaRPr dirty="0"/>
+          </a:p>
+        </p:txBody>
+      </p:sp>
+      <p:sp>
+        <p:nvSpPr>
+          <p:cNvPr id="169" name="Line">
+            <a:extLst>
+              <a:ext uri="{FF2B5EF4-FFF2-40B4-BE49-F238E27FC236}">
+                <a16:creationId xmlns:a16="http://schemas.microsoft.com/office/drawing/2014/main" id="{E9D30D35-71C4-AA41-A5CF-16135D35F81A}"/>
+              </a:ext>
+            </a:extLst>
+          </p:cNvPr>
+          <p:cNvSpPr/>
+          <p:nvPr/>
+        </p:nvSpPr>
+        <p:spPr>
+          <a:xfrm>
+            <a:off x="3810576" y="7425982"/>
+            <a:ext cx="2959437" cy="11719"/>
+          </a:xfrm>
+          <a:prstGeom prst="line">
+            <a:avLst/>
+          </a:prstGeom>
+          <a:ln w="12700">
+            <a:solidFill>
+              <a:srgbClr val="4C4C4C"/>
+            </a:solidFill>
+            <a:custDash>
+              <a:ds d="100000" sp="200000"/>
+            </a:custDash>
+          </a:ln>
+        </p:spPr>
+        <p:txBody>
+          <a:bodyPr lIns="54570" tIns="54570" rIns="54570" bIns="54570" anchor="ctr"/>
+          <a:lstStyle/>
+          <a:p>
+            <a:pPr>
+              <a:lnSpc>
+                <a:spcPct val="80000"/>
+              </a:lnSpc>
+              <a:spcBef>
+                <a:spcPts val="600"/>
+              </a:spcBef>
+              <a:defRPr b="0">
+                <a:solidFill>
+                  <a:srgbClr val="000000"/>
+                </a:solidFill>
+              </a:defRPr>
+            </a:pPr>
+            <a:endParaRPr/>
+          </a:p>
+        </p:txBody>
+      </p:sp>
+      <p:sp>
+        <p:nvSpPr>
+          <p:cNvPr id="4" name="Rectangle 3">
+            <a:extLst>
+              <a:ext uri="{FF2B5EF4-FFF2-40B4-BE49-F238E27FC236}">
+                <a16:creationId xmlns:a16="http://schemas.microsoft.com/office/drawing/2014/main" id="{1993151D-19D7-304D-AC80-33F35788D0F9}"/>
+              </a:ext>
+            </a:extLst>
+          </p:cNvPr>
+          <p:cNvSpPr/>
+          <p:nvPr/>
+        </p:nvSpPr>
+        <p:spPr>
+          <a:xfrm>
+            <a:off x="310872" y="2081047"/>
+            <a:ext cx="2983509" cy="230832"/>
+          </a:xfrm>
+          <a:prstGeom prst="rect">
+            <a:avLst/>
+          </a:prstGeom>
+        </p:spPr>
+        <p:txBody>
+          <a:bodyPr wrap="none">
+            <a:spAutoFit/>
+          </a:bodyPr>
+          <a:lstStyle/>
+          <a:p>
+            <a:r>
+              <a:rPr lang="en-US" sz="900" dirty="0"/>
+              <a:t>f7Accordion(..., </a:t>
+            </a:r>
+            <a:r>
+              <a:rPr lang="en-US" sz="900" dirty="0" err="1"/>
+              <a:t>inputId</a:t>
+            </a:r>
+            <a:r>
+              <a:rPr lang="en-US" sz="900" dirty="0"/>
+              <a:t> = NULL, </a:t>
+            </a:r>
+            <a:r>
+              <a:rPr lang="en-US" sz="900" dirty="0" err="1"/>
+              <a:t>multiCollapse</a:t>
+            </a:r>
+            <a:r>
+              <a:rPr lang="en-US" sz="900" dirty="0"/>
+              <a:t> = FALSE)</a:t>
+            </a:r>
+          </a:p>
+        </p:txBody>
+      </p:sp>
+      <p:sp>
+        <p:nvSpPr>
+          <p:cNvPr id="6" name="Rectangle 5">
+            <a:extLst>
+              <a:ext uri="{FF2B5EF4-FFF2-40B4-BE49-F238E27FC236}">
+                <a16:creationId xmlns:a16="http://schemas.microsoft.com/office/drawing/2014/main" id="{763F63F9-02BF-4D44-91F6-F0B4F9B0CBA5}"/>
+              </a:ext>
+            </a:extLst>
+          </p:cNvPr>
+          <p:cNvSpPr/>
+          <p:nvPr/>
+        </p:nvSpPr>
+        <p:spPr>
+          <a:xfrm>
+            <a:off x="326589" y="2307210"/>
+            <a:ext cx="2605200" cy="230832"/>
+          </a:xfrm>
+          <a:prstGeom prst="rect">
+            <a:avLst/>
+          </a:prstGeom>
+        </p:spPr>
+        <p:txBody>
+          <a:bodyPr wrap="none">
+            <a:spAutoFit/>
+          </a:bodyPr>
+          <a:lstStyle/>
+          <a:p>
+            <a:r>
+              <a:rPr lang="en-US" sz="900" dirty="0"/>
+              <a:t>f7AccordionItem(..., title = NULL, open = FALSE)</a:t>
+            </a:r>
+          </a:p>
+        </p:txBody>
+      </p:sp>
+      <p:pic>
+        <p:nvPicPr>
+          <p:cNvPr id="10" name="Picture 9" descr="A screenshot of a social media post&#10;&#10;Description automatically generated">
+            <a:extLst>
+              <a:ext uri="{FF2B5EF4-FFF2-40B4-BE49-F238E27FC236}">
+                <a16:creationId xmlns:a16="http://schemas.microsoft.com/office/drawing/2014/main" id="{0BDFB85C-9128-CD41-9BA4-2B6B46163C9E}"/>
+              </a:ext>
+            </a:extLst>
+          </p:cNvPr>
+          <p:cNvPicPr>
+            <a:picLocks noChangeAspect="1"/>
+          </p:cNvPicPr>
+          <p:nvPr/>
+        </p:nvPicPr>
+        <p:blipFill>
+          <a:blip r:embed="rId6">
+            <a:extLst>
+              <a:ext uri="{28A0092B-C50C-407E-A947-70E740481C1C}">
+                <a14:useLocalDpi xmlns:a14="http://schemas.microsoft.com/office/drawing/2010/main" val="0"/>
+              </a:ext>
+            </a:extLst>
+          </a:blip>
+          <a:stretch>
+            <a:fillRect/>
+          </a:stretch>
+        </p:blipFill>
+        <p:spPr>
+          <a:xfrm>
+            <a:off x="622714" y="2827992"/>
+            <a:ext cx="2012950" cy="793750"/>
+          </a:xfrm>
+          <a:prstGeom prst="rect">
+            <a:avLst/>
+          </a:prstGeom>
+        </p:spPr>
+      </p:pic>
+      <p:sp>
+        <p:nvSpPr>
+          <p:cNvPr id="129" name="Rectangle 128">
+            <a:extLst>
+              <a:ext uri="{FF2B5EF4-FFF2-40B4-BE49-F238E27FC236}">
+                <a16:creationId xmlns:a16="http://schemas.microsoft.com/office/drawing/2014/main" id="{296ED555-ABF2-F343-98FF-12031F95AE15}"/>
+              </a:ext>
+            </a:extLst>
+          </p:cNvPr>
+          <p:cNvSpPr/>
+          <p:nvPr/>
+        </p:nvSpPr>
+        <p:spPr>
+          <a:xfrm>
+            <a:off x="283002" y="3850827"/>
+            <a:ext cx="3075071" cy="1251625"/>
+          </a:xfrm>
+          <a:prstGeom prst="rect">
+            <a:avLst/>
+          </a:prstGeom>
+        </p:spPr>
+        <p:txBody>
+          <a:bodyPr wrap="square">
+            <a:spAutoFit/>
+          </a:bodyPr>
+          <a:lstStyle/>
+          <a:p>
+            <a:r>
+              <a:rPr lang="en-US" b="0" dirty="0">
+                <a:solidFill>
+                  <a:schemeClr val="bg2">
+                    <a:lumMod val="10000"/>
+                  </a:schemeClr>
+                </a:solidFill>
+              </a:rPr>
+              <a:t>If </a:t>
+            </a:r>
+            <a:r>
+              <a:rPr lang="en-US" b="0" dirty="0" err="1">
+                <a:solidFill>
+                  <a:schemeClr val="bg2">
+                    <a:lumMod val="10000"/>
+                  </a:schemeClr>
+                </a:solidFill>
+              </a:rPr>
+              <a:t>inputId</a:t>
+            </a:r>
+            <a:r>
+              <a:rPr lang="en-US" b="0" dirty="0">
+                <a:solidFill>
+                  <a:schemeClr val="bg2">
+                    <a:lumMod val="10000"/>
+                  </a:schemeClr>
+                </a:solidFill>
+              </a:rPr>
+              <a:t> is passed, one may retrieve the currently selected item as follows</a:t>
+            </a:r>
+          </a:p>
+          <a:p>
+            <a:pPr marL="171450" indent="-171450">
+              <a:buFont typeface="Arial" panose="020B0604020202020204" pitchFamily="34" charset="0"/>
+              <a:buChar char="•"/>
+            </a:pPr>
+            <a:r>
+              <a:rPr lang="en-US" b="0" dirty="0">
+                <a:solidFill>
+                  <a:schemeClr val="bg2">
+                    <a:lumMod val="10000"/>
+                  </a:schemeClr>
+                </a:solidFill>
+              </a:rPr>
+              <a:t> input$&lt;</a:t>
+            </a:r>
+            <a:r>
+              <a:rPr lang="en-US" b="0" dirty="0" err="1">
+                <a:solidFill>
+                  <a:schemeClr val="bg2">
+                    <a:lumMod val="10000"/>
+                  </a:schemeClr>
+                </a:solidFill>
+              </a:rPr>
+              <a:t>inputId</a:t>
+            </a:r>
+            <a:r>
+              <a:rPr lang="en-US" b="0" dirty="0">
+                <a:solidFill>
+                  <a:schemeClr val="bg2">
+                    <a:lumMod val="10000"/>
+                  </a:schemeClr>
+                </a:solidFill>
+              </a:rPr>
+              <a:t>&gt;$state is TRUE if open, else FALSE</a:t>
+            </a:r>
+          </a:p>
+          <a:p>
+            <a:pPr marL="171450" indent="-171450">
+              <a:buFont typeface="Arial" panose="020B0604020202020204" pitchFamily="34" charset="0"/>
+              <a:buChar char="•"/>
+            </a:pPr>
+            <a:r>
+              <a:rPr lang="en-US" b="0" dirty="0">
+                <a:solidFill>
+                  <a:schemeClr val="bg2">
+                    <a:lumMod val="10000"/>
+                  </a:schemeClr>
+                </a:solidFill>
+              </a:rPr>
+              <a:t>input$&lt;</a:t>
+            </a:r>
+            <a:r>
+              <a:rPr lang="en-US" b="0" dirty="0" err="1">
+                <a:solidFill>
+                  <a:schemeClr val="bg2">
+                    <a:lumMod val="10000"/>
+                  </a:schemeClr>
+                </a:solidFill>
+              </a:rPr>
+              <a:t>inputId</a:t>
+            </a:r>
+            <a:r>
+              <a:rPr lang="en-US" b="0" dirty="0">
+                <a:solidFill>
+                  <a:schemeClr val="bg2">
+                    <a:lumMod val="10000"/>
+                  </a:schemeClr>
+                </a:solidFill>
+              </a:rPr>
+              <a:t>&gt;$value is NULL if closed else contain the </a:t>
+            </a:r>
+            <a:r>
+              <a:rPr lang="en-US" dirty="0">
+                <a:solidFill>
+                  <a:schemeClr val="bg2">
+                    <a:lumMod val="10000"/>
+                  </a:schemeClr>
+                </a:solidFill>
+              </a:rPr>
+              <a:t>f7AccordionItem</a:t>
+            </a:r>
+            <a:r>
+              <a:rPr lang="en-US" b="0" dirty="0">
+                <a:solidFill>
+                  <a:schemeClr val="bg2">
+                    <a:lumMod val="10000"/>
+                  </a:schemeClr>
+                </a:solidFill>
+              </a:rPr>
+              <a:t> value</a:t>
+            </a:r>
+            <a:endParaRPr lang="en-US" dirty="0">
+              <a:solidFill>
+                <a:schemeClr val="bg2">
+                  <a:lumMod val="10000"/>
+                </a:schemeClr>
+              </a:solidFill>
+            </a:endParaRPr>
+          </a:p>
+        </p:txBody>
+      </p:sp>
+      <p:sp>
+        <p:nvSpPr>
+          <p:cNvPr id="11" name="Rectangle 10">
+            <a:extLst>
+              <a:ext uri="{FF2B5EF4-FFF2-40B4-BE49-F238E27FC236}">
+                <a16:creationId xmlns:a16="http://schemas.microsoft.com/office/drawing/2014/main" id="{167BD93C-40D9-3946-AB14-10E1BB9B055F}"/>
+              </a:ext>
+            </a:extLst>
+          </p:cNvPr>
+          <p:cNvSpPr/>
+          <p:nvPr/>
+        </p:nvSpPr>
+        <p:spPr>
+          <a:xfrm>
+            <a:off x="326157" y="5589826"/>
+            <a:ext cx="2009458" cy="230832"/>
+          </a:xfrm>
+          <a:prstGeom prst="rect">
+            <a:avLst/>
+          </a:prstGeom>
+        </p:spPr>
+        <p:txBody>
+          <a:bodyPr wrap="square">
+            <a:spAutoFit/>
+          </a:bodyPr>
+          <a:lstStyle/>
+          <a:p>
+            <a:r>
+              <a:rPr lang="en-US" sz="900" dirty="0"/>
+              <a:t>f7Badge(..., color = NULL) </a:t>
+            </a:r>
+          </a:p>
+        </p:txBody>
+      </p:sp>
+      <p:pic>
+        <p:nvPicPr>
+          <p:cNvPr id="15" name="Picture 14" descr="A screenshot of a cell phone&#10;&#10;Description automatically generated">
+            <a:extLst>
+              <a:ext uri="{FF2B5EF4-FFF2-40B4-BE49-F238E27FC236}">
+                <a16:creationId xmlns:a16="http://schemas.microsoft.com/office/drawing/2014/main" id="{51F9D8E1-5D49-5C4B-A98A-8737429AED9B}"/>
+              </a:ext>
+            </a:extLst>
+          </p:cNvPr>
+          <p:cNvPicPr>
+            <a:picLocks noChangeAspect="1"/>
+          </p:cNvPicPr>
+          <p:nvPr/>
+        </p:nvPicPr>
+        <p:blipFill>
+          <a:blip r:embed="rId7">
+            <a:extLst>
+              <a:ext uri="{28A0092B-C50C-407E-A947-70E740481C1C}">
+                <a14:useLocalDpi xmlns:a14="http://schemas.microsoft.com/office/drawing/2010/main" val="0"/>
+              </a:ext>
+            </a:extLst>
+          </a:blip>
+          <a:stretch>
+            <a:fillRect/>
+          </a:stretch>
+        </p:blipFill>
+        <p:spPr>
+          <a:xfrm>
+            <a:off x="379089" y="6245772"/>
+            <a:ext cx="2552700" cy="469900"/>
+          </a:xfrm>
+          <a:prstGeom prst="rect">
+            <a:avLst/>
+          </a:prstGeom>
+        </p:spPr>
+      </p:pic>
+      <p:pic>
+        <p:nvPicPr>
+          <p:cNvPr id="23" name="Picture 22">
+            <a:extLst>
+              <a:ext uri="{FF2B5EF4-FFF2-40B4-BE49-F238E27FC236}">
+                <a16:creationId xmlns:a16="http://schemas.microsoft.com/office/drawing/2014/main" id="{3200BEC6-552B-8B49-9419-C553299AB308}"/>
+              </a:ext>
+            </a:extLst>
+          </p:cNvPr>
+          <p:cNvPicPr>
+            <a:picLocks noChangeAspect="1"/>
+          </p:cNvPicPr>
+          <p:nvPr/>
+        </p:nvPicPr>
+        <p:blipFill>
+          <a:blip r:embed="rId8">
+            <a:extLst>
+              <a:ext uri="{28A0092B-C50C-407E-A947-70E740481C1C}">
+                <a14:useLocalDpi xmlns:a14="http://schemas.microsoft.com/office/drawing/2010/main" val="0"/>
+              </a:ext>
+            </a:extLst>
+          </a:blip>
+          <a:stretch>
+            <a:fillRect/>
+          </a:stretch>
+        </p:blipFill>
+        <p:spPr>
+          <a:xfrm>
+            <a:off x="689232" y="7124813"/>
+            <a:ext cx="1778000" cy="609600"/>
+          </a:xfrm>
+          <a:prstGeom prst="rect">
+            <a:avLst/>
+          </a:prstGeom>
+        </p:spPr>
+      </p:pic>
+      <p:pic>
+        <p:nvPicPr>
+          <p:cNvPr id="29" name="Picture 28" descr="A screenshot of a cell phone&#10;&#10;Description automatically generated">
+            <a:extLst>
+              <a:ext uri="{FF2B5EF4-FFF2-40B4-BE49-F238E27FC236}">
+                <a16:creationId xmlns:a16="http://schemas.microsoft.com/office/drawing/2014/main" id="{63DE735C-8921-E445-8CF0-555BB1BF1C34}"/>
+              </a:ext>
+            </a:extLst>
+          </p:cNvPr>
+          <p:cNvPicPr>
+            <a:picLocks noChangeAspect="1"/>
+          </p:cNvPicPr>
+          <p:nvPr/>
+        </p:nvPicPr>
+        <p:blipFill>
+          <a:blip r:embed="rId9">
+            <a:extLst>
+              <a:ext uri="{28A0092B-C50C-407E-A947-70E740481C1C}">
+                <a14:useLocalDpi xmlns:a14="http://schemas.microsoft.com/office/drawing/2010/main" val="0"/>
+              </a:ext>
+            </a:extLst>
+          </a:blip>
+          <a:stretch>
+            <a:fillRect/>
+          </a:stretch>
+        </p:blipFill>
+        <p:spPr>
+          <a:xfrm>
+            <a:off x="603707" y="8917503"/>
+            <a:ext cx="2203450" cy="876300"/>
+          </a:xfrm>
+          <a:prstGeom prst="rect">
+            <a:avLst/>
+          </a:prstGeom>
+        </p:spPr>
+      </p:pic>
+      <p:sp>
+        <p:nvSpPr>
+          <p:cNvPr id="31" name="Rectangle 30">
+            <a:extLst>
+              <a:ext uri="{FF2B5EF4-FFF2-40B4-BE49-F238E27FC236}">
+                <a16:creationId xmlns:a16="http://schemas.microsoft.com/office/drawing/2014/main" id="{2CBD52C7-EDB9-9444-A797-4FE6F006382A}"/>
+              </a:ext>
+            </a:extLst>
+          </p:cNvPr>
+          <p:cNvSpPr/>
+          <p:nvPr/>
+        </p:nvSpPr>
+        <p:spPr>
+          <a:xfrm>
+            <a:off x="283002" y="8269587"/>
+            <a:ext cx="2786213" cy="507831"/>
+          </a:xfrm>
+          <a:prstGeom prst="rect">
+            <a:avLst/>
+          </a:prstGeom>
+        </p:spPr>
+        <p:txBody>
+          <a:bodyPr wrap="square">
+            <a:spAutoFit/>
+          </a:bodyPr>
+          <a:lstStyle/>
+          <a:p>
+            <a:r>
+              <a:rPr lang="en-US" sz="900" dirty="0"/>
+              <a:t>f7Chip( label = NULL, </a:t>
+            </a:r>
+            <a:r>
+              <a:rPr lang="en-US" sz="900" dirty="0" err="1"/>
+              <a:t>img</a:t>
+            </a:r>
+            <a:r>
+              <a:rPr lang="en-US" sz="900" dirty="0"/>
+              <a:t> = NULL, icon = NULL, outline = FALSE, status = NULL, </a:t>
+            </a:r>
+            <a:r>
+              <a:rPr lang="en-US" sz="900" dirty="0" err="1"/>
+              <a:t>icon_status</a:t>
+            </a:r>
+            <a:r>
+              <a:rPr lang="en-US" sz="900" dirty="0"/>
+              <a:t> = NULL, closable = FALSE )</a:t>
+            </a:r>
+          </a:p>
+        </p:txBody>
+      </p:sp>
+      <p:sp>
+        <p:nvSpPr>
+          <p:cNvPr id="35" name="Rectangle 34">
+            <a:extLst>
+              <a:ext uri="{FF2B5EF4-FFF2-40B4-BE49-F238E27FC236}">
+                <a16:creationId xmlns:a16="http://schemas.microsoft.com/office/drawing/2014/main" id="{4E7F7FC7-E20C-FC43-918F-EC6641153163}"/>
+              </a:ext>
+            </a:extLst>
+          </p:cNvPr>
+          <p:cNvSpPr/>
+          <p:nvPr/>
+        </p:nvSpPr>
+        <p:spPr>
+          <a:xfrm>
+            <a:off x="3669284" y="807599"/>
+            <a:ext cx="1109599" cy="230832"/>
+          </a:xfrm>
+          <a:prstGeom prst="rect">
+            <a:avLst/>
+          </a:prstGeom>
+        </p:spPr>
+        <p:txBody>
+          <a:bodyPr wrap="none">
+            <a:spAutoFit/>
+          </a:bodyPr>
+          <a:lstStyle/>
+          <a:p>
+            <a:r>
+              <a:rPr lang="en-US" sz="900" dirty="0"/>
+              <a:t>f7Messages(..., id)</a:t>
+            </a:r>
+          </a:p>
+        </p:txBody>
+      </p:sp>
+      <p:sp>
+        <p:nvSpPr>
+          <p:cNvPr id="140" name="APP TEMPLATE">
+            <a:extLst>
+              <a:ext uri="{FF2B5EF4-FFF2-40B4-BE49-F238E27FC236}">
+                <a16:creationId xmlns:a16="http://schemas.microsoft.com/office/drawing/2014/main" id="{119D3D82-186F-EB42-9A6C-6714E357A6AC}"/>
+              </a:ext>
+            </a:extLst>
+          </p:cNvPr>
+          <p:cNvSpPr txBox="1"/>
+          <p:nvPr/>
+        </p:nvSpPr>
+        <p:spPr>
+          <a:xfrm>
+            <a:off x="3746733" y="567842"/>
+            <a:ext cx="753411" cy="210314"/>
+          </a:xfrm>
+          <a:prstGeom prst="rect">
+            <a:avLst/>
+          </a:prstGeom>
+          <a:ln w="12700">
+            <a:miter lim="400000"/>
+          </a:ln>
+          <a:extLst>
+            <a:ext uri="{C572A759-6A51-4108-AA02-DFA0A04FC94B}">
+              <ma14:wrappingTextBoxFlag xmlns="" xmlns:m="http://schemas.openxmlformats.org/officeDocument/2006/math" xmlns:a14="http://schemas.microsoft.com/office/drawing/2010/main" xmlns:ma14="http://schemas.microsoft.com/office/mac/drawingml/2011/main" val="1"/>
+            </a:ext>
+          </a:extLst>
+        </p:spPr>
+        <p:txBody>
+          <a:bodyPr wrap="none" lIns="12700" tIns="12700" rIns="12700" bIns="12700" anchor="ctr">
+            <a:spAutoFit/>
+          </a:bodyPr>
+          <a:lstStyle/>
+          <a:p>
+            <a:pPr lvl="1" indent="0"/>
+            <a:r>
+              <a:rPr lang="en-US" dirty="0"/>
+              <a:t>MESSAGES</a:t>
+            </a:r>
+            <a:endParaRPr dirty="0"/>
+          </a:p>
+        </p:txBody>
+      </p:sp>
+      <p:sp>
+        <p:nvSpPr>
+          <p:cNvPr id="37" name="Rectangle 36">
+            <a:extLst>
+              <a:ext uri="{FF2B5EF4-FFF2-40B4-BE49-F238E27FC236}">
+                <a16:creationId xmlns:a16="http://schemas.microsoft.com/office/drawing/2014/main" id="{F2C904F8-C476-B84D-BB76-9CBFFB2B8FA1}"/>
+              </a:ext>
+            </a:extLst>
+          </p:cNvPr>
+          <p:cNvSpPr/>
+          <p:nvPr/>
+        </p:nvSpPr>
+        <p:spPr>
+          <a:xfrm>
+            <a:off x="3669284" y="1065984"/>
+            <a:ext cx="3119701" cy="507831"/>
+          </a:xfrm>
+          <a:prstGeom prst="rect">
+            <a:avLst/>
+          </a:prstGeom>
+        </p:spPr>
+        <p:txBody>
+          <a:bodyPr wrap="square">
+            <a:spAutoFit/>
+          </a:bodyPr>
+          <a:lstStyle/>
+          <a:p>
+            <a:r>
+              <a:rPr lang="en-US" sz="900" dirty="0"/>
+              <a:t>f7Message( content, </a:t>
+            </a:r>
+            <a:r>
+              <a:rPr lang="en-US" sz="900" dirty="0" err="1"/>
+              <a:t>src</a:t>
+            </a:r>
+            <a:r>
+              <a:rPr lang="en-US" sz="900" dirty="0"/>
+              <a:t> = NULL, author = NULL, date = NULL, state = c("sent", "received"), type = c("text", "</a:t>
+            </a:r>
+            <a:r>
+              <a:rPr lang="en-US" sz="900" dirty="0" err="1"/>
+              <a:t>img</a:t>
+            </a:r>
+            <a:r>
+              <a:rPr lang="en-US" sz="900" dirty="0"/>
+              <a:t>") )</a:t>
+            </a:r>
+          </a:p>
+        </p:txBody>
+      </p:sp>
+      <p:pic>
+        <p:nvPicPr>
+          <p:cNvPr id="42" name="Picture 41" descr="A screenshot of a cat&#10;&#10;Description automatically generated">
+            <a:extLst>
+              <a:ext uri="{FF2B5EF4-FFF2-40B4-BE49-F238E27FC236}">
+                <a16:creationId xmlns:a16="http://schemas.microsoft.com/office/drawing/2014/main" id="{61F08EF9-4E9F-C44B-9450-A0703E92F8CF}"/>
+              </a:ext>
+            </a:extLst>
+          </p:cNvPr>
+          <p:cNvPicPr>
+            <a:picLocks noChangeAspect="1"/>
+          </p:cNvPicPr>
+          <p:nvPr/>
+        </p:nvPicPr>
+        <p:blipFill>
+          <a:blip r:embed="rId10">
+            <a:extLst>
+              <a:ext uri="{28A0092B-C50C-407E-A947-70E740481C1C}">
+                <a14:useLocalDpi xmlns:a14="http://schemas.microsoft.com/office/drawing/2010/main" val="0"/>
+              </a:ext>
+            </a:extLst>
+          </a:blip>
+          <a:stretch>
+            <a:fillRect/>
+          </a:stretch>
+        </p:blipFill>
+        <p:spPr>
+          <a:xfrm>
+            <a:off x="5250176" y="1964552"/>
+            <a:ext cx="1196340" cy="1935480"/>
+          </a:xfrm>
+          <a:prstGeom prst="rect">
+            <a:avLst/>
+          </a:prstGeom>
+        </p:spPr>
+      </p:pic>
+      <p:pic>
+        <p:nvPicPr>
+          <p:cNvPr id="46" name="Picture 45" descr="A cat sitting in a box&#10;&#10;Description automatically generated">
+            <a:extLst>
+              <a:ext uri="{FF2B5EF4-FFF2-40B4-BE49-F238E27FC236}">
+                <a16:creationId xmlns:a16="http://schemas.microsoft.com/office/drawing/2014/main" id="{F3930B45-B823-DA41-81A8-A68D6A073CFE}"/>
+              </a:ext>
+            </a:extLst>
+          </p:cNvPr>
+          <p:cNvPicPr>
+            <a:picLocks noChangeAspect="1"/>
+          </p:cNvPicPr>
+          <p:nvPr/>
+        </p:nvPicPr>
+        <p:blipFill>
+          <a:blip r:embed="rId11">
+            <a:extLst>
+              <a:ext uri="{28A0092B-C50C-407E-A947-70E740481C1C}">
+                <a14:useLocalDpi xmlns:a14="http://schemas.microsoft.com/office/drawing/2010/main" val="0"/>
+              </a:ext>
+            </a:extLst>
+          </a:blip>
+          <a:stretch>
+            <a:fillRect/>
+          </a:stretch>
+        </p:blipFill>
+        <p:spPr>
+          <a:xfrm>
+            <a:off x="3821016" y="1944603"/>
+            <a:ext cx="1196340" cy="1996440"/>
+          </a:xfrm>
+          <a:prstGeom prst="rect">
+            <a:avLst/>
+          </a:prstGeom>
+        </p:spPr>
+      </p:pic>
+      <p:sp>
+        <p:nvSpPr>
+          <p:cNvPr id="49" name="Rectangle 48">
+            <a:extLst>
+              <a:ext uri="{FF2B5EF4-FFF2-40B4-BE49-F238E27FC236}">
+                <a16:creationId xmlns:a16="http://schemas.microsoft.com/office/drawing/2014/main" id="{16B93140-E246-0547-8E6B-3F7077FE6486}"/>
+              </a:ext>
+            </a:extLst>
+          </p:cNvPr>
+          <p:cNvSpPr/>
+          <p:nvPr/>
+        </p:nvSpPr>
+        <p:spPr>
+          <a:xfrm>
+            <a:off x="3729471" y="4540770"/>
+            <a:ext cx="2954016" cy="369332"/>
+          </a:xfrm>
+          <a:prstGeom prst="rect">
+            <a:avLst/>
+          </a:prstGeom>
+        </p:spPr>
+        <p:txBody>
+          <a:bodyPr wrap="square">
+            <a:spAutoFit/>
+          </a:bodyPr>
+          <a:lstStyle/>
+          <a:p>
+            <a:r>
+              <a:rPr lang="en-US" sz="900" dirty="0"/>
+              <a:t>f7PhotoBrowser( id, label, photos, theme = c("light", "dark"), type = c("popup", "standalone", "page") )</a:t>
+            </a:r>
+          </a:p>
+        </p:txBody>
+      </p:sp>
+      <p:pic>
+        <p:nvPicPr>
+          <p:cNvPr id="64" name="Picture 63" descr="A person standing in front of a sunset&#10;&#10;Description automatically generated">
+            <a:extLst>
+              <a:ext uri="{FF2B5EF4-FFF2-40B4-BE49-F238E27FC236}">
+                <a16:creationId xmlns:a16="http://schemas.microsoft.com/office/drawing/2014/main" id="{9A862F00-3C7A-2247-9157-89ECFC6CD4DA}"/>
+              </a:ext>
+            </a:extLst>
+          </p:cNvPr>
+          <p:cNvPicPr>
+            <a:picLocks noChangeAspect="1"/>
+          </p:cNvPicPr>
+          <p:nvPr/>
+        </p:nvPicPr>
+        <p:blipFill>
+          <a:blip r:embed="rId12">
+            <a:extLst>
+              <a:ext uri="{28A0092B-C50C-407E-A947-70E740481C1C}">
+                <a14:useLocalDpi xmlns:a14="http://schemas.microsoft.com/office/drawing/2010/main" val="0"/>
+              </a:ext>
+            </a:extLst>
+          </a:blip>
+          <a:stretch>
+            <a:fillRect/>
+          </a:stretch>
+        </p:blipFill>
+        <p:spPr>
+          <a:xfrm>
+            <a:off x="4608309" y="5111799"/>
+            <a:ext cx="1196340" cy="2152650"/>
+          </a:xfrm>
+          <a:prstGeom prst="rect">
+            <a:avLst/>
+          </a:prstGeom>
+        </p:spPr>
+      </p:pic>
+      <p:sp>
+        <p:nvSpPr>
+          <p:cNvPr id="71" name="Rectangle 70">
+            <a:extLst>
+              <a:ext uri="{FF2B5EF4-FFF2-40B4-BE49-F238E27FC236}">
+                <a16:creationId xmlns:a16="http://schemas.microsoft.com/office/drawing/2014/main" id="{581626C2-45E6-4F41-B7B1-B3FA6A0D1844}"/>
+              </a:ext>
+            </a:extLst>
+          </p:cNvPr>
+          <p:cNvSpPr/>
+          <p:nvPr/>
+        </p:nvSpPr>
+        <p:spPr>
+          <a:xfrm>
+            <a:off x="3729471" y="7974387"/>
+            <a:ext cx="3028987" cy="369332"/>
+          </a:xfrm>
+          <a:prstGeom prst="rect">
+            <a:avLst/>
+          </a:prstGeom>
+        </p:spPr>
+        <p:txBody>
+          <a:bodyPr wrap="square">
+            <a:spAutoFit/>
+          </a:bodyPr>
+          <a:lstStyle/>
+          <a:p>
+            <a:r>
+              <a:rPr lang="en-US" sz="900" dirty="0"/>
+              <a:t>f7Swiper( ..., id, </a:t>
+            </a:r>
+            <a:r>
+              <a:rPr lang="en-US" sz="900" dirty="0" err="1"/>
+              <a:t>spaceBetween</a:t>
+            </a:r>
+            <a:r>
+              <a:rPr lang="en-US" sz="900" dirty="0"/>
+              <a:t> = 50, </a:t>
+            </a:r>
+            <a:r>
+              <a:rPr lang="en-US" sz="900" dirty="0" err="1"/>
+              <a:t>slidePerView</a:t>
+            </a:r>
+            <a:r>
+              <a:rPr lang="en-US" sz="900" dirty="0"/>
+              <a:t> = "auto", centered = TRUE, speed = 400 )</a:t>
+            </a:r>
+          </a:p>
+        </p:txBody>
+      </p:sp>
+      <p:sp>
+        <p:nvSpPr>
+          <p:cNvPr id="76" name="Rectangle 75">
+            <a:extLst>
+              <a:ext uri="{FF2B5EF4-FFF2-40B4-BE49-F238E27FC236}">
+                <a16:creationId xmlns:a16="http://schemas.microsoft.com/office/drawing/2014/main" id="{CA40027A-2A6D-CC43-8485-47EF638F091F}"/>
+              </a:ext>
+            </a:extLst>
+          </p:cNvPr>
+          <p:cNvSpPr/>
+          <p:nvPr/>
+        </p:nvSpPr>
+        <p:spPr>
+          <a:xfrm>
+            <a:off x="3729471" y="8403743"/>
+            <a:ext cx="726481" cy="230832"/>
+          </a:xfrm>
+          <a:prstGeom prst="rect">
+            <a:avLst/>
+          </a:prstGeom>
+        </p:spPr>
+        <p:txBody>
+          <a:bodyPr wrap="none">
+            <a:spAutoFit/>
+          </a:bodyPr>
+          <a:lstStyle/>
+          <a:p>
+            <a:r>
+              <a:rPr lang="en-US" sz="900" dirty="0"/>
+              <a:t>f7Slide(...)</a:t>
+            </a:r>
+          </a:p>
+        </p:txBody>
+      </p:sp>
+      <p:sp>
+        <p:nvSpPr>
+          <p:cNvPr id="77" name="Rectangle 76">
+            <a:extLst>
+              <a:ext uri="{FF2B5EF4-FFF2-40B4-BE49-F238E27FC236}">
+                <a16:creationId xmlns:a16="http://schemas.microsoft.com/office/drawing/2014/main" id="{0A15F825-D194-C542-8A36-B92A82509865}"/>
+              </a:ext>
+            </a:extLst>
+          </p:cNvPr>
+          <p:cNvSpPr/>
+          <p:nvPr/>
+        </p:nvSpPr>
+        <p:spPr>
+          <a:xfrm>
+            <a:off x="7012195" y="850527"/>
+            <a:ext cx="3115416" cy="369332"/>
+          </a:xfrm>
+          <a:prstGeom prst="rect">
+            <a:avLst/>
+          </a:prstGeom>
+        </p:spPr>
+        <p:txBody>
+          <a:bodyPr wrap="square">
+            <a:spAutoFit/>
+          </a:bodyPr>
+          <a:lstStyle/>
+          <a:p>
+            <a:r>
+              <a:rPr lang="en-US" sz="900" dirty="0"/>
+              <a:t>f7Timeline( ..., sides = FALSE, horizontal = FALSE, calendar = FALSE, year = NULL, month = NULL )</a:t>
+            </a:r>
+          </a:p>
+        </p:txBody>
+      </p:sp>
+      <p:sp>
+        <p:nvSpPr>
+          <p:cNvPr id="82" name="Rectangle 81">
+            <a:extLst>
+              <a:ext uri="{FF2B5EF4-FFF2-40B4-BE49-F238E27FC236}">
+                <a16:creationId xmlns:a16="http://schemas.microsoft.com/office/drawing/2014/main" id="{C6B96BF9-74CE-C94E-BF69-1FD8FB2E7006}"/>
+              </a:ext>
+            </a:extLst>
+          </p:cNvPr>
+          <p:cNvSpPr/>
+          <p:nvPr/>
+        </p:nvSpPr>
+        <p:spPr>
+          <a:xfrm>
+            <a:off x="7021164" y="1311797"/>
+            <a:ext cx="2490513" cy="507831"/>
+          </a:xfrm>
+          <a:prstGeom prst="rect">
+            <a:avLst/>
+          </a:prstGeom>
+        </p:spPr>
+        <p:txBody>
+          <a:bodyPr wrap="square">
+            <a:spAutoFit/>
+          </a:bodyPr>
+          <a:lstStyle/>
+          <a:p>
+            <a:r>
+              <a:rPr lang="en-US" sz="900" dirty="0"/>
+              <a:t>f7TimelineItem( ..., date = NULL, card = FALSE, time = NULL, title = NULL, subtitle = NULL, side = NULL )</a:t>
+            </a:r>
+          </a:p>
+        </p:txBody>
+      </p:sp>
+      <p:pic>
+        <p:nvPicPr>
+          <p:cNvPr id="84" name="Picture 83" descr="A screenshot of a cell phone&#10;&#10;Description automatically generated">
+            <a:extLst>
+              <a:ext uri="{FF2B5EF4-FFF2-40B4-BE49-F238E27FC236}">
+                <a16:creationId xmlns:a16="http://schemas.microsoft.com/office/drawing/2014/main" id="{C22A8585-C06E-5347-8F68-F231E8D1CEDF}"/>
+              </a:ext>
+            </a:extLst>
+          </p:cNvPr>
+          <p:cNvPicPr>
+            <a:picLocks noChangeAspect="1"/>
+          </p:cNvPicPr>
+          <p:nvPr/>
+        </p:nvPicPr>
+        <p:blipFill>
+          <a:blip r:embed="rId13">
+            <a:extLst>
+              <a:ext uri="{28A0092B-C50C-407E-A947-70E740481C1C}">
+                <a14:useLocalDpi xmlns:a14="http://schemas.microsoft.com/office/drawing/2010/main" val="0"/>
+              </a:ext>
+            </a:extLst>
+          </a:blip>
+          <a:stretch>
+            <a:fillRect/>
+          </a:stretch>
+        </p:blipFill>
+        <p:spPr>
+          <a:xfrm>
+            <a:off x="7062908" y="1943699"/>
+            <a:ext cx="1196340" cy="1440180"/>
+          </a:xfrm>
+          <a:prstGeom prst="rect">
+            <a:avLst/>
+          </a:prstGeom>
+        </p:spPr>
+      </p:pic>
+      <p:pic>
+        <p:nvPicPr>
+          <p:cNvPr id="93" name="Picture 92" descr="A screenshot of a cell phone&#10;&#10;Description automatically generated">
+            <a:extLst>
+              <a:ext uri="{FF2B5EF4-FFF2-40B4-BE49-F238E27FC236}">
+                <a16:creationId xmlns:a16="http://schemas.microsoft.com/office/drawing/2014/main" id="{74E4204A-AC6C-9F42-B6E9-91AD2CF0CC55}"/>
+              </a:ext>
+            </a:extLst>
+          </p:cNvPr>
+          <p:cNvPicPr>
+            <a:picLocks noChangeAspect="1"/>
+          </p:cNvPicPr>
+          <p:nvPr/>
+        </p:nvPicPr>
+        <p:blipFill>
+          <a:blip r:embed="rId14">
+            <a:extLst>
+              <a:ext uri="{28A0092B-C50C-407E-A947-70E740481C1C}">
+                <a14:useLocalDpi xmlns:a14="http://schemas.microsoft.com/office/drawing/2010/main" val="0"/>
+              </a:ext>
+            </a:extLst>
+          </a:blip>
+          <a:stretch>
+            <a:fillRect/>
+          </a:stretch>
+        </p:blipFill>
+        <p:spPr>
+          <a:xfrm>
+            <a:off x="8412177" y="1964552"/>
+            <a:ext cx="1196340" cy="1383030"/>
+          </a:xfrm>
+          <a:prstGeom prst="rect">
+            <a:avLst/>
+          </a:prstGeom>
+        </p:spPr>
+      </p:pic>
+      <p:pic>
+        <p:nvPicPr>
+          <p:cNvPr id="95" name="Picture 94" descr="A screenshot of a cell phone&#10;&#10;Description automatically generated">
+            <a:extLst>
+              <a:ext uri="{FF2B5EF4-FFF2-40B4-BE49-F238E27FC236}">
+                <a16:creationId xmlns:a16="http://schemas.microsoft.com/office/drawing/2014/main" id="{A2E79E8A-4D09-6A45-8EC1-4AEB9879B2E6}"/>
+              </a:ext>
+            </a:extLst>
+          </p:cNvPr>
+          <p:cNvPicPr>
+            <a:picLocks noChangeAspect="1"/>
+          </p:cNvPicPr>
+          <p:nvPr/>
+        </p:nvPicPr>
+        <p:blipFill>
+          <a:blip r:embed="rId15">
+            <a:extLst>
+              <a:ext uri="{28A0092B-C50C-407E-A947-70E740481C1C}">
+                <a14:useLocalDpi xmlns:a14="http://schemas.microsoft.com/office/drawing/2010/main" val="0"/>
+              </a:ext>
+            </a:extLst>
+          </a:blip>
+          <a:stretch>
+            <a:fillRect/>
+          </a:stretch>
+        </p:blipFill>
+        <p:spPr>
+          <a:xfrm>
+            <a:off x="7074570" y="3594958"/>
+            <a:ext cx="1196340" cy="838200"/>
+          </a:xfrm>
+          <a:prstGeom prst="rect">
+            <a:avLst/>
+          </a:prstGeom>
+        </p:spPr>
+      </p:pic>
+      <p:pic>
+        <p:nvPicPr>
+          <p:cNvPr id="104" name="Picture 103" descr="A screenshot of a cell phone&#10;&#10;Description automatically generated">
+            <a:extLst>
+              <a:ext uri="{FF2B5EF4-FFF2-40B4-BE49-F238E27FC236}">
+                <a16:creationId xmlns:a16="http://schemas.microsoft.com/office/drawing/2014/main" id="{5ADB0184-D743-1D4F-AEE2-6867A7AAB03B}"/>
+              </a:ext>
+            </a:extLst>
+          </p:cNvPr>
+          <p:cNvPicPr>
+            <a:picLocks noChangeAspect="1"/>
+          </p:cNvPicPr>
+          <p:nvPr/>
+        </p:nvPicPr>
+        <p:blipFill>
+          <a:blip r:embed="rId16">
+            <a:extLst>
+              <a:ext uri="{28A0092B-C50C-407E-A947-70E740481C1C}">
+                <a14:useLocalDpi xmlns:a14="http://schemas.microsoft.com/office/drawing/2010/main" val="0"/>
+              </a:ext>
+            </a:extLst>
+          </a:blip>
+          <a:stretch>
+            <a:fillRect/>
+          </a:stretch>
+        </p:blipFill>
+        <p:spPr>
+          <a:xfrm>
+            <a:off x="8387412" y="3593859"/>
+            <a:ext cx="1245870" cy="1047750"/>
+          </a:xfrm>
+          <a:prstGeom prst="rect">
+            <a:avLst/>
+          </a:prstGeom>
+        </p:spPr>
+      </p:pic>
+      <p:sp>
+        <p:nvSpPr>
+          <p:cNvPr id="106" name="Rectangle 105">
+            <a:extLst>
+              <a:ext uri="{FF2B5EF4-FFF2-40B4-BE49-F238E27FC236}">
+                <a16:creationId xmlns:a16="http://schemas.microsoft.com/office/drawing/2014/main" id="{C26CC226-DCD2-F34C-B538-DADADC66D3BA}"/>
+              </a:ext>
+            </a:extLst>
+          </p:cNvPr>
+          <p:cNvSpPr/>
+          <p:nvPr/>
+        </p:nvSpPr>
+        <p:spPr>
+          <a:xfrm>
+            <a:off x="7021164" y="5172653"/>
+            <a:ext cx="3031484" cy="1061829"/>
+          </a:xfrm>
+          <a:prstGeom prst="rect">
+            <a:avLst/>
+          </a:prstGeom>
+        </p:spPr>
+        <p:txBody>
+          <a:bodyPr wrap="square">
+            <a:spAutoFit/>
+          </a:bodyPr>
+          <a:lstStyle/>
+          <a:p>
+            <a:r>
+              <a:rPr lang="en-US" sz="900" dirty="0"/>
+              <a:t>f7Gauge( id, type = NULL, value = NULL, size = NULL, </a:t>
+            </a:r>
+            <a:r>
+              <a:rPr lang="en-US" sz="900" dirty="0" err="1"/>
+              <a:t>bgColor</a:t>
+            </a:r>
+            <a:r>
+              <a:rPr lang="en-US" sz="900" dirty="0"/>
+              <a:t> = NULL, </a:t>
+            </a:r>
+            <a:r>
+              <a:rPr lang="en-US" sz="900" dirty="0" err="1"/>
+              <a:t>borderBgColor</a:t>
+            </a:r>
+            <a:r>
+              <a:rPr lang="en-US" sz="900" dirty="0"/>
+              <a:t> = NULL, </a:t>
+            </a:r>
+            <a:r>
+              <a:rPr lang="en-US" sz="900" dirty="0" err="1"/>
+              <a:t>borderColor</a:t>
+            </a:r>
+            <a:r>
+              <a:rPr lang="en-US" sz="900" dirty="0"/>
+              <a:t> = NULL, </a:t>
+            </a:r>
+            <a:r>
+              <a:rPr lang="en-US" sz="900" dirty="0" err="1"/>
+              <a:t>borderWidth</a:t>
+            </a:r>
+            <a:r>
+              <a:rPr lang="en-US" sz="900" dirty="0"/>
+              <a:t> = NULL, </a:t>
+            </a:r>
+            <a:r>
+              <a:rPr lang="en-US" sz="900" dirty="0" err="1"/>
+              <a:t>valueText</a:t>
+            </a:r>
+            <a:r>
+              <a:rPr lang="en-US" sz="900" dirty="0"/>
+              <a:t> = NULL, </a:t>
+            </a:r>
+            <a:r>
+              <a:rPr lang="en-US" sz="900" dirty="0" err="1"/>
+              <a:t>valueTextColor</a:t>
+            </a:r>
+            <a:r>
+              <a:rPr lang="en-US" sz="900" dirty="0"/>
+              <a:t> = NULL, </a:t>
+            </a:r>
+            <a:r>
+              <a:rPr lang="en-US" sz="900" dirty="0" err="1"/>
+              <a:t>valueFontSize</a:t>
+            </a:r>
+            <a:r>
+              <a:rPr lang="en-US" sz="900" dirty="0"/>
+              <a:t> = NULL, </a:t>
+            </a:r>
+            <a:r>
+              <a:rPr lang="en-US" sz="900" dirty="0" err="1"/>
+              <a:t>valueFontWeight</a:t>
+            </a:r>
+            <a:r>
+              <a:rPr lang="en-US" sz="900" dirty="0"/>
+              <a:t> = NULL, </a:t>
+            </a:r>
+            <a:r>
+              <a:rPr lang="en-US" sz="900" dirty="0" err="1"/>
+              <a:t>labelText</a:t>
+            </a:r>
+            <a:r>
+              <a:rPr lang="en-US" sz="900" dirty="0"/>
+              <a:t> = NULL, </a:t>
+            </a:r>
+            <a:r>
+              <a:rPr lang="en-US" sz="900" dirty="0" err="1"/>
+              <a:t>labelTextColor</a:t>
+            </a:r>
+            <a:r>
+              <a:rPr lang="en-US" sz="900" dirty="0"/>
+              <a:t> = NULL, </a:t>
+            </a:r>
+            <a:r>
+              <a:rPr lang="en-US" sz="900" dirty="0" err="1"/>
+              <a:t>labelFontSize</a:t>
+            </a:r>
+            <a:r>
+              <a:rPr lang="en-US" sz="900" dirty="0"/>
+              <a:t> = NULL, </a:t>
+            </a:r>
+            <a:r>
+              <a:rPr lang="en-US" sz="900" dirty="0" err="1"/>
+              <a:t>labelFontWeight</a:t>
+            </a:r>
+            <a:r>
+              <a:rPr lang="en-US" sz="900" dirty="0"/>
+              <a:t> = NULL )</a:t>
+            </a:r>
+          </a:p>
+        </p:txBody>
+      </p:sp>
+      <p:pic>
+        <p:nvPicPr>
+          <p:cNvPr id="109" name="Picture 108" descr="A close up of a logo&#10;&#10;Description automatically generated">
+            <a:extLst>
+              <a:ext uri="{FF2B5EF4-FFF2-40B4-BE49-F238E27FC236}">
+                <a16:creationId xmlns:a16="http://schemas.microsoft.com/office/drawing/2014/main" id="{76854B99-6506-084D-8294-24181F5FFBE4}"/>
+              </a:ext>
+            </a:extLst>
+          </p:cNvPr>
+          <p:cNvPicPr>
+            <a:picLocks noChangeAspect="1"/>
+          </p:cNvPicPr>
+          <p:nvPr/>
+        </p:nvPicPr>
+        <p:blipFill>
+          <a:blip r:embed="rId17">
+            <a:extLst>
+              <a:ext uri="{28A0092B-C50C-407E-A947-70E740481C1C}">
+                <a14:useLocalDpi xmlns:a14="http://schemas.microsoft.com/office/drawing/2010/main" val="0"/>
+              </a:ext>
+            </a:extLst>
+          </a:blip>
+          <a:stretch>
+            <a:fillRect/>
+          </a:stretch>
+        </p:blipFill>
+        <p:spPr>
+          <a:xfrm>
+            <a:off x="7048604" y="6444072"/>
+            <a:ext cx="1600200" cy="857250"/>
+          </a:xfrm>
+          <a:prstGeom prst="rect">
+            <a:avLst/>
+          </a:prstGeom>
+        </p:spPr>
+      </p:pic>
+      <p:pic>
+        <p:nvPicPr>
+          <p:cNvPr id="113" name="Picture 112" descr="A close up of a logo&#10;&#10;Description automatically generated">
+            <a:extLst>
+              <a:ext uri="{FF2B5EF4-FFF2-40B4-BE49-F238E27FC236}">
+                <a16:creationId xmlns:a16="http://schemas.microsoft.com/office/drawing/2014/main" id="{11EC3B10-7DD1-DD4F-8CFD-C1170A3F62DC}"/>
+              </a:ext>
+            </a:extLst>
+          </p:cNvPr>
+          <p:cNvPicPr>
+            <a:picLocks noChangeAspect="1"/>
+          </p:cNvPicPr>
+          <p:nvPr/>
+        </p:nvPicPr>
+        <p:blipFill>
+          <a:blip r:embed="rId18">
+            <a:extLst>
+              <a:ext uri="{28A0092B-C50C-407E-A947-70E740481C1C}">
+                <a14:useLocalDpi xmlns:a14="http://schemas.microsoft.com/office/drawing/2010/main" val="0"/>
+              </a:ext>
+            </a:extLst>
+          </a:blip>
+          <a:stretch>
+            <a:fillRect/>
+          </a:stretch>
+        </p:blipFill>
+        <p:spPr>
+          <a:xfrm>
+            <a:off x="8610105" y="6287443"/>
+            <a:ext cx="1600200" cy="1454150"/>
+          </a:xfrm>
+          <a:prstGeom prst="rect">
+            <a:avLst/>
+          </a:prstGeom>
+        </p:spPr>
+      </p:pic>
+      <p:sp>
+        <p:nvSpPr>
+          <p:cNvPr id="114" name="Rectangle 113">
+            <a:extLst>
+              <a:ext uri="{FF2B5EF4-FFF2-40B4-BE49-F238E27FC236}">
+                <a16:creationId xmlns:a16="http://schemas.microsoft.com/office/drawing/2014/main" id="{C59D0200-6113-2D46-A42D-DEEE6DA07786}"/>
+              </a:ext>
+            </a:extLst>
+          </p:cNvPr>
+          <p:cNvSpPr/>
+          <p:nvPr/>
+        </p:nvSpPr>
+        <p:spPr>
+          <a:xfrm>
+            <a:off x="7022590" y="8151989"/>
+            <a:ext cx="1571264" cy="230832"/>
+          </a:xfrm>
+          <a:prstGeom prst="rect">
+            <a:avLst/>
+          </a:prstGeom>
+        </p:spPr>
+        <p:txBody>
+          <a:bodyPr wrap="none">
+            <a:spAutoFit/>
+          </a:bodyPr>
+          <a:lstStyle/>
+          <a:p>
+            <a:r>
+              <a:rPr lang="en-US" sz="900" dirty="0"/>
+              <a:t>f7Progress(id, value, color)</a:t>
+            </a:r>
+          </a:p>
+        </p:txBody>
+      </p:sp>
+      <p:sp>
+        <p:nvSpPr>
+          <p:cNvPr id="166" name="APP TEMPLATE">
+            <a:extLst>
+              <a:ext uri="{FF2B5EF4-FFF2-40B4-BE49-F238E27FC236}">
+                <a16:creationId xmlns:a16="http://schemas.microsoft.com/office/drawing/2014/main" id="{3FB2AB9B-DFB6-1149-94C0-4CB8DC3434A2}"/>
+              </a:ext>
+            </a:extLst>
+          </p:cNvPr>
+          <p:cNvSpPr txBox="1"/>
+          <p:nvPr/>
+        </p:nvSpPr>
+        <p:spPr>
+          <a:xfrm>
+            <a:off x="7119353" y="7923333"/>
+            <a:ext cx="1155766" cy="210314"/>
+          </a:xfrm>
+          <a:prstGeom prst="rect">
+            <a:avLst/>
+          </a:prstGeom>
+          <a:ln w="12700">
+            <a:miter lim="400000"/>
+          </a:ln>
+          <a:extLst>
+            <a:ext uri="{C572A759-6A51-4108-AA02-DFA0A04FC94B}">
+              <ma14:wrappingTextBoxFlag xmlns="" xmlns:m="http://schemas.openxmlformats.org/officeDocument/2006/math" xmlns:a14="http://schemas.microsoft.com/office/drawing/2010/main" xmlns:ma14="http://schemas.microsoft.com/office/mac/drawingml/2011/main" val="1"/>
+            </a:ext>
+          </a:extLst>
+        </p:spPr>
+        <p:txBody>
+          <a:bodyPr wrap="none" lIns="12700" tIns="12700" rIns="12700" bIns="12700" anchor="ctr">
+            <a:spAutoFit/>
+          </a:bodyPr>
+          <a:lstStyle/>
+          <a:p>
+            <a:pPr lvl="1" indent="0"/>
+            <a:r>
+              <a:rPr lang="en-US" dirty="0"/>
+              <a:t>PROGRESS BARS</a:t>
+            </a:r>
+            <a:endParaRPr dirty="0"/>
+          </a:p>
+        </p:txBody>
+      </p:sp>
+      <p:sp>
+        <p:nvSpPr>
+          <p:cNvPr id="167" name="Line">
+            <a:extLst>
+              <a:ext uri="{FF2B5EF4-FFF2-40B4-BE49-F238E27FC236}">
+                <a16:creationId xmlns:a16="http://schemas.microsoft.com/office/drawing/2014/main" id="{57F5B88E-E3E2-F148-A619-C68E71F61819}"/>
+              </a:ext>
+            </a:extLst>
+          </p:cNvPr>
+          <p:cNvSpPr/>
+          <p:nvPr/>
+        </p:nvSpPr>
+        <p:spPr>
+          <a:xfrm>
+            <a:off x="7078112" y="7799261"/>
+            <a:ext cx="3031484" cy="1"/>
+          </a:xfrm>
+          <a:prstGeom prst="line">
+            <a:avLst/>
+          </a:prstGeom>
+          <a:ln w="12700">
+            <a:solidFill>
+              <a:srgbClr val="4C4C4C"/>
+            </a:solidFill>
+            <a:custDash>
+              <a:ds d="100000" sp="200000"/>
+            </a:custDash>
+          </a:ln>
+        </p:spPr>
+        <p:txBody>
+          <a:bodyPr lIns="54570" tIns="54570" rIns="54570" bIns="54570" anchor="ctr"/>
+          <a:lstStyle/>
+          <a:p>
+            <a:pPr>
+              <a:lnSpc>
+                <a:spcPct val="80000"/>
+              </a:lnSpc>
+              <a:spcBef>
+                <a:spcPts val="600"/>
+              </a:spcBef>
+              <a:defRPr b="0">
+                <a:solidFill>
+                  <a:srgbClr val="000000"/>
+                </a:solidFill>
+              </a:defRPr>
+            </a:pPr>
+            <a:endParaRPr/>
+          </a:p>
+        </p:txBody>
+      </p:sp>
+      <p:pic>
+        <p:nvPicPr>
+          <p:cNvPr id="118" name="Picture 117" descr="A picture containing screenshot&#10;&#10;Description automatically generated">
+            <a:extLst>
+              <a:ext uri="{FF2B5EF4-FFF2-40B4-BE49-F238E27FC236}">
+                <a16:creationId xmlns:a16="http://schemas.microsoft.com/office/drawing/2014/main" id="{24A5AAE2-0DCE-D243-9A34-F3F2C97DF50D}"/>
+              </a:ext>
+            </a:extLst>
+          </p:cNvPr>
+          <p:cNvPicPr>
+            <a:picLocks noChangeAspect="1"/>
+          </p:cNvPicPr>
+          <p:nvPr/>
+        </p:nvPicPr>
+        <p:blipFill>
+          <a:blip r:embed="rId19">
+            <a:extLst>
+              <a:ext uri="{28A0092B-C50C-407E-A947-70E740481C1C}">
+                <a14:useLocalDpi xmlns:a14="http://schemas.microsoft.com/office/drawing/2010/main" val="0"/>
+              </a:ext>
+            </a:extLst>
+          </a:blip>
+          <a:stretch>
+            <a:fillRect/>
+          </a:stretch>
+        </p:blipFill>
+        <p:spPr>
+          <a:xfrm>
+            <a:off x="7395094" y="8829200"/>
+            <a:ext cx="2076450" cy="355600"/>
+          </a:xfrm>
+          <a:prstGeom prst="rect">
+            <a:avLst/>
+          </a:prstGeom>
+        </p:spPr>
+      </p:pic>
+      <p:pic>
+        <p:nvPicPr>
+          <p:cNvPr id="122" name="Picture 121" descr="A close up of a screen&#10;&#10;Description automatically generated">
+            <a:extLst>
+              <a:ext uri="{FF2B5EF4-FFF2-40B4-BE49-F238E27FC236}">
+                <a16:creationId xmlns:a16="http://schemas.microsoft.com/office/drawing/2014/main" id="{A919E00F-6A3B-8C41-8D15-A063AB5C790E}"/>
+              </a:ext>
+            </a:extLst>
+          </p:cNvPr>
+          <p:cNvPicPr>
+            <a:picLocks noChangeAspect="1"/>
+          </p:cNvPicPr>
+          <p:nvPr/>
+        </p:nvPicPr>
+        <p:blipFill>
+          <a:blip r:embed="rId20">
+            <a:extLst>
+              <a:ext uri="{28A0092B-C50C-407E-A947-70E740481C1C}">
+                <a14:useLocalDpi xmlns:a14="http://schemas.microsoft.com/office/drawing/2010/main" val="0"/>
+              </a:ext>
+            </a:extLst>
+          </a:blip>
+          <a:stretch>
+            <a:fillRect/>
+          </a:stretch>
+        </p:blipFill>
+        <p:spPr>
+          <a:xfrm>
+            <a:off x="7410298" y="9612871"/>
+            <a:ext cx="2076450" cy="374650"/>
+          </a:xfrm>
+          <a:prstGeom prst="rect">
+            <a:avLst/>
+          </a:prstGeom>
+        </p:spPr>
+      </p:pic>
+      <p:sp>
+        <p:nvSpPr>
+          <p:cNvPr id="173" name="APP TEMPLATE">
+            <a:extLst>
+              <a:ext uri="{FF2B5EF4-FFF2-40B4-BE49-F238E27FC236}">
+                <a16:creationId xmlns:a16="http://schemas.microsoft.com/office/drawing/2014/main" id="{7F19E37E-DFEF-3849-A30D-6BD3980955F3}"/>
+              </a:ext>
+            </a:extLst>
+          </p:cNvPr>
+          <p:cNvSpPr txBox="1"/>
+          <p:nvPr/>
+        </p:nvSpPr>
+        <p:spPr>
+          <a:xfrm>
+            <a:off x="8209581" y="8631891"/>
+            <a:ext cx="439223" cy="210314"/>
+          </a:xfrm>
+          <a:prstGeom prst="rect">
+            <a:avLst/>
+          </a:prstGeom>
+          <a:ln w="12700">
+            <a:miter lim="400000"/>
+          </a:ln>
+          <a:extLst>
+            <a:ext uri="{C572A759-6A51-4108-AA02-DFA0A04FC94B}">
+              <ma14:wrappingTextBoxFlag xmlns="" xmlns:m="http://schemas.openxmlformats.org/officeDocument/2006/math" xmlns:a14="http://schemas.microsoft.com/office/drawing/2010/main" xmlns:ma14="http://schemas.microsoft.com/office/mac/drawingml/2011/main" val="1"/>
+            </a:ext>
+          </a:extLst>
+        </p:spPr>
+        <p:txBody>
+          <a:bodyPr wrap="none" lIns="12700" tIns="12700" rIns="12700" bIns="12700" anchor="ctr">
+            <a:spAutoFit/>
+          </a:bodyPr>
+          <a:lstStyle/>
+          <a:p>
+            <a:pPr lvl="1" indent="0"/>
+            <a:r>
+              <a:rPr lang="en-US" dirty="0">
+                <a:solidFill>
+                  <a:schemeClr val="bg1">
+                    <a:lumMod val="65000"/>
+                  </a:schemeClr>
+                </a:solidFill>
+              </a:rPr>
+              <a:t>LIGHT</a:t>
+            </a:r>
+            <a:endParaRPr dirty="0">
+              <a:solidFill>
+                <a:schemeClr val="bg1">
+                  <a:lumMod val="65000"/>
+                </a:schemeClr>
+              </a:solidFill>
+            </a:endParaRPr>
+          </a:p>
+        </p:txBody>
+      </p:sp>
+      <p:sp>
+        <p:nvSpPr>
+          <p:cNvPr id="174" name="APP TEMPLATE">
+            <a:extLst>
+              <a:ext uri="{FF2B5EF4-FFF2-40B4-BE49-F238E27FC236}">
+                <a16:creationId xmlns:a16="http://schemas.microsoft.com/office/drawing/2014/main" id="{00575996-B7CC-5240-AE09-38ED7178261B}"/>
+              </a:ext>
+            </a:extLst>
+          </p:cNvPr>
+          <p:cNvSpPr txBox="1"/>
+          <p:nvPr/>
+        </p:nvSpPr>
+        <p:spPr>
+          <a:xfrm>
+            <a:off x="8248053" y="9348469"/>
+            <a:ext cx="400751" cy="210314"/>
+          </a:xfrm>
+          <a:prstGeom prst="rect">
+            <a:avLst/>
+          </a:prstGeom>
+          <a:ln w="12700">
+            <a:miter lim="400000"/>
+          </a:ln>
+          <a:extLst>
+            <a:ext uri="{C572A759-6A51-4108-AA02-DFA0A04FC94B}">
+              <ma14:wrappingTextBoxFlag xmlns="" xmlns:m="http://schemas.openxmlformats.org/officeDocument/2006/math" xmlns:a14="http://schemas.microsoft.com/office/drawing/2010/main" xmlns:ma14="http://schemas.microsoft.com/office/mac/drawingml/2011/main" val="1"/>
+            </a:ext>
+          </a:extLst>
+        </p:spPr>
+        <p:txBody>
+          <a:bodyPr wrap="none" lIns="12700" tIns="12700" rIns="12700" bIns="12700" anchor="ctr">
+            <a:spAutoFit/>
+          </a:bodyPr>
+          <a:lstStyle/>
+          <a:p>
+            <a:pPr lvl="1" indent="0"/>
+            <a:r>
+              <a:rPr lang="en-US" dirty="0">
+                <a:solidFill>
+                  <a:schemeClr val="bg1">
+                    <a:lumMod val="65000"/>
+                  </a:schemeClr>
+                </a:solidFill>
+              </a:rPr>
+              <a:t>DARK</a:t>
+            </a:r>
+            <a:endParaRPr dirty="0">
+              <a:solidFill>
+                <a:schemeClr val="bg1">
+                  <a:lumMod val="65000"/>
+                </a:schemeClr>
+              </a:solidFill>
+            </a:endParaRPr>
+          </a:p>
+        </p:txBody>
+      </p:sp>
+      <p:sp>
+        <p:nvSpPr>
+          <p:cNvPr id="123" name="Rectangle 122">
+            <a:extLst>
+              <a:ext uri="{FF2B5EF4-FFF2-40B4-BE49-F238E27FC236}">
+                <a16:creationId xmlns:a16="http://schemas.microsoft.com/office/drawing/2014/main" id="{0A8D2F4D-304B-E14A-B2BB-CED82C6FF2D3}"/>
+              </a:ext>
+            </a:extLst>
+          </p:cNvPr>
+          <p:cNvSpPr/>
+          <p:nvPr/>
+        </p:nvSpPr>
+        <p:spPr>
+          <a:xfrm>
+            <a:off x="7030647" y="8323773"/>
+            <a:ext cx="1596912" cy="230832"/>
+          </a:xfrm>
+          <a:prstGeom prst="rect">
+            <a:avLst/>
+          </a:prstGeom>
+        </p:spPr>
+        <p:txBody>
+          <a:bodyPr wrap="none">
+            <a:spAutoFit/>
+          </a:bodyPr>
+          <a:lstStyle/>
+          <a:p>
+            <a:r>
+              <a:rPr lang="en-US" sz="900" dirty="0"/>
+              <a:t>f7ProgressInf(color = NULL)</a:t>
+            </a:r>
+          </a:p>
+        </p:txBody>
+      </p:sp>
+      <p:sp>
+        <p:nvSpPr>
+          <p:cNvPr id="175" name="Building an App">
+            <a:extLst>
+              <a:ext uri="{FF2B5EF4-FFF2-40B4-BE49-F238E27FC236}">
+                <a16:creationId xmlns:a16="http://schemas.microsoft.com/office/drawing/2014/main" id="{92ACD000-B5D0-874C-AF0B-C121133F3D2A}"/>
+              </a:ext>
+            </a:extLst>
+          </p:cNvPr>
+          <p:cNvSpPr txBox="1"/>
+          <p:nvPr/>
+        </p:nvSpPr>
+        <p:spPr>
+          <a:xfrm>
+            <a:off x="10526496" y="526333"/>
+            <a:ext cx="1229504" cy="340029"/>
+          </a:xfrm>
+          <a:prstGeom prst="rect">
+            <a:avLst/>
+          </a:prstGeom>
+          <a:ln w="12700">
+            <a:miter lim="400000"/>
+          </a:ln>
+          <a:extLst>
+            <a:ext uri="{C572A759-6A51-4108-AA02-DFA0A04FC94B}">
+              <ma14:wrappingTextBoxFlag xmlns="" xmlns:m="http://schemas.openxmlformats.org/officeDocument/2006/math" xmlns:a14="http://schemas.microsoft.com/office/drawing/2010/main" xmlns:ma14="http://schemas.microsoft.com/office/mac/drawingml/2011/main" val="1"/>
+            </a:ext>
+          </a:extLst>
+        </p:spPr>
+        <p:txBody>
+          <a:bodyPr wrap="none" lIns="12700" tIns="12700" rIns="12700" bIns="12700" anchor="ctr">
+            <a:spAutoFit/>
+          </a:bodyPr>
+          <a:lstStyle/>
+          <a:p>
+            <a:pPr lvl="1" indent="0">
+              <a:lnSpc>
+                <a:spcPct val="80000"/>
+              </a:lnSpc>
+              <a:spcBef>
+                <a:spcPts val="0"/>
+              </a:spcBef>
+              <a:defRPr sz="2500" b="0">
+                <a:solidFill>
+                  <a:srgbClr val="5589C5"/>
+                </a:solidFill>
+              </a:defRPr>
+            </a:pPr>
+            <a:r>
+              <a:rPr lang="en-US" dirty="0"/>
+              <a:t>UI: Cards</a:t>
+            </a:r>
+            <a:endParaRPr dirty="0"/>
+          </a:p>
+        </p:txBody>
+      </p:sp>
+    </p:spTree>
+    <p:extLst>
+      <p:ext uri="{BB962C8B-B14F-4D97-AF65-F5344CB8AC3E}">
+        <p14:creationId xmlns:p14="http://schemas.microsoft.com/office/powerpoint/2010/main" val="3562777402"/>
       </p:ext>
     </p:extLst>
   </p:cSld>
